--- a/Deck_Blazor_State_Management.pptx
+++ b/Deck_Blazor_State_Management.pptx
@@ -4,6 +4,9 @@
   <p:sldMasterIdLst>
     <p:sldMasterId id="2147483648" r:id="rId1"/>
   </p:sldMasterIdLst>
+  <p:notesMasterIdLst>
+    <p:notesMasterId r:id="rId37"/>
+  </p:notesMasterIdLst>
   <p:sldIdLst>
     <p:sldId id="256" r:id="rId2"/>
     <p:sldId id="258" r:id="rId3"/>
@@ -37,7 +40,7 @@
     <p:sldId id="283" r:id="rId31"/>
     <p:sldId id="293" r:id="rId32"/>
     <p:sldId id="277" r:id="rId33"/>
-    <p:sldId id="260" r:id="rId34"/>
+    <p:sldId id="298" r:id="rId34"/>
     <p:sldId id="261" r:id="rId35"/>
     <p:sldId id="278" r:id="rId36"/>
   </p:sldIdLst>
@@ -149,7 +152,7 @@
 <file path=ppt/revisionInfo.xml><?xml version="1.0" encoding="utf-8"?>
 <p1510:revInfo xmlns:a="http://schemas.openxmlformats.org/drawingml/2006/main" xmlns:r="http://schemas.openxmlformats.org/officeDocument/2006/relationships" xmlns:p1510="http://schemas.microsoft.com/office/powerpoint/2015/10/main">
   <p1510:revLst>
-    <p1510:client id="{2FC99F54-E0EA-4815-B0F5-CBF5DB271B1F}" v="641" dt="2023-05-21T18:42:23.188"/>
+    <p1510:client id="{2FC99F54-E0EA-4815-B0F5-CBF5DB271B1F}" v="720" dt="2023-05-26T09:06:08.792"/>
   </p1510:revLst>
 </p1510:revInfo>
 </file>
@@ -159,7 +162,7 @@
   <pc:docChgLst>
     <pc:chgData name="Fabio Spaziani" userId="a4266648-d70e-4ec6-841a-7ce1e10c6416" providerId="ADAL" clId="{2FC99F54-E0EA-4815-B0F5-CBF5DB271B1F}"/>
     <pc:docChg chg="undo redo custSel addSld delSld modSld sldOrd">
-      <pc:chgData name="Fabio Spaziani" userId="a4266648-d70e-4ec6-841a-7ce1e10c6416" providerId="ADAL" clId="{2FC99F54-E0EA-4815-B0F5-CBF5DB271B1F}" dt="2023-05-21T18:42:39.864" v="5751" actId="20577"/>
+      <pc:chgData name="Fabio Spaziani" userId="a4266648-d70e-4ec6-841a-7ce1e10c6416" providerId="ADAL" clId="{2FC99F54-E0EA-4815-B0F5-CBF5DB271B1F}" dt="2023-05-26T09:06:08.792" v="6008"/>
       <pc:docMkLst>
         <pc:docMk/>
       </pc:docMkLst>
@@ -405,8 +408,8 @@
           </ac:spMkLst>
         </pc:spChg>
       </pc:sldChg>
-      <pc:sldChg chg="addSp delSp modSp add mod modAnim">
-        <pc:chgData name="Fabio Spaziani" userId="a4266648-d70e-4ec6-841a-7ce1e10c6416" providerId="ADAL" clId="{2FC99F54-E0EA-4815-B0F5-CBF5DB271B1F}" dt="2023-05-20T13:48:28.182" v="5294" actId="207"/>
+      <pc:sldChg chg="addSp delSp modSp add mod delAnim modAnim">
+        <pc:chgData name="Fabio Spaziani" userId="a4266648-d70e-4ec6-841a-7ce1e10c6416" providerId="ADAL" clId="{2FC99F54-E0EA-4815-B0F5-CBF5DB271B1F}" dt="2023-05-26T09:06:08.792" v="6008"/>
         <pc:sldMkLst>
           <pc:docMk/>
           <pc:sldMk cId="2832729591" sldId="262"/>
@@ -428,6 +431,22 @@
           </ac:spMkLst>
         </pc:spChg>
         <pc:spChg chg="add mod">
+          <ac:chgData name="Fabio Spaziani" userId="a4266648-d70e-4ec6-841a-7ce1e10c6416" providerId="ADAL" clId="{2FC99F54-E0EA-4815-B0F5-CBF5DB271B1F}" dt="2023-05-24T17:47:15.714" v="5860" actId="207"/>
+          <ac:spMkLst>
+            <pc:docMk/>
+            <pc:sldMk cId="2832729591" sldId="262"/>
+            <ac:spMk id="3" creationId="{B33107D5-B8D3-94D5-C6B2-33960E3430C3}"/>
+          </ac:spMkLst>
+        </pc:spChg>
+        <pc:spChg chg="add del mod">
+          <ac:chgData name="Fabio Spaziani" userId="a4266648-d70e-4ec6-841a-7ce1e10c6416" providerId="ADAL" clId="{2FC99F54-E0EA-4815-B0F5-CBF5DB271B1F}" dt="2023-05-22T17:19:21.063" v="5792" actId="478"/>
+          <ac:spMkLst>
+            <pc:docMk/>
+            <pc:sldMk cId="2832729591" sldId="262"/>
+            <ac:spMk id="3" creationId="{FE7A8C13-D6CB-0417-D92F-BF43CD9B2C36}"/>
+          </ac:spMkLst>
+        </pc:spChg>
+        <pc:spChg chg="add mod">
           <ac:chgData name="Fabio Spaziani" userId="a4266648-d70e-4ec6-841a-7ce1e10c6416" providerId="ADAL" clId="{2FC99F54-E0EA-4815-B0F5-CBF5DB271B1F}" dt="2023-05-17T16:06:33.178" v="5076" actId="14100"/>
           <ac:spMkLst>
             <pc:docMk/>
@@ -499,12 +518,20 @@
             <ac:spMk id="12" creationId="{62CEE7AF-0072-309B-48E3-1616082EF296}"/>
           </ac:spMkLst>
         </pc:spChg>
+        <pc:spChg chg="add del mod">
+          <ac:chgData name="Fabio Spaziani" userId="a4266648-d70e-4ec6-841a-7ce1e10c6416" providerId="ADAL" clId="{2FC99F54-E0EA-4815-B0F5-CBF5DB271B1F}" dt="2023-05-24T17:47:51.369" v="5883" actId="478"/>
+          <ac:spMkLst>
+            <pc:docMk/>
+            <pc:sldMk cId="2832729591" sldId="262"/>
+            <ac:spMk id="13" creationId="{E5CE97D8-85E8-67E6-2980-3E88C00C32A9}"/>
+          </ac:spMkLst>
+        </pc:spChg>
         <pc:spChg chg="add mod">
           <ac:chgData name="Fabio Spaziani" userId="a4266648-d70e-4ec6-841a-7ce1e10c6416" providerId="ADAL" clId="{2FC99F54-E0EA-4815-B0F5-CBF5DB271B1F}" dt="2023-05-17T16:05:37.566" v="5071" actId="1076"/>
           <ac:spMkLst>
             <pc:docMk/>
             <pc:sldMk cId="2832729591" sldId="262"/>
-            <ac:spMk id="13" creationId="{E5CE97D8-85E8-67E6-2980-3E88C00C32A9}"/>
+            <ac:spMk id="14" creationId="{15720588-2D23-C902-2754-3F7F888B6A37}"/>
           </ac:spMkLst>
         </pc:spChg>
         <pc:spChg chg="add mod">
@@ -512,7 +539,7 @@
           <ac:spMkLst>
             <pc:docMk/>
             <pc:sldMk cId="2832729591" sldId="262"/>
-            <ac:spMk id="14" creationId="{15720588-2D23-C902-2754-3F7F888B6A37}"/>
+            <ac:spMk id="29" creationId="{14FF4B2B-2373-36B3-00AA-2934B7AA7A54}"/>
           </ac:spMkLst>
         </pc:spChg>
         <pc:spChg chg="add mod">
@@ -520,7 +547,7 @@
           <ac:spMkLst>
             <pc:docMk/>
             <pc:sldMk cId="2832729591" sldId="262"/>
-            <ac:spMk id="29" creationId="{14FF4B2B-2373-36B3-00AA-2934B7AA7A54}"/>
+            <ac:spMk id="30" creationId="{100563E7-E6EC-1F67-7505-B6821CC8099D}"/>
           </ac:spMkLst>
         </pc:spChg>
         <pc:spChg chg="add mod">
@@ -528,7 +555,7 @@
           <ac:spMkLst>
             <pc:docMk/>
             <pc:sldMk cId="2832729591" sldId="262"/>
-            <ac:spMk id="30" creationId="{100563E7-E6EC-1F67-7505-B6821CC8099D}"/>
+            <ac:spMk id="31" creationId="{F220F6EB-0710-2827-7B61-1906C4062AD3}"/>
           </ac:spMkLst>
         </pc:spChg>
         <pc:spChg chg="add mod">
@@ -536,7 +563,7 @@
           <ac:spMkLst>
             <pc:docMk/>
             <pc:sldMk cId="2832729591" sldId="262"/>
-            <ac:spMk id="31" creationId="{F220F6EB-0710-2827-7B61-1906C4062AD3}"/>
+            <ac:spMk id="32" creationId="{80813D82-A04C-F41B-05BA-D014EA698EC9}"/>
           </ac:spMkLst>
         </pc:spChg>
         <pc:spChg chg="add mod">
@@ -544,7 +571,7 @@
           <ac:spMkLst>
             <pc:docMk/>
             <pc:sldMk cId="2832729591" sldId="262"/>
-            <ac:spMk id="32" creationId="{80813D82-A04C-F41B-05BA-D014EA698EC9}"/>
+            <ac:spMk id="33" creationId="{B0395186-ACE9-1D6F-B9BB-1B25C96111A6}"/>
           </ac:spMkLst>
         </pc:spChg>
         <pc:spChg chg="add mod">
@@ -552,7 +579,7 @@
           <ac:spMkLst>
             <pc:docMk/>
             <pc:sldMk cId="2832729591" sldId="262"/>
-            <ac:spMk id="33" creationId="{B0395186-ACE9-1D6F-B9BB-1B25C96111A6}"/>
+            <ac:spMk id="34" creationId="{F8D79DDE-603E-8BEE-4CC9-8E07AF4A50A8}"/>
           </ac:spMkLst>
         </pc:spChg>
         <pc:spChg chg="add mod">
@@ -560,7 +587,7 @@
           <ac:spMkLst>
             <pc:docMk/>
             <pc:sldMk cId="2832729591" sldId="262"/>
-            <ac:spMk id="34" creationId="{F8D79DDE-603E-8BEE-4CC9-8E07AF4A50A8}"/>
+            <ac:spMk id="35" creationId="{573F41A4-F1AD-E6A8-B93C-A734CC1404F6}"/>
           </ac:spMkLst>
         </pc:spChg>
         <pc:spChg chg="add mod">
@@ -568,7 +595,15 @@
           <ac:spMkLst>
             <pc:docMk/>
             <pc:sldMk cId="2832729591" sldId="262"/>
-            <ac:spMk id="35" creationId="{573F41A4-F1AD-E6A8-B93C-A734CC1404F6}"/>
+            <ac:spMk id="36" creationId="{9462D4FC-C856-78AD-27A8-91F66F9C9C0C}"/>
+          </ac:spMkLst>
+        </pc:spChg>
+        <pc:spChg chg="add del mod">
+          <ac:chgData name="Fabio Spaziani" userId="a4266648-d70e-4ec6-841a-7ce1e10c6416" providerId="ADAL" clId="{2FC99F54-E0EA-4815-B0F5-CBF5DB271B1F}" dt="2023-05-24T17:47:53.081" v="5885" actId="478"/>
+          <ac:spMkLst>
+            <pc:docMk/>
+            <pc:sldMk cId="2832729591" sldId="262"/>
+            <ac:spMk id="37" creationId="{2B2B8154-E2F4-5C54-260B-1E5A1938674B}"/>
           </ac:spMkLst>
         </pc:spChg>
         <pc:spChg chg="add mod">
@@ -576,7 +611,7 @@
           <ac:spMkLst>
             <pc:docMk/>
             <pc:sldMk cId="2832729591" sldId="262"/>
-            <ac:spMk id="36" creationId="{9462D4FC-C856-78AD-27A8-91F66F9C9C0C}"/>
+            <ac:spMk id="38" creationId="{A1827F99-82E5-4135-BB5D-B63FB3E008A1}"/>
           </ac:spMkLst>
         </pc:spChg>
         <pc:spChg chg="add mod">
@@ -584,7 +619,39 @@
           <ac:spMkLst>
             <pc:docMk/>
             <pc:sldMk cId="2832729591" sldId="262"/>
-            <ac:spMk id="37" creationId="{2B2B8154-E2F4-5C54-260B-1E5A1938674B}"/>
+            <ac:spMk id="48" creationId="{0502EB9E-F053-148D-FCBC-F869910E1DD8}"/>
+          </ac:spMkLst>
+        </pc:spChg>
+        <pc:spChg chg="add mod">
+          <ac:chgData name="Fabio Spaziani" userId="a4266648-d70e-4ec6-841a-7ce1e10c6416" providerId="ADAL" clId="{2FC99F54-E0EA-4815-B0F5-CBF5DB271B1F}" dt="2023-05-17T16:07:52.045" v="5082" actId="12789"/>
+          <ac:spMkLst>
+            <pc:docMk/>
+            <pc:sldMk cId="2832729591" sldId="262"/>
+            <ac:spMk id="52" creationId="{A24C2B97-85B6-4BD1-B421-7986BC9D2EAD}"/>
+          </ac:spMkLst>
+        </pc:spChg>
+        <pc:spChg chg="add mod">
+          <ac:chgData name="Fabio Spaziani" userId="a4266648-d70e-4ec6-841a-7ce1e10c6416" providerId="ADAL" clId="{2FC99F54-E0EA-4815-B0F5-CBF5DB271B1F}" dt="2023-05-24T17:47:15.714" v="5860" actId="207"/>
+          <ac:spMkLst>
+            <pc:docMk/>
+            <pc:sldMk cId="2832729591" sldId="262"/>
+            <ac:spMk id="53" creationId="{DC102E12-E113-A7FD-7608-23764FD9B8B6}"/>
+          </ac:spMkLst>
+        </pc:spChg>
+        <pc:spChg chg="add mod">
+          <ac:chgData name="Fabio Spaziani" userId="a4266648-d70e-4ec6-841a-7ce1e10c6416" providerId="ADAL" clId="{2FC99F54-E0EA-4815-B0F5-CBF5DB271B1F}" dt="2023-05-24T17:47:15.714" v="5860" actId="207"/>
+          <ac:spMkLst>
+            <pc:docMk/>
+            <pc:sldMk cId="2832729591" sldId="262"/>
+            <ac:spMk id="54" creationId="{8FCC62CA-947E-2091-9223-3032551BC0BA}"/>
+          </ac:spMkLst>
+        </pc:spChg>
+        <pc:spChg chg="add del mod">
+          <ac:chgData name="Fabio Spaziani" userId="a4266648-d70e-4ec6-841a-7ce1e10c6416" providerId="ADAL" clId="{2FC99F54-E0EA-4815-B0F5-CBF5DB271B1F}" dt="2023-05-16T16:36:20.336" v="3825" actId="478"/>
+          <ac:spMkLst>
+            <pc:docMk/>
+            <pc:sldMk cId="2832729591" sldId="262"/>
+            <ac:spMk id="54" creationId="{B38A8873-1BF9-259E-9680-16A90D8FF4B7}"/>
           </ac:spMkLst>
         </pc:spChg>
         <pc:spChg chg="add mod">
@@ -592,7 +659,7 @@
           <ac:spMkLst>
             <pc:docMk/>
             <pc:sldMk cId="2832729591" sldId="262"/>
-            <ac:spMk id="38" creationId="{A1827F99-82E5-4135-BB5D-B63FB3E008A1}"/>
+            <ac:spMk id="55" creationId="{F2ED39A3-F3D5-6CB0-6F35-F15F98D57A4D}"/>
           </ac:spMkLst>
         </pc:spChg>
         <pc:spChg chg="add mod">
@@ -600,23 +667,7 @@
           <ac:spMkLst>
             <pc:docMk/>
             <pc:sldMk cId="2832729591" sldId="262"/>
-            <ac:spMk id="48" creationId="{0502EB9E-F053-148D-FCBC-F869910E1DD8}"/>
-          </ac:spMkLst>
-        </pc:spChg>
-        <pc:spChg chg="add mod">
-          <ac:chgData name="Fabio Spaziani" userId="a4266648-d70e-4ec6-841a-7ce1e10c6416" providerId="ADAL" clId="{2FC99F54-E0EA-4815-B0F5-CBF5DB271B1F}" dt="2023-05-17T16:07:52.045" v="5082" actId="12789"/>
-          <ac:spMkLst>
-            <pc:docMk/>
-            <pc:sldMk cId="2832729591" sldId="262"/>
-            <ac:spMk id="52" creationId="{A24C2B97-85B6-4BD1-B421-7986BC9D2EAD}"/>
-          </ac:spMkLst>
-        </pc:spChg>
-        <pc:spChg chg="add del mod">
-          <ac:chgData name="Fabio Spaziani" userId="a4266648-d70e-4ec6-841a-7ce1e10c6416" providerId="ADAL" clId="{2FC99F54-E0EA-4815-B0F5-CBF5DB271B1F}" dt="2023-05-16T16:36:20.336" v="3825" actId="478"/>
-          <ac:spMkLst>
-            <pc:docMk/>
-            <pc:sldMk cId="2832729591" sldId="262"/>
-            <ac:spMk id="54" creationId="{B38A8873-1BF9-259E-9680-16A90D8FF4B7}"/>
+            <ac:spMk id="56" creationId="{37EBEFA3-1294-2D0E-4B99-0D31A6828890}"/>
           </ac:spMkLst>
         </pc:spChg>
         <pc:spChg chg="add mod">
@@ -624,7 +675,7 @@
           <ac:spMkLst>
             <pc:docMk/>
             <pc:sldMk cId="2832729591" sldId="262"/>
-            <ac:spMk id="55" creationId="{F2ED39A3-F3D5-6CB0-6F35-F15F98D57A4D}"/>
+            <ac:spMk id="57" creationId="{0FC86A0D-4D2E-7AD1-38FD-1ADB0142B3D3}"/>
           </ac:spMkLst>
         </pc:spChg>
         <pc:spChg chg="add mod">
@@ -632,7 +683,7 @@
           <ac:spMkLst>
             <pc:docMk/>
             <pc:sldMk cId="2832729591" sldId="262"/>
-            <ac:spMk id="56" creationId="{37EBEFA3-1294-2D0E-4B99-0D31A6828890}"/>
+            <ac:spMk id="58" creationId="{E8770371-4343-6690-1FBF-000D4134C33F}"/>
           </ac:spMkLst>
         </pc:spChg>
         <pc:spChg chg="add mod">
@@ -640,7 +691,7 @@
           <ac:spMkLst>
             <pc:docMk/>
             <pc:sldMk cId="2832729591" sldId="262"/>
-            <ac:spMk id="57" creationId="{0FC86A0D-4D2E-7AD1-38FD-1ADB0142B3D3}"/>
+            <ac:spMk id="59" creationId="{9346D360-8847-6FA0-EAD6-45EACDE10CBD}"/>
           </ac:spMkLst>
         </pc:spChg>
         <pc:spChg chg="add mod">
@@ -648,7 +699,7 @@
           <ac:spMkLst>
             <pc:docMk/>
             <pc:sldMk cId="2832729591" sldId="262"/>
-            <ac:spMk id="58" creationId="{E8770371-4343-6690-1FBF-000D4134C33F}"/>
+            <ac:spMk id="60" creationId="{4145ADF0-C033-C6A2-75D5-220A50A02B14}"/>
           </ac:spMkLst>
         </pc:spChg>
         <pc:spChg chg="add mod">
@@ -656,7 +707,7 @@
           <ac:spMkLst>
             <pc:docMk/>
             <pc:sldMk cId="2832729591" sldId="262"/>
-            <ac:spMk id="59" creationId="{9346D360-8847-6FA0-EAD6-45EACDE10CBD}"/>
+            <ac:spMk id="61" creationId="{D16BF5AE-482D-FB32-9062-9F30E620B2AC}"/>
           </ac:spMkLst>
         </pc:spChg>
         <pc:spChg chg="add mod">
@@ -664,7 +715,15 @@
           <ac:spMkLst>
             <pc:docMk/>
             <pc:sldMk cId="2832729591" sldId="262"/>
-            <ac:spMk id="60" creationId="{4145ADF0-C033-C6A2-75D5-220A50A02B14}"/>
+            <ac:spMk id="62" creationId="{1B9E6C30-D9C5-2786-10F6-622F144D0A80}"/>
+          </ac:spMkLst>
+        </pc:spChg>
+        <pc:spChg chg="add del mod">
+          <ac:chgData name="Fabio Spaziani" userId="a4266648-d70e-4ec6-841a-7ce1e10c6416" providerId="ADAL" clId="{2FC99F54-E0EA-4815-B0F5-CBF5DB271B1F}" dt="2023-05-24T17:47:44.176" v="5879" actId="478"/>
+          <ac:spMkLst>
+            <pc:docMk/>
+            <pc:sldMk cId="2832729591" sldId="262"/>
+            <ac:spMk id="63" creationId="{265BF815-CF25-F1F9-BAC4-A094EE122A7A}"/>
           </ac:spMkLst>
         </pc:spChg>
         <pc:spChg chg="add mod">
@@ -672,31 +731,15 @@
           <ac:spMkLst>
             <pc:docMk/>
             <pc:sldMk cId="2832729591" sldId="262"/>
-            <ac:spMk id="61" creationId="{D16BF5AE-482D-FB32-9062-9F30E620B2AC}"/>
+            <ac:spMk id="64" creationId="{3B2DAE37-8638-2504-578F-2E2813F97CFC}"/>
           </ac:spMkLst>
         </pc:spChg>
         <pc:spChg chg="add mod">
-          <ac:chgData name="Fabio Spaziani" userId="a4266648-d70e-4ec6-841a-7ce1e10c6416" providerId="ADAL" clId="{2FC99F54-E0EA-4815-B0F5-CBF5DB271B1F}" dt="2023-05-17T16:05:37.566" v="5071" actId="1076"/>
+          <ac:chgData name="Fabio Spaziani" userId="a4266648-d70e-4ec6-841a-7ce1e10c6416" providerId="ADAL" clId="{2FC99F54-E0EA-4815-B0F5-CBF5DB271B1F}" dt="2023-05-24T17:48:00.521" v="5887" actId="1076"/>
           <ac:spMkLst>
             <pc:docMk/>
             <pc:sldMk cId="2832729591" sldId="262"/>
-            <ac:spMk id="62" creationId="{1B9E6C30-D9C5-2786-10F6-622F144D0A80}"/>
-          </ac:spMkLst>
-        </pc:spChg>
-        <pc:spChg chg="add mod">
-          <ac:chgData name="Fabio Spaziani" userId="a4266648-d70e-4ec6-841a-7ce1e10c6416" providerId="ADAL" clId="{2FC99F54-E0EA-4815-B0F5-CBF5DB271B1F}" dt="2023-05-17T16:05:37.566" v="5071" actId="1076"/>
-          <ac:spMkLst>
-            <pc:docMk/>
-            <pc:sldMk cId="2832729591" sldId="262"/>
-            <ac:spMk id="63" creationId="{265BF815-CF25-F1F9-BAC4-A094EE122A7A}"/>
-          </ac:spMkLst>
-        </pc:spChg>
-        <pc:spChg chg="add mod">
-          <ac:chgData name="Fabio Spaziani" userId="a4266648-d70e-4ec6-841a-7ce1e10c6416" providerId="ADAL" clId="{2FC99F54-E0EA-4815-B0F5-CBF5DB271B1F}" dt="2023-05-17T16:05:37.566" v="5071" actId="1076"/>
-          <ac:spMkLst>
-            <pc:docMk/>
-            <pc:sldMk cId="2832729591" sldId="262"/>
-            <ac:spMk id="64" creationId="{3B2DAE37-8638-2504-578F-2E2813F97CFC}"/>
+            <ac:spMk id="74" creationId="{C39515CD-56DC-6A39-6796-B719303D224E}"/>
           </ac:spMkLst>
         </pc:spChg>
         <pc:spChg chg="add mod">
@@ -811,8 +854,8 @@
             <ac:cxnSpMk id="21" creationId="{78A207E2-AE0E-C889-300B-F45861195296}"/>
           </ac:cxnSpMkLst>
         </pc:cxnChg>
-        <pc:cxnChg chg="add mod">
-          <ac:chgData name="Fabio Spaziani" userId="a4266648-d70e-4ec6-841a-7ce1e10c6416" providerId="ADAL" clId="{2FC99F54-E0EA-4815-B0F5-CBF5DB271B1F}" dt="2023-05-17T16:05:37.566" v="5071" actId="1076"/>
+        <pc:cxnChg chg="add del mod">
+          <ac:chgData name="Fabio Spaziani" userId="a4266648-d70e-4ec6-841a-7ce1e10c6416" providerId="ADAL" clId="{2FC99F54-E0EA-4815-B0F5-CBF5DB271B1F}" dt="2023-05-24T17:47:51.755" v="5884" actId="478"/>
           <ac:cxnSpMkLst>
             <pc:docMk/>
             <pc:sldMk cId="2832729591" sldId="262"/>
@@ -923,8 +966,8 @@
             <ac:cxnSpMk id="45" creationId="{275A14D7-BF6D-5F69-C972-40DBFE916033}"/>
           </ac:cxnSpMkLst>
         </pc:cxnChg>
-        <pc:cxnChg chg="add mod">
-          <ac:chgData name="Fabio Spaziani" userId="a4266648-d70e-4ec6-841a-7ce1e10c6416" providerId="ADAL" clId="{2FC99F54-E0EA-4815-B0F5-CBF5DB271B1F}" dt="2023-05-17T16:05:37.566" v="5071" actId="1076"/>
+        <pc:cxnChg chg="add del mod">
+          <ac:chgData name="Fabio Spaziani" userId="a4266648-d70e-4ec6-841a-7ce1e10c6416" providerId="ADAL" clId="{2FC99F54-E0EA-4815-B0F5-CBF5DB271B1F}" dt="2023-05-24T17:47:53.490" v="5886" actId="478"/>
           <ac:cxnSpMkLst>
             <pc:docMk/>
             <pc:sldMk cId="2832729591" sldId="262"/>
@@ -1019,8 +1062,8 @@
             <ac:cxnSpMk id="71" creationId="{20DC54C1-FE93-230C-4C91-9D00D714D0B8}"/>
           </ac:cxnSpMkLst>
         </pc:cxnChg>
-        <pc:cxnChg chg="add mod">
-          <ac:chgData name="Fabio Spaziani" userId="a4266648-d70e-4ec6-841a-7ce1e10c6416" providerId="ADAL" clId="{2FC99F54-E0EA-4815-B0F5-CBF5DB271B1F}" dt="2023-05-17T16:05:37.566" v="5071" actId="1076"/>
+        <pc:cxnChg chg="add del mod">
+          <ac:chgData name="Fabio Spaziani" userId="a4266648-d70e-4ec6-841a-7ce1e10c6416" providerId="ADAL" clId="{2FC99F54-E0EA-4815-B0F5-CBF5DB271B1F}" dt="2023-05-24T17:47:47.705" v="5881" actId="478"/>
           <ac:cxnSpMkLst>
             <pc:docMk/>
             <pc:sldMk cId="2832729591" sldId="262"/>
@@ -1216,8 +1259,8 @@
           <pc:sldMk cId="3247548968" sldId="264"/>
         </pc:sldMkLst>
       </pc:sldChg>
-      <pc:sldChg chg="addSp delSp modSp add mod modAnim">
-        <pc:chgData name="Fabio Spaziani" userId="a4266648-d70e-4ec6-841a-7ce1e10c6416" providerId="ADAL" clId="{2FC99F54-E0EA-4815-B0F5-CBF5DB271B1F}" dt="2023-05-20T14:05:35.934" v="5329"/>
+      <pc:sldChg chg="addSp delSp modSp add mod modAnim modNotesTx">
+        <pc:chgData name="Fabio Spaziani" userId="a4266648-d70e-4ec6-841a-7ce1e10c6416" providerId="ADAL" clId="{2FC99F54-E0EA-4815-B0F5-CBF5DB271B1F}" dt="2023-05-22T16:27:51.659" v="5772" actId="20577"/>
         <pc:sldMkLst>
           <pc:docMk/>
           <pc:sldMk cId="3213468832" sldId="265"/>
@@ -1352,7 +1395,7 @@
         </pc:picChg>
       </pc:sldChg>
       <pc:sldChg chg="addSp delSp modSp add mod modAnim">
-        <pc:chgData name="Fabio Spaziani" userId="a4266648-d70e-4ec6-841a-7ce1e10c6416" providerId="ADAL" clId="{2FC99F54-E0EA-4815-B0F5-CBF5DB271B1F}" dt="2023-05-20T14:48:41.755" v="5469"/>
+        <pc:chgData name="Fabio Spaziani" userId="a4266648-d70e-4ec6-841a-7ce1e10c6416" providerId="ADAL" clId="{2FC99F54-E0EA-4815-B0F5-CBF5DB271B1F}" dt="2023-05-24T17:53:04.502" v="5938"/>
         <pc:sldMkLst>
           <pc:docMk/>
           <pc:sldMk cId="701942294" sldId="266"/>
@@ -1782,8 +1825,8 @@
           </ac:picMkLst>
         </pc:picChg>
       </pc:sldChg>
-      <pc:sldChg chg="addSp modSp add mod modShow">
-        <pc:chgData name="Fabio Spaziani" userId="a4266648-d70e-4ec6-841a-7ce1e10c6416" providerId="ADAL" clId="{2FC99F54-E0EA-4815-B0F5-CBF5DB271B1F}" dt="2023-05-20T14:15:01.533" v="5382" actId="729"/>
+      <pc:sldChg chg="addSp modSp add mod ord modShow">
+        <pc:chgData name="Fabio Spaziani" userId="a4266648-d70e-4ec6-841a-7ce1e10c6416" providerId="ADAL" clId="{2FC99F54-E0EA-4815-B0F5-CBF5DB271B1F}" dt="2023-05-26T09:00:13.325" v="6006"/>
         <pc:sldMkLst>
           <pc:docMk/>
           <pc:sldMk cId="3541658574" sldId="267"/>
@@ -3211,8 +3254,8 @@
           </ac:cxnSpMkLst>
         </pc:cxnChg>
       </pc:sldChg>
-      <pc:sldChg chg="addSp delSp modSp add mod modTransition">
-        <pc:chgData name="Fabio Spaziani" userId="a4266648-d70e-4ec6-841a-7ce1e10c6416" providerId="ADAL" clId="{2FC99F54-E0EA-4815-B0F5-CBF5DB271B1F}" dt="2023-05-20T15:15:46.594" v="5571" actId="20577"/>
+      <pc:sldChg chg="addSp delSp modSp add mod modTransition modAnim">
+        <pc:chgData name="Fabio Spaziani" userId="a4266648-d70e-4ec6-841a-7ce1e10c6416" providerId="ADAL" clId="{2FC99F54-E0EA-4815-B0F5-CBF5DB271B1F}" dt="2023-05-26T06:52:24.696" v="6002"/>
         <pc:sldMkLst>
           <pc:docMk/>
           <pc:sldMk cId="3160582632" sldId="277"/>
@@ -3368,7 +3411,7 @@
         </pc:picChg>
       </pc:sldChg>
       <pc:sldChg chg="addSp delSp modSp add mod modAnim">
-        <pc:chgData name="Fabio Spaziani" userId="a4266648-d70e-4ec6-841a-7ce1e10c6416" providerId="ADAL" clId="{2FC99F54-E0EA-4815-B0F5-CBF5DB271B1F}" dt="2023-05-20T14:13:54.742" v="5378" actId="20577"/>
+        <pc:chgData name="Fabio Spaziani" userId="a4266648-d70e-4ec6-841a-7ce1e10c6416" providerId="ADAL" clId="{2FC99F54-E0EA-4815-B0F5-CBF5DB271B1F}" dt="2023-05-24T17:51:51.135" v="5928"/>
         <pc:sldMkLst>
           <pc:docMk/>
           <pc:sldMk cId="2051783118" sldId="280"/>
@@ -3389,8 +3432,8 @@
             <ac:spMk id="3" creationId="{D671F377-E210-0485-4A29-480B277BB9BE}"/>
           </ac:spMkLst>
         </pc:spChg>
-        <pc:spChg chg="add mod">
-          <ac:chgData name="Fabio Spaziani" userId="a4266648-d70e-4ec6-841a-7ce1e10c6416" providerId="ADAL" clId="{2FC99F54-E0EA-4815-B0F5-CBF5DB271B1F}" dt="2023-05-20T14:13:09.985" v="5332" actId="164"/>
+        <pc:spChg chg="add mod topLvl">
+          <ac:chgData name="Fabio Spaziani" userId="a4266648-d70e-4ec6-841a-7ce1e10c6416" providerId="ADAL" clId="{2FC99F54-E0EA-4815-B0F5-CBF5DB271B1F}" dt="2023-05-24T17:50:56.008" v="5917" actId="165"/>
           <ac:spMkLst>
             <pc:docMk/>
             <pc:sldMk cId="2051783118" sldId="280"/>
@@ -3398,23 +3441,39 @@
           </ac:spMkLst>
         </pc:spChg>
         <pc:spChg chg="add mod ord">
-          <ac:chgData name="Fabio Spaziani" userId="a4266648-d70e-4ec6-841a-7ce1e10c6416" providerId="ADAL" clId="{2FC99F54-E0EA-4815-B0F5-CBF5DB271B1F}" dt="2023-05-16T16:52:56.221" v="4234" actId="164"/>
+          <ac:chgData name="Fabio Spaziani" userId="a4266648-d70e-4ec6-841a-7ce1e10c6416" providerId="ADAL" clId="{2FC99F54-E0EA-4815-B0F5-CBF5DB271B1F}" dt="2023-05-24T17:50:56.008" v="5917" actId="165"/>
           <ac:spMkLst>
             <pc:docMk/>
             <pc:sldMk cId="2051783118" sldId="280"/>
             <ac:spMk id="6" creationId="{2D4B5A9E-059B-25D2-7E8C-8CBFD57DEC2F}"/>
           </ac:spMkLst>
         </pc:spChg>
-        <pc:grpChg chg="add mod">
-          <ac:chgData name="Fabio Spaziani" userId="a4266648-d70e-4ec6-841a-7ce1e10c6416" providerId="ADAL" clId="{2FC99F54-E0EA-4815-B0F5-CBF5DB271B1F}" dt="2023-05-20T14:13:09.985" v="5332" actId="164"/>
+        <pc:spChg chg="add mod">
+          <ac:chgData name="Fabio Spaziani" userId="a4266648-d70e-4ec6-841a-7ce1e10c6416" providerId="ADAL" clId="{2FC99F54-E0EA-4815-B0F5-CBF5DB271B1F}" dt="2023-05-24T17:49:54.316" v="5903" actId="14100"/>
+          <ac:spMkLst>
+            <pc:docMk/>
+            <pc:sldMk cId="2051783118" sldId="280"/>
+            <ac:spMk id="9" creationId="{78CBA57F-89A7-3C77-464D-242EF1B82739}"/>
+          </ac:spMkLst>
+        </pc:spChg>
+        <pc:spChg chg="add mod">
+          <ac:chgData name="Fabio Spaziani" userId="a4266648-d70e-4ec6-841a-7ce1e10c6416" providerId="ADAL" clId="{2FC99F54-E0EA-4815-B0F5-CBF5DB271B1F}" dt="2023-05-24T17:50:06.165" v="5907" actId="14100"/>
+          <ac:spMkLst>
+            <pc:docMk/>
+            <pc:sldMk cId="2051783118" sldId="280"/>
+            <ac:spMk id="10" creationId="{9DEE1644-1E91-1B08-EA0A-75D87EE33BB1}"/>
+          </ac:spMkLst>
+        </pc:spChg>
+        <pc:grpChg chg="add mod topLvl">
+          <ac:chgData name="Fabio Spaziani" userId="a4266648-d70e-4ec6-841a-7ce1e10c6416" providerId="ADAL" clId="{2FC99F54-E0EA-4815-B0F5-CBF5DB271B1F}" dt="2023-05-24T17:50:56.008" v="5917" actId="165"/>
           <ac:grpSpMkLst>
             <pc:docMk/>
             <pc:sldMk cId="2051783118" sldId="280"/>
             <ac:grpSpMk id="7" creationId="{A7BA5133-0C2B-2B79-F626-47A71FCDAE6B}"/>
           </ac:grpSpMkLst>
         </pc:grpChg>
-        <pc:grpChg chg="add mod">
-          <ac:chgData name="Fabio Spaziani" userId="a4266648-d70e-4ec6-841a-7ce1e10c6416" providerId="ADAL" clId="{2FC99F54-E0EA-4815-B0F5-CBF5DB271B1F}" dt="2023-05-20T14:13:23.364" v="5340" actId="1076"/>
+        <pc:grpChg chg="add del mod">
+          <ac:chgData name="Fabio Spaziani" userId="a4266648-d70e-4ec6-841a-7ce1e10c6416" providerId="ADAL" clId="{2FC99F54-E0EA-4815-B0F5-CBF5DB271B1F}" dt="2023-05-24T17:50:56.008" v="5917" actId="165"/>
           <ac:grpSpMkLst>
             <pc:docMk/>
             <pc:sldMk cId="2051783118" sldId="280"/>
@@ -3422,7 +3481,7 @@
           </ac:grpSpMkLst>
         </pc:grpChg>
         <pc:picChg chg="add mod modCrop">
-          <ac:chgData name="Fabio Spaziani" userId="a4266648-d70e-4ec6-841a-7ce1e10c6416" providerId="ADAL" clId="{2FC99F54-E0EA-4815-B0F5-CBF5DB271B1F}" dt="2023-05-16T16:53:46.393" v="4244" actId="732"/>
+          <ac:chgData name="Fabio Spaziani" userId="a4266648-d70e-4ec6-841a-7ce1e10c6416" providerId="ADAL" clId="{2FC99F54-E0EA-4815-B0F5-CBF5DB271B1F}" dt="2023-05-24T17:50:56.008" v="5917" actId="165"/>
           <ac:picMkLst>
             <pc:docMk/>
             <pc:sldMk cId="2051783118" sldId="280"/>
@@ -3447,7 +3506,7 @@
         </pc:picChg>
       </pc:sldChg>
       <pc:sldChg chg="addSp delSp modSp add del mod modAnim">
-        <pc:chgData name="Fabio Spaziani" userId="a4266648-d70e-4ec6-841a-7ce1e10c6416" providerId="ADAL" clId="{2FC99F54-E0EA-4815-B0F5-CBF5DB271B1F}" dt="2023-05-20T14:46:44.938" v="5436"/>
+        <pc:chgData name="Fabio Spaziani" userId="a4266648-d70e-4ec6-841a-7ce1e10c6416" providerId="ADAL" clId="{2FC99F54-E0EA-4815-B0F5-CBF5DB271B1F}" dt="2023-05-24T17:58:08.332" v="5994"/>
         <pc:sldMkLst>
           <pc:docMk/>
           <pc:sldMk cId="1928822836" sldId="281"/>
@@ -4069,7 +4128,7 @@
         </pc:picChg>
       </pc:sldChg>
       <pc:sldChg chg="addSp delSp modSp add mod modAnim">
-        <pc:chgData name="Fabio Spaziani" userId="a4266648-d70e-4ec6-841a-7ce1e10c6416" providerId="ADAL" clId="{2FC99F54-E0EA-4815-B0F5-CBF5DB271B1F}" dt="2023-05-20T14:52:57.319" v="5548"/>
+        <pc:chgData name="Fabio Spaziani" userId="a4266648-d70e-4ec6-841a-7ce1e10c6416" providerId="ADAL" clId="{2FC99F54-E0EA-4815-B0F5-CBF5DB271B1F}" dt="2023-05-24T17:58:23.424" v="5995"/>
         <pc:sldMkLst>
           <pc:docMk/>
           <pc:sldMk cId="1947817" sldId="283"/>
@@ -4923,13 +4982,13 @@
         </pc:cxnChg>
       </pc:sldChg>
       <pc:sldChg chg="addSp delSp modSp add mod delAnim">
-        <pc:chgData name="Fabio Spaziani" userId="a4266648-d70e-4ec6-841a-7ce1e10c6416" providerId="ADAL" clId="{2FC99F54-E0EA-4815-B0F5-CBF5DB271B1F}" dt="2023-05-21T18:38:43.821" v="5652" actId="14100"/>
+        <pc:chgData name="Fabio Spaziani" userId="a4266648-d70e-4ec6-841a-7ce1e10c6416" providerId="ADAL" clId="{2FC99F54-E0EA-4815-B0F5-CBF5DB271B1F}" dt="2023-05-22T13:08:34.768" v="5768" actId="6549"/>
         <pc:sldMkLst>
           <pc:docMk/>
           <pc:sldMk cId="3268259338" sldId="285"/>
         </pc:sldMkLst>
         <pc:spChg chg="mod">
-          <ac:chgData name="Fabio Spaziani" userId="a4266648-d70e-4ec6-841a-7ce1e10c6416" providerId="ADAL" clId="{2FC99F54-E0EA-4815-B0F5-CBF5DB271B1F}" dt="2023-05-15T16:29:48.856" v="2883" actId="20577"/>
+          <ac:chgData name="Fabio Spaziani" userId="a4266648-d70e-4ec6-841a-7ce1e10c6416" providerId="ADAL" clId="{2FC99F54-E0EA-4815-B0F5-CBF5DB271B1F}" dt="2023-05-22T13:08:34.768" v="5768" actId="6549"/>
           <ac:spMkLst>
             <pc:docMk/>
             <pc:sldMk cId="3268259338" sldId="285"/>
@@ -4994,11 +5053,19 @@
         </pc:picChg>
       </pc:sldChg>
       <pc:sldChg chg="addSp delSp modSp add mod delAnim">
-        <pc:chgData name="Fabio Spaziani" userId="a4266648-d70e-4ec6-841a-7ce1e10c6416" providerId="ADAL" clId="{2FC99F54-E0EA-4815-B0F5-CBF5DB271B1F}" dt="2023-05-21T18:37:56.555" v="5641" actId="167"/>
+        <pc:chgData name="Fabio Spaziani" userId="a4266648-d70e-4ec6-841a-7ce1e10c6416" providerId="ADAL" clId="{2FC99F54-E0EA-4815-B0F5-CBF5DB271B1F}" dt="2023-05-22T13:08:24.410" v="5767" actId="20577"/>
         <pc:sldMkLst>
           <pc:docMk/>
           <pc:sldMk cId="2033325858" sldId="286"/>
         </pc:sldMkLst>
+        <pc:spChg chg="mod">
+          <ac:chgData name="Fabio Spaziani" userId="a4266648-d70e-4ec6-841a-7ce1e10c6416" providerId="ADAL" clId="{2FC99F54-E0EA-4815-B0F5-CBF5DB271B1F}" dt="2023-05-22T13:08:24.410" v="5767" actId="20577"/>
+          <ac:spMkLst>
+            <pc:docMk/>
+            <pc:sldMk cId="2033325858" sldId="286"/>
+            <ac:spMk id="2" creationId="{05EE2F23-A361-216F-8AEB-032FC07C3CA8}"/>
+          </ac:spMkLst>
+        </pc:spChg>
         <pc:spChg chg="del">
           <ac:chgData name="Fabio Spaziani" userId="a4266648-d70e-4ec6-841a-7ce1e10c6416" providerId="ADAL" clId="{2FC99F54-E0EA-4815-B0F5-CBF5DB271B1F}" dt="2023-05-21T18:37:10.963" v="5626" actId="478"/>
           <ac:spMkLst>
@@ -5057,7 +5124,7 @@
         </pc:picChg>
       </pc:sldChg>
       <pc:sldChg chg="addSp delSp modSp add mod modAnim">
-        <pc:chgData name="Fabio Spaziani" userId="a4266648-d70e-4ec6-841a-7ce1e10c6416" providerId="ADAL" clId="{2FC99F54-E0EA-4815-B0F5-CBF5DB271B1F}" dt="2023-05-16T17:39:51.150" v="4392" actId="14100"/>
+        <pc:chgData name="Fabio Spaziani" userId="a4266648-d70e-4ec6-841a-7ce1e10c6416" providerId="ADAL" clId="{2FC99F54-E0EA-4815-B0F5-CBF5DB271B1F}" dt="2023-05-24T17:57:49.577" v="5993" actId="14100"/>
         <pc:sldMkLst>
           <pc:docMk/>
           <pc:sldMk cId="1461421276" sldId="287"/>
@@ -5100,6 +5167,22 @@
             <pc:docMk/>
             <pc:sldMk cId="1461421276" sldId="287"/>
             <ac:spMk id="7" creationId="{4EB43450-B5B2-FF88-64B3-ECCD97F21E34}"/>
+          </ac:spMkLst>
+        </pc:spChg>
+        <pc:spChg chg="add mod">
+          <ac:chgData name="Fabio Spaziani" userId="a4266648-d70e-4ec6-841a-7ce1e10c6416" providerId="ADAL" clId="{2FC99F54-E0EA-4815-B0F5-CBF5DB271B1F}" dt="2023-05-24T17:56:19.736" v="5974" actId="14100"/>
+          <ac:spMkLst>
+            <pc:docMk/>
+            <pc:sldMk cId="1461421276" sldId="287"/>
+            <ac:spMk id="8" creationId="{987DCF2A-D007-15AF-A60B-2717E075B730}"/>
+          </ac:spMkLst>
+        </pc:spChg>
+        <pc:spChg chg="add mod">
+          <ac:chgData name="Fabio Spaziani" userId="a4266648-d70e-4ec6-841a-7ce1e10c6416" providerId="ADAL" clId="{2FC99F54-E0EA-4815-B0F5-CBF5DB271B1F}" dt="2023-05-24T17:57:49.577" v="5993" actId="14100"/>
+          <ac:spMkLst>
+            <pc:docMk/>
+            <pc:sldMk cId="1461421276" sldId="287"/>
+            <ac:spMk id="9" creationId="{DEF3A101-9E26-CE86-3BAD-510029112A64}"/>
           </ac:spMkLst>
         </pc:spChg>
         <pc:picChg chg="del">
@@ -5120,7 +5203,7 @@
         </pc:picChg>
       </pc:sldChg>
       <pc:sldChg chg="addSp delSp modSp add mod ord modAnim">
-        <pc:chgData name="Fabio Spaziani" userId="a4266648-d70e-4ec6-841a-7ce1e10c6416" providerId="ADAL" clId="{2FC99F54-E0EA-4815-B0F5-CBF5DB271B1F}" dt="2023-05-17T09:26:51.755" v="4549"/>
+        <pc:chgData name="Fabio Spaziani" userId="a4266648-d70e-4ec6-841a-7ce1e10c6416" providerId="ADAL" clId="{2FC99F54-E0EA-4815-B0F5-CBF5DB271B1F}" dt="2023-05-24T17:56:01.294" v="5970"/>
         <pc:sldMkLst>
           <pc:docMk/>
           <pc:sldMk cId="370669266" sldId="288"/>
@@ -5142,7 +5225,7 @@
           </ac:spMkLst>
         </pc:spChg>
         <pc:spChg chg="add mod">
-          <ac:chgData name="Fabio Spaziani" userId="a4266648-d70e-4ec6-841a-7ce1e10c6416" providerId="ADAL" clId="{2FC99F54-E0EA-4815-B0F5-CBF5DB271B1F}" dt="2023-05-16T17:39:01.467" v="4378" actId="14100"/>
+          <ac:chgData name="Fabio Spaziani" userId="a4266648-d70e-4ec6-841a-7ce1e10c6416" providerId="ADAL" clId="{2FC99F54-E0EA-4815-B0F5-CBF5DB271B1F}" dt="2023-05-24T17:53:50.885" v="5951" actId="14100"/>
           <ac:spMkLst>
             <pc:docMk/>
             <pc:sldMk cId="370669266" sldId="288"/>
@@ -5150,11 +5233,27 @@
           </ac:spMkLst>
         </pc:spChg>
         <pc:spChg chg="add mod ord">
-          <ac:chgData name="Fabio Spaziani" userId="a4266648-d70e-4ec6-841a-7ce1e10c6416" providerId="ADAL" clId="{2FC99F54-E0EA-4815-B0F5-CBF5DB271B1F}" dt="2023-05-15T17:26:54.668" v="3076" actId="164"/>
+          <ac:chgData name="Fabio Spaziani" userId="a4266648-d70e-4ec6-841a-7ce1e10c6416" providerId="ADAL" clId="{2FC99F54-E0EA-4815-B0F5-CBF5DB271B1F}" dt="2023-05-24T17:55:47.003" v="5969" actId="2085"/>
           <ac:spMkLst>
             <pc:docMk/>
             <pc:sldMk cId="370669266" sldId="288"/>
             <ac:spMk id="7" creationId="{186F16D4-9598-88BD-0306-D52AE1474819}"/>
+          </ac:spMkLst>
+        </pc:spChg>
+        <pc:spChg chg="add mod">
+          <ac:chgData name="Fabio Spaziani" userId="a4266648-d70e-4ec6-841a-7ce1e10c6416" providerId="ADAL" clId="{2FC99F54-E0EA-4815-B0F5-CBF5DB271B1F}" dt="2023-05-24T17:53:28.902" v="5946" actId="1035"/>
+          <ac:spMkLst>
+            <pc:docMk/>
+            <pc:sldMk cId="370669266" sldId="288"/>
+            <ac:spMk id="8" creationId="{85F4B266-1CD9-2027-CC4D-BDA4B9B3B4B0}"/>
+          </ac:spMkLst>
+        </pc:spChg>
+        <pc:spChg chg="add mod">
+          <ac:chgData name="Fabio Spaziani" userId="a4266648-d70e-4ec6-841a-7ce1e10c6416" providerId="ADAL" clId="{2FC99F54-E0EA-4815-B0F5-CBF5DB271B1F}" dt="2023-05-24T17:54:01.717" v="5956" actId="14100"/>
+          <ac:spMkLst>
+            <pc:docMk/>
+            <pc:sldMk cId="370669266" sldId="288"/>
+            <ac:spMk id="11" creationId="{40FBAA69-1D75-3AC8-CE7E-4B9771888FA4}"/>
           </ac:spMkLst>
         </pc:spChg>
         <pc:grpChg chg="add mod">
@@ -5198,8 +5297,8 @@
           </ac:picMkLst>
         </pc:picChg>
       </pc:sldChg>
-      <pc:sldChg chg="addSp delSp modSp add mod modShow">
-        <pc:chgData name="Fabio Spaziani" userId="a4266648-d70e-4ec6-841a-7ce1e10c6416" providerId="ADAL" clId="{2FC99F54-E0EA-4815-B0F5-CBF5DB271B1F}" dt="2023-05-20T14:15:01.533" v="5382" actId="729"/>
+      <pc:sldChg chg="addSp delSp modSp add mod ord modShow">
+        <pc:chgData name="Fabio Spaziani" userId="a4266648-d70e-4ec6-841a-7ce1e10c6416" providerId="ADAL" clId="{2FC99F54-E0EA-4815-B0F5-CBF5DB271B1F}" dt="2023-05-26T09:00:09.944" v="6004"/>
         <pc:sldMkLst>
           <pc:docMk/>
           <pc:sldMk cId="3323088204" sldId="289"/>
@@ -5238,7 +5337,7 @@
         </pc:picChg>
       </pc:sldChg>
       <pc:sldChg chg="addSp delSp modSp add mod delAnim modAnim">
-        <pc:chgData name="Fabio Spaziani" userId="a4266648-d70e-4ec6-841a-7ce1e10c6416" providerId="ADAL" clId="{2FC99F54-E0EA-4815-B0F5-CBF5DB271B1F}" dt="2023-05-17T16:11:33.488" v="5113" actId="1076"/>
+        <pc:chgData name="Fabio Spaziani" userId="a4266648-d70e-4ec6-841a-7ce1e10c6416" providerId="ADAL" clId="{2FC99F54-E0EA-4815-B0F5-CBF5DB271B1F}" dt="2023-05-24T17:49:18.935" v="5899"/>
         <pc:sldMkLst>
           <pc:docMk/>
           <pc:sldMk cId="3972527918" sldId="290"/>
@@ -5259,6 +5358,22 @@
             <ac:spMk id="4" creationId="{073270CB-0A59-15C4-8A4D-2390952DD201}"/>
           </ac:spMkLst>
         </pc:spChg>
+        <pc:spChg chg="add mod">
+          <ac:chgData name="Fabio Spaziani" userId="a4266648-d70e-4ec6-841a-7ce1e10c6416" providerId="ADAL" clId="{2FC99F54-E0EA-4815-B0F5-CBF5DB271B1F}" dt="2023-05-24T17:48:28.981" v="5891" actId="1582"/>
+          <ac:spMkLst>
+            <pc:docMk/>
+            <pc:sldMk cId="3972527918" sldId="290"/>
+            <ac:spMk id="4" creationId="{DC89EB6A-A063-FD45-7891-15E929C9A1F6}"/>
+          </ac:spMkLst>
+        </pc:spChg>
+        <pc:spChg chg="add mod">
+          <ac:chgData name="Fabio Spaziani" userId="a4266648-d70e-4ec6-841a-7ce1e10c6416" providerId="ADAL" clId="{2FC99F54-E0EA-4815-B0F5-CBF5DB271B1F}" dt="2023-05-24T17:48:40.846" v="5895" actId="14100"/>
+          <ac:spMkLst>
+            <pc:docMk/>
+            <pc:sldMk cId="3972527918" sldId="290"/>
+            <ac:spMk id="5" creationId="{1EA69767-72EC-7AB7-C708-54D71F7AE14D}"/>
+          </ac:spMkLst>
+        </pc:spChg>
         <pc:spChg chg="del">
           <ac:chgData name="Fabio Spaziani" userId="a4266648-d70e-4ec6-841a-7ce1e10c6416" providerId="ADAL" clId="{2FC99F54-E0EA-4815-B0F5-CBF5DB271B1F}" dt="2023-05-16T16:48:25.950" v="4182" actId="478"/>
           <ac:spMkLst>
@@ -5291,8 +5406,16 @@
             <ac:grpSpMk id="3" creationId="{D7D0C143-ADDD-2AA3-D819-B3C38B1FE42C}"/>
           </ac:grpSpMkLst>
         </pc:grpChg>
-        <pc:picChg chg="mod">
-          <ac:chgData name="Fabio Spaziani" userId="a4266648-d70e-4ec6-841a-7ce1e10c6416" providerId="ADAL" clId="{2FC99F54-E0EA-4815-B0F5-CBF5DB271B1F}" dt="2023-05-16T16:49:30.284" v="4192" actId="164"/>
+        <pc:picChg chg="add del">
+          <ac:chgData name="Fabio Spaziani" userId="a4266648-d70e-4ec6-841a-7ce1e10c6416" providerId="ADAL" clId="{2FC99F54-E0EA-4815-B0F5-CBF5DB271B1F}" dt="2023-05-22T16:41:39.761" v="5776" actId="22"/>
+          <ac:picMkLst>
+            <pc:docMk/>
+            <pc:sldMk cId="3972527918" sldId="290"/>
+            <ac:picMk id="5" creationId="{177992E7-E800-F303-4B8A-28DD4139FEE1}"/>
+          </ac:picMkLst>
+        </pc:picChg>
+        <pc:picChg chg="mod modCrop">
+          <ac:chgData name="Fabio Spaziani" userId="a4266648-d70e-4ec6-841a-7ce1e10c6416" providerId="ADAL" clId="{2FC99F54-E0EA-4815-B0F5-CBF5DB271B1F}" dt="2023-05-22T16:41:49.701" v="5780" actId="732"/>
           <ac:picMkLst>
             <pc:docMk/>
             <pc:sldMk cId="3972527918" sldId="290"/>
@@ -5300,8 +5423,8 @@
           </ac:picMkLst>
         </pc:picChg>
       </pc:sldChg>
-      <pc:sldChg chg="addSp delSp modSp add mod modAnim">
-        <pc:chgData name="Fabio Spaziani" userId="a4266648-d70e-4ec6-841a-7ce1e10c6416" providerId="ADAL" clId="{2FC99F54-E0EA-4815-B0F5-CBF5DB271B1F}" dt="2023-05-17T15:59:12.585" v="5055"/>
+      <pc:sldChg chg="addSp delSp modSp add mod modAnim modShow">
+        <pc:chgData name="Fabio Spaziani" userId="a4266648-d70e-4ec6-841a-7ce1e10c6416" providerId="ADAL" clId="{2FC99F54-E0EA-4815-B0F5-CBF5DB271B1F}" dt="2023-05-22T16:13:52.068" v="5769" actId="729"/>
         <pc:sldMkLst>
           <pc:docMk/>
           <pc:sldMk cId="1651806402" sldId="291"/>
@@ -5776,8 +5899,8 @@
           </ac:picMkLst>
         </pc:picChg>
       </pc:sldChg>
-      <pc:sldChg chg="addSp delSp modSp add mod">
-        <pc:chgData name="Fabio Spaziani" userId="a4266648-d70e-4ec6-841a-7ce1e10c6416" providerId="ADAL" clId="{2FC99F54-E0EA-4815-B0F5-CBF5DB271B1F}" dt="2023-05-21T18:36:00.554" v="5585" actId="14100"/>
+      <pc:sldChg chg="addSp delSp modSp add mod modAnim">
+        <pc:chgData name="Fabio Spaziani" userId="a4266648-d70e-4ec6-841a-7ce1e10c6416" providerId="ADAL" clId="{2FC99F54-E0EA-4815-B0F5-CBF5DB271B1F}" dt="2023-05-24T17:52:31.172" v="5936"/>
         <pc:sldMkLst>
           <pc:docMk/>
           <pc:sldMk cId="1269085647" sldId="295"/>
@@ -5812,6 +5935,14 @@
             <pc:docMk/>
             <pc:sldMk cId="1269085647" sldId="295"/>
             <ac:spMk id="5" creationId="{847B9305-E32F-663F-CDCE-86510C20DACD}"/>
+          </ac:spMkLst>
+        </pc:spChg>
+        <pc:spChg chg="add mod">
+          <ac:chgData name="Fabio Spaziani" userId="a4266648-d70e-4ec6-841a-7ce1e10c6416" providerId="ADAL" clId="{2FC99F54-E0EA-4815-B0F5-CBF5DB271B1F}" dt="2023-05-24T17:52:19.919" v="5933" actId="14100"/>
+          <ac:spMkLst>
+            <pc:docMk/>
+            <pc:sldMk cId="1269085647" sldId="295"/>
+            <ac:spMk id="6" creationId="{F89FBE80-97EF-87D9-1E08-44A13F311E20}"/>
           </ac:spMkLst>
         </pc:spChg>
         <pc:grpChg chg="del">
@@ -5853,9 +5984,523 @@
           </ac:spMkLst>
         </pc:spChg>
       </pc:sldChg>
+      <pc:sldChg chg="add mod modShow">
+        <pc:chgData name="Fabio Spaziani" userId="a4266648-d70e-4ec6-841a-7ce1e10c6416" providerId="ADAL" clId="{2FC99F54-E0EA-4815-B0F5-CBF5DB271B1F}" dt="2023-05-26T09:02:03.822" v="6007" actId="729"/>
+        <pc:sldMkLst>
+          <pc:docMk/>
+          <pc:sldMk cId="826123123" sldId="298"/>
+        </pc:sldMkLst>
+      </pc:sldChg>
     </pc:docChg>
   </pc:docChgLst>
 </pc:chgInfo>
+</file>
+
+<file path=ppt/notesMasters/notesMaster1.xml><?xml version="1.0" encoding="utf-8"?>
+<p:notesMaster xmlns:a="http://schemas.openxmlformats.org/drawingml/2006/main" xmlns:r="http://schemas.openxmlformats.org/officeDocument/2006/relationships" xmlns:p="http://schemas.openxmlformats.org/presentationml/2006/main">
+  <p:cSld>
+    <p:bg>
+      <p:bgRef idx="1001">
+        <a:schemeClr val="bg1"/>
+      </p:bgRef>
+    </p:bg>
+    <p:spTree>
+      <p:nvGrpSpPr>
+        <p:cNvPr id="1" name=""/>
+        <p:cNvGrpSpPr/>
+        <p:nvPr/>
+      </p:nvGrpSpPr>
+      <p:grpSpPr>
+        <a:xfrm>
+          <a:off x="0" y="0"/>
+          <a:ext cx="0" cy="0"/>
+          <a:chOff x="0" y="0"/>
+          <a:chExt cx="0" cy="0"/>
+        </a:xfrm>
+      </p:grpSpPr>
+      <p:sp>
+        <p:nvSpPr>
+          <p:cNvPr id="2" name="Header Placeholder 1"/>
+          <p:cNvSpPr>
+            <a:spLocks noGrp="1"/>
+          </p:cNvSpPr>
+          <p:nvPr>
+            <p:ph type="hdr" sz="quarter"/>
+          </p:nvPr>
+        </p:nvSpPr>
+        <p:spPr>
+          <a:xfrm>
+            <a:off x="0" y="0"/>
+            <a:ext cx="2971800" cy="458788"/>
+          </a:xfrm>
+          <a:prstGeom prst="rect">
+            <a:avLst/>
+          </a:prstGeom>
+        </p:spPr>
+        <p:txBody>
+          <a:bodyPr vert="horz" lIns="91440" tIns="45720" rIns="91440" bIns="45720" rtlCol="0"/>
+          <a:lstStyle>
+            <a:lvl1pPr algn="l">
+              <a:defRPr sz="1200"/>
+            </a:lvl1pPr>
+          </a:lstStyle>
+          <a:p>
+            <a:endParaRPr lang="it-IT"/>
+          </a:p>
+        </p:txBody>
+      </p:sp>
+      <p:sp>
+        <p:nvSpPr>
+          <p:cNvPr id="3" name="Date Placeholder 2"/>
+          <p:cNvSpPr>
+            <a:spLocks noGrp="1"/>
+          </p:cNvSpPr>
+          <p:nvPr>
+            <p:ph type="dt" idx="1"/>
+          </p:nvPr>
+        </p:nvSpPr>
+        <p:spPr>
+          <a:xfrm>
+            <a:off x="3884613" y="0"/>
+            <a:ext cx="2971800" cy="458788"/>
+          </a:xfrm>
+          <a:prstGeom prst="rect">
+            <a:avLst/>
+          </a:prstGeom>
+        </p:spPr>
+        <p:txBody>
+          <a:bodyPr vert="horz" lIns="91440" tIns="45720" rIns="91440" bIns="45720" rtlCol="0"/>
+          <a:lstStyle>
+            <a:lvl1pPr algn="r">
+              <a:defRPr sz="1200"/>
+            </a:lvl1pPr>
+          </a:lstStyle>
+          <a:p>
+            <a:fld id="{3977519C-8B50-4706-BEFC-A6206B801E9A}" type="datetimeFigureOut">
+              <a:rPr lang="it-IT" smtClean="0"/>
+              <a:t>27/05/2023</a:t>
+            </a:fld>
+            <a:endParaRPr lang="it-IT"/>
+          </a:p>
+        </p:txBody>
+      </p:sp>
+      <p:sp>
+        <p:nvSpPr>
+          <p:cNvPr id="4" name="Slide Image Placeholder 3"/>
+          <p:cNvSpPr>
+            <a:spLocks noGrp="1" noRot="1" noChangeAspect="1"/>
+          </p:cNvSpPr>
+          <p:nvPr>
+            <p:ph type="sldImg" idx="2"/>
+          </p:nvPr>
+        </p:nvSpPr>
+        <p:spPr>
+          <a:xfrm>
+            <a:off x="685800" y="1143000"/>
+            <a:ext cx="5486400" cy="3086100"/>
+          </a:xfrm>
+          <a:prstGeom prst="rect">
+            <a:avLst/>
+          </a:prstGeom>
+          <a:noFill/>
+          <a:ln w="12700">
+            <a:solidFill>
+              <a:prstClr val="black"/>
+            </a:solidFill>
+          </a:ln>
+        </p:spPr>
+        <p:txBody>
+          <a:bodyPr vert="horz" lIns="91440" tIns="45720" rIns="91440" bIns="45720" rtlCol="0" anchor="ctr"/>
+          <a:lstStyle/>
+          <a:p>
+            <a:endParaRPr lang="it-IT"/>
+          </a:p>
+        </p:txBody>
+      </p:sp>
+      <p:sp>
+        <p:nvSpPr>
+          <p:cNvPr id="5" name="Notes Placeholder 4"/>
+          <p:cNvSpPr>
+            <a:spLocks noGrp="1"/>
+          </p:cNvSpPr>
+          <p:nvPr>
+            <p:ph type="body" sz="quarter" idx="3"/>
+          </p:nvPr>
+        </p:nvSpPr>
+        <p:spPr>
+          <a:xfrm>
+            <a:off x="685800" y="4400550"/>
+            <a:ext cx="5486400" cy="3600450"/>
+          </a:xfrm>
+          <a:prstGeom prst="rect">
+            <a:avLst/>
+          </a:prstGeom>
+        </p:spPr>
+        <p:txBody>
+          <a:bodyPr vert="horz" lIns="91440" tIns="45720" rIns="91440" bIns="45720" rtlCol="0"/>
+          <a:lstStyle/>
+          <a:p>
+            <a:pPr lvl="0"/>
+            <a:r>
+              <a:rPr lang="en-US"/>
+              <a:t>Click to edit Master text styles</a:t>
+            </a:r>
+          </a:p>
+          <a:p>
+            <a:pPr lvl="1"/>
+            <a:r>
+              <a:rPr lang="en-US"/>
+              <a:t>Second level</a:t>
+            </a:r>
+          </a:p>
+          <a:p>
+            <a:pPr lvl="2"/>
+            <a:r>
+              <a:rPr lang="en-US"/>
+              <a:t>Third level</a:t>
+            </a:r>
+          </a:p>
+          <a:p>
+            <a:pPr lvl="3"/>
+            <a:r>
+              <a:rPr lang="en-US"/>
+              <a:t>Fourth level</a:t>
+            </a:r>
+          </a:p>
+          <a:p>
+            <a:pPr lvl="4"/>
+            <a:r>
+              <a:rPr lang="en-US"/>
+              <a:t>Fifth level</a:t>
+            </a:r>
+            <a:endParaRPr lang="it-IT"/>
+          </a:p>
+        </p:txBody>
+      </p:sp>
+      <p:sp>
+        <p:nvSpPr>
+          <p:cNvPr id="6" name="Footer Placeholder 5"/>
+          <p:cNvSpPr>
+            <a:spLocks noGrp="1"/>
+          </p:cNvSpPr>
+          <p:nvPr>
+            <p:ph type="ftr" sz="quarter" idx="4"/>
+          </p:nvPr>
+        </p:nvSpPr>
+        <p:spPr>
+          <a:xfrm>
+            <a:off x="0" y="8685213"/>
+            <a:ext cx="2971800" cy="458787"/>
+          </a:xfrm>
+          <a:prstGeom prst="rect">
+            <a:avLst/>
+          </a:prstGeom>
+        </p:spPr>
+        <p:txBody>
+          <a:bodyPr vert="horz" lIns="91440" tIns="45720" rIns="91440" bIns="45720" rtlCol="0" anchor="b"/>
+          <a:lstStyle>
+            <a:lvl1pPr algn="l">
+              <a:defRPr sz="1200"/>
+            </a:lvl1pPr>
+          </a:lstStyle>
+          <a:p>
+            <a:endParaRPr lang="it-IT"/>
+          </a:p>
+        </p:txBody>
+      </p:sp>
+      <p:sp>
+        <p:nvSpPr>
+          <p:cNvPr id="7" name="Slide Number Placeholder 6"/>
+          <p:cNvSpPr>
+            <a:spLocks noGrp="1"/>
+          </p:cNvSpPr>
+          <p:nvPr>
+            <p:ph type="sldNum" sz="quarter" idx="5"/>
+          </p:nvPr>
+        </p:nvSpPr>
+        <p:spPr>
+          <a:xfrm>
+            <a:off x="3884613" y="8685213"/>
+            <a:ext cx="2971800" cy="458787"/>
+          </a:xfrm>
+          <a:prstGeom prst="rect">
+            <a:avLst/>
+          </a:prstGeom>
+        </p:spPr>
+        <p:txBody>
+          <a:bodyPr vert="horz" lIns="91440" tIns="45720" rIns="91440" bIns="45720" rtlCol="0" anchor="b"/>
+          <a:lstStyle>
+            <a:lvl1pPr algn="r">
+              <a:defRPr sz="1200"/>
+            </a:lvl1pPr>
+          </a:lstStyle>
+          <a:p>
+            <a:fld id="{7FF7B971-62BD-4E34-81AB-CE32136A0A36}" type="slidenum">
+              <a:rPr lang="it-IT" smtClean="0"/>
+              <a:t>‹#›</a:t>
+            </a:fld>
+            <a:endParaRPr lang="it-IT"/>
+          </a:p>
+        </p:txBody>
+      </p:sp>
+    </p:spTree>
+    <p:extLst>
+      <p:ext uri="{BB962C8B-B14F-4D97-AF65-F5344CB8AC3E}">
+        <p14:creationId xmlns:p14="http://schemas.microsoft.com/office/powerpoint/2010/main" val="2519722598"/>
+      </p:ext>
+    </p:extLst>
+  </p:cSld>
+  <p:clrMap bg1="lt1" tx1="dk1" bg2="lt2" tx2="dk2" accent1="accent1" accent2="accent2" accent3="accent3" accent4="accent4" accent5="accent5" accent6="accent6" hlink="hlink" folHlink="folHlink"/>
+  <p:notesStyle>
+    <a:lvl1pPr marL="0" algn="l" defTabSz="914400" rtl="0" eaLnBrk="1" latinLnBrk="0" hangingPunct="1">
+      <a:defRPr sz="1200" kern="1200">
+        <a:solidFill>
+          <a:schemeClr val="tx1"/>
+        </a:solidFill>
+        <a:latin typeface="+mn-lt"/>
+        <a:ea typeface="+mn-ea"/>
+        <a:cs typeface="+mn-cs"/>
+      </a:defRPr>
+    </a:lvl1pPr>
+    <a:lvl2pPr marL="457200" algn="l" defTabSz="914400" rtl="0" eaLnBrk="1" latinLnBrk="0" hangingPunct="1">
+      <a:defRPr sz="1200" kern="1200">
+        <a:solidFill>
+          <a:schemeClr val="tx1"/>
+        </a:solidFill>
+        <a:latin typeface="+mn-lt"/>
+        <a:ea typeface="+mn-ea"/>
+        <a:cs typeface="+mn-cs"/>
+      </a:defRPr>
+    </a:lvl2pPr>
+    <a:lvl3pPr marL="914400" algn="l" defTabSz="914400" rtl="0" eaLnBrk="1" latinLnBrk="0" hangingPunct="1">
+      <a:defRPr sz="1200" kern="1200">
+        <a:solidFill>
+          <a:schemeClr val="tx1"/>
+        </a:solidFill>
+        <a:latin typeface="+mn-lt"/>
+        <a:ea typeface="+mn-ea"/>
+        <a:cs typeface="+mn-cs"/>
+      </a:defRPr>
+    </a:lvl3pPr>
+    <a:lvl4pPr marL="1371600" algn="l" defTabSz="914400" rtl="0" eaLnBrk="1" latinLnBrk="0" hangingPunct="1">
+      <a:defRPr sz="1200" kern="1200">
+        <a:solidFill>
+          <a:schemeClr val="tx1"/>
+        </a:solidFill>
+        <a:latin typeface="+mn-lt"/>
+        <a:ea typeface="+mn-ea"/>
+        <a:cs typeface="+mn-cs"/>
+      </a:defRPr>
+    </a:lvl4pPr>
+    <a:lvl5pPr marL="1828800" algn="l" defTabSz="914400" rtl="0" eaLnBrk="1" latinLnBrk="0" hangingPunct="1">
+      <a:defRPr sz="1200" kern="1200">
+        <a:solidFill>
+          <a:schemeClr val="tx1"/>
+        </a:solidFill>
+        <a:latin typeface="+mn-lt"/>
+        <a:ea typeface="+mn-ea"/>
+        <a:cs typeface="+mn-cs"/>
+      </a:defRPr>
+    </a:lvl5pPr>
+    <a:lvl6pPr marL="2286000" algn="l" defTabSz="914400" rtl="0" eaLnBrk="1" latinLnBrk="0" hangingPunct="1">
+      <a:defRPr sz="1200" kern="1200">
+        <a:solidFill>
+          <a:schemeClr val="tx1"/>
+        </a:solidFill>
+        <a:latin typeface="+mn-lt"/>
+        <a:ea typeface="+mn-ea"/>
+        <a:cs typeface="+mn-cs"/>
+      </a:defRPr>
+    </a:lvl6pPr>
+    <a:lvl7pPr marL="2743200" algn="l" defTabSz="914400" rtl="0" eaLnBrk="1" latinLnBrk="0" hangingPunct="1">
+      <a:defRPr sz="1200" kern="1200">
+        <a:solidFill>
+          <a:schemeClr val="tx1"/>
+        </a:solidFill>
+        <a:latin typeface="+mn-lt"/>
+        <a:ea typeface="+mn-ea"/>
+        <a:cs typeface="+mn-cs"/>
+      </a:defRPr>
+    </a:lvl7pPr>
+    <a:lvl8pPr marL="3200400" algn="l" defTabSz="914400" rtl="0" eaLnBrk="1" latinLnBrk="0" hangingPunct="1">
+      <a:defRPr sz="1200" kern="1200">
+        <a:solidFill>
+          <a:schemeClr val="tx1"/>
+        </a:solidFill>
+        <a:latin typeface="+mn-lt"/>
+        <a:ea typeface="+mn-ea"/>
+        <a:cs typeface="+mn-cs"/>
+      </a:defRPr>
+    </a:lvl8pPr>
+    <a:lvl9pPr marL="3657600" algn="l" defTabSz="914400" rtl="0" eaLnBrk="1" latinLnBrk="0" hangingPunct="1">
+      <a:defRPr sz="1200" kern="1200">
+        <a:solidFill>
+          <a:schemeClr val="tx1"/>
+        </a:solidFill>
+        <a:latin typeface="+mn-lt"/>
+        <a:ea typeface="+mn-ea"/>
+        <a:cs typeface="+mn-cs"/>
+      </a:defRPr>
+    </a:lvl9pPr>
+  </p:notesStyle>
+</p:notesMaster>
+</file>
+
+<file path=ppt/notesSlides/notesSlide1.xml><?xml version="1.0" encoding="utf-8"?>
+<p:notes xmlns:a="http://schemas.openxmlformats.org/drawingml/2006/main" xmlns:r="http://schemas.openxmlformats.org/officeDocument/2006/relationships" xmlns:p="http://schemas.openxmlformats.org/presentationml/2006/main">
+  <p:cSld>
+    <p:spTree>
+      <p:nvGrpSpPr>
+        <p:cNvPr id="1" name=""/>
+        <p:cNvGrpSpPr/>
+        <p:nvPr/>
+      </p:nvGrpSpPr>
+      <p:grpSpPr>
+        <a:xfrm>
+          <a:off x="0" y="0"/>
+          <a:ext cx="0" cy="0"/>
+          <a:chOff x="0" y="0"/>
+          <a:chExt cx="0" cy="0"/>
+        </a:xfrm>
+      </p:grpSpPr>
+      <p:sp>
+        <p:nvSpPr>
+          <p:cNvPr id="2" name="Slide Image Placeholder 1"/>
+          <p:cNvSpPr>
+            <a:spLocks noGrp="1" noRot="1" noChangeAspect="1"/>
+          </p:cNvSpPr>
+          <p:nvPr>
+            <p:ph type="sldImg"/>
+          </p:nvPr>
+        </p:nvSpPr>
+        <p:spPr/>
+      </p:sp>
+      <p:sp>
+        <p:nvSpPr>
+          <p:cNvPr id="3" name="Notes Placeholder 2"/>
+          <p:cNvSpPr>
+            <a:spLocks noGrp="1"/>
+          </p:cNvSpPr>
+          <p:nvPr>
+            <p:ph type="body" idx="1"/>
+          </p:nvPr>
+        </p:nvSpPr>
+        <p:spPr/>
+        <p:txBody>
+          <a:bodyPr/>
+          <a:lstStyle/>
+          <a:p>
+            <a:pPr algn="l"/>
+            <a:r>
+              <a:rPr lang="en-US" b="0" i="0" dirty="0">
+                <a:solidFill>
+                  <a:srgbClr val="D4D4D8"/>
+                </a:solidFill>
+                <a:effectLst/>
+                <a:latin typeface="Inter"/>
+              </a:rPr>
+              <a:t>Cascading values and parameters are a way to pass a value from a component to all of its descendants without having to use traditional component parameters.</a:t>
+            </a:r>
+          </a:p>
+          <a:p>
+            <a:pPr algn="l"/>
+            <a:endParaRPr lang="en-US" b="0" i="0" dirty="0">
+              <a:solidFill>
+                <a:srgbClr val="D4D4D8"/>
+              </a:solidFill>
+              <a:effectLst/>
+              <a:latin typeface="Inter"/>
+            </a:endParaRPr>
+          </a:p>
+          <a:p>
+            <a:pPr algn="l"/>
+            <a:r>
+              <a:rPr lang="en-US" b="0" i="0" dirty="0">
+                <a:solidFill>
+                  <a:srgbClr val="D4D4D8"/>
+                </a:solidFill>
+                <a:effectLst/>
+                <a:latin typeface="Inter"/>
+              </a:rPr>
+              <a:t>Blazor comes with a special component called </a:t>
+            </a:r>
+            <a:r>
+              <a:rPr lang="en-US" b="0" i="0" dirty="0" err="1">
+                <a:solidFill>
+                  <a:srgbClr val="D4D4D8"/>
+                </a:solidFill>
+                <a:effectLst/>
+                <a:latin typeface="Inter"/>
+              </a:rPr>
+              <a:t>CascadingValue</a:t>
+            </a:r>
+            <a:r>
+              <a:rPr lang="en-US" b="0" i="0" dirty="0">
+                <a:solidFill>
+                  <a:srgbClr val="D4D4D8"/>
+                </a:solidFill>
+                <a:effectLst/>
+                <a:latin typeface="Inter"/>
+              </a:rPr>
+              <a:t>. This component allows whatever value is passed to it to be cascaded down its component tree to all of its descendants. The descendant components can then choose to collect the value by declaring a property of the same type, decorated with the [</a:t>
+            </a:r>
+            <a:r>
+              <a:rPr lang="en-US" b="0" i="0" dirty="0" err="1">
+                <a:solidFill>
+                  <a:srgbClr val="D4D4D8"/>
+                </a:solidFill>
+                <a:effectLst/>
+                <a:latin typeface="Inter"/>
+              </a:rPr>
+              <a:t>CascadingParameter</a:t>
+            </a:r>
+            <a:r>
+              <a:rPr lang="en-US" b="0" i="0" dirty="0">
+                <a:solidFill>
+                  <a:srgbClr val="D4D4D8"/>
+                </a:solidFill>
+                <a:effectLst/>
+                <a:latin typeface="Inter"/>
+              </a:rPr>
+              <a:t>] attribute.</a:t>
+            </a:r>
+          </a:p>
+        </p:txBody>
+      </p:sp>
+      <p:sp>
+        <p:nvSpPr>
+          <p:cNvPr id="4" name="Slide Number Placeholder 3"/>
+          <p:cNvSpPr>
+            <a:spLocks noGrp="1"/>
+          </p:cNvSpPr>
+          <p:nvPr>
+            <p:ph type="sldNum" sz="quarter" idx="5"/>
+          </p:nvPr>
+        </p:nvSpPr>
+        <p:spPr/>
+        <p:txBody>
+          <a:bodyPr/>
+          <a:lstStyle/>
+          <a:p>
+            <a:fld id="{7FF7B971-62BD-4E34-81AB-CE32136A0A36}" type="slidenum">
+              <a:rPr lang="it-IT" smtClean="0"/>
+              <a:t>12</a:t>
+            </a:fld>
+            <a:endParaRPr lang="it-IT"/>
+          </a:p>
+        </p:txBody>
+      </p:sp>
+    </p:spTree>
+    <p:extLst>
+      <p:ext uri="{BB962C8B-B14F-4D97-AF65-F5344CB8AC3E}">
+        <p14:creationId xmlns:p14="http://schemas.microsoft.com/office/powerpoint/2010/main" val="237009500"/>
+      </p:ext>
+    </p:extLst>
+  </p:cSld>
+  <p:clrMapOvr>
+    <a:masterClrMapping/>
+  </p:clrMapOvr>
+</p:notes>
 </file>
 
 <file path=ppt/slideLayouts/slideLayout1.xml><?xml version="1.0" encoding="utf-8"?>
@@ -7537,7 +8182,7 @@
             <p:nvPr/>
           </p:nvPicPr>
           <p:blipFill rotWithShape="1">
-            <a:blip r:embed="rId2"/>
+            <a:blip r:embed="rId3"/>
             <a:srcRect t="51347" r="17729" b="-30"/>
             <a:stretch/>
           </p:blipFill>
@@ -7700,7 +8345,7 @@
             <p:nvPr/>
           </p:nvPicPr>
           <p:blipFill rotWithShape="1">
-            <a:blip r:embed="rId3"/>
+            <a:blip r:embed="rId4"/>
             <a:srcRect t="40098" b="15586"/>
             <a:stretch/>
           </p:blipFill>
@@ -8124,14 +8769,20 @@
             <p:nvPr/>
           </p:nvPicPr>
           <p:blipFill rotWithShape="1">
-            <a:blip r:embed="rId2"/>
-            <a:srcRect t="1138" b="-1"/>
+            <a:blip r:embed="rId2">
+              <a:extLst>
+                <a:ext uri="{28A0092B-C50C-407E-A947-70E740481C1C}">
+                  <a14:useLocalDpi xmlns:a14="http://schemas.microsoft.com/office/drawing/2010/main" val="0"/>
+                </a:ext>
+              </a:extLst>
+            </a:blip>
+            <a:srcRect t="493" b="2908"/>
             <a:stretch/>
           </p:blipFill>
           <p:spPr>
             <a:xfrm>
-              <a:off x="1153368" y="2758440"/>
-              <a:ext cx="5296639" cy="3343351"/>
+              <a:off x="1153368" y="2672745"/>
+              <a:ext cx="5296639" cy="3429047"/>
             </a:xfrm>
             <a:prstGeom prst="rect">
               <a:avLst/>
@@ -8175,6 +8826,110 @@
           </a:p>
         </p:txBody>
       </p:sp>
+      <p:sp>
+        <p:nvSpPr>
+          <p:cNvPr id="4" name="Rectangle 3">
+            <a:extLst>
+              <a:ext uri="{FF2B5EF4-FFF2-40B4-BE49-F238E27FC236}">
+                <a16:creationId xmlns:a16="http://schemas.microsoft.com/office/drawing/2014/main" id="{DC89EB6A-A063-FD45-7891-15E929C9A1F6}"/>
+              </a:ext>
+            </a:extLst>
+          </p:cNvPr>
+          <p:cNvSpPr/>
+          <p:nvPr/>
+        </p:nvSpPr>
+        <p:spPr>
+          <a:xfrm>
+            <a:off x="3370881" y="3429000"/>
+            <a:ext cx="5680129" cy="375834"/>
+          </a:xfrm>
+          <a:prstGeom prst="rect">
+            <a:avLst/>
+          </a:prstGeom>
+          <a:noFill/>
+          <a:ln w="28575">
+            <a:solidFill>
+              <a:srgbClr val="B78DE8"/>
+            </a:solidFill>
+          </a:ln>
+        </p:spPr>
+        <p:style>
+          <a:lnRef idx="2">
+            <a:schemeClr val="accent1">
+              <a:shade val="50000"/>
+            </a:schemeClr>
+          </a:lnRef>
+          <a:fillRef idx="1">
+            <a:schemeClr val="accent1"/>
+          </a:fillRef>
+          <a:effectRef idx="0">
+            <a:schemeClr val="accent1"/>
+          </a:effectRef>
+          <a:fontRef idx="minor">
+            <a:schemeClr val="lt1"/>
+          </a:fontRef>
+        </p:style>
+        <p:txBody>
+          <a:bodyPr rtlCol="0" anchor="ctr"/>
+          <a:lstStyle/>
+          <a:p>
+            <a:pPr algn="ctr"/>
+            <a:endParaRPr lang="it-IT"/>
+          </a:p>
+        </p:txBody>
+      </p:sp>
+      <p:sp>
+        <p:nvSpPr>
+          <p:cNvPr id="5" name="Rectangle 4">
+            <a:extLst>
+              <a:ext uri="{FF2B5EF4-FFF2-40B4-BE49-F238E27FC236}">
+                <a16:creationId xmlns:a16="http://schemas.microsoft.com/office/drawing/2014/main" id="{1EA69767-72EC-7AB7-C708-54D71F7AE14D}"/>
+              </a:ext>
+            </a:extLst>
+          </p:cNvPr>
+          <p:cNvSpPr/>
+          <p:nvPr/>
+        </p:nvSpPr>
+        <p:spPr>
+          <a:xfrm>
+            <a:off x="3370880" y="3957234"/>
+            <a:ext cx="4378273" cy="1397430"/>
+          </a:xfrm>
+          <a:prstGeom prst="rect">
+            <a:avLst/>
+          </a:prstGeom>
+          <a:noFill/>
+          <a:ln w="28575">
+            <a:solidFill>
+              <a:srgbClr val="B78DE8"/>
+            </a:solidFill>
+          </a:ln>
+        </p:spPr>
+        <p:style>
+          <a:lnRef idx="2">
+            <a:schemeClr val="accent1">
+              <a:shade val="50000"/>
+            </a:schemeClr>
+          </a:lnRef>
+          <a:fillRef idx="1">
+            <a:schemeClr val="accent1"/>
+          </a:fillRef>
+          <a:effectRef idx="0">
+            <a:schemeClr val="accent1"/>
+          </a:effectRef>
+          <a:fontRef idx="minor">
+            <a:schemeClr val="lt1"/>
+          </a:fontRef>
+        </p:style>
+        <p:txBody>
+          <a:bodyPr rtlCol="0" anchor="ctr"/>
+          <a:lstStyle/>
+          <a:p>
+            <a:pPr algn="ctr"/>
+            <a:endParaRPr lang="it-IT"/>
+          </a:p>
+        </p:txBody>
+      </p:sp>
     </p:spTree>
     <p:extLst>
       <p:ext uri="{BB962C8B-B14F-4D97-AF65-F5344CB8AC3E}">
@@ -8197,6 +8952,182 @@
       </p:transition>
     </mc:Fallback>
   </mc:AlternateContent>
+  <p:timing>
+    <p:tnLst>
+      <p:par>
+        <p:cTn id="1" dur="indefinite" restart="never" nodeType="tmRoot">
+          <p:childTnLst>
+            <p:seq concurrent="1" nextAc="seek">
+              <p:cTn id="2" dur="indefinite" nodeType="mainSeq">
+                <p:childTnLst>
+                  <p:par>
+                    <p:cTn id="3" fill="hold">
+                      <p:stCondLst>
+                        <p:cond delay="indefinite"/>
+                      </p:stCondLst>
+                      <p:childTnLst>
+                        <p:par>
+                          <p:cTn id="4" fill="hold">
+                            <p:stCondLst>
+                              <p:cond delay="0"/>
+                            </p:stCondLst>
+                            <p:childTnLst>
+                              <p:par>
+                                <p:cTn id="5" presetID="10" presetClass="entr" presetSubtype="0" fill="hold" grpId="0" nodeType="clickEffect">
+                                  <p:stCondLst>
+                                    <p:cond delay="0"/>
+                                  </p:stCondLst>
+                                  <p:childTnLst>
+                                    <p:set>
+                                      <p:cBhvr>
+                                        <p:cTn id="6" dur="1" fill="hold">
+                                          <p:stCondLst>
+                                            <p:cond delay="0"/>
+                                          </p:stCondLst>
+                                        </p:cTn>
+                                        <p:tgtEl>
+                                          <p:spTgt spid="4"/>
+                                        </p:tgtEl>
+                                        <p:attrNameLst>
+                                          <p:attrName>style.visibility</p:attrName>
+                                        </p:attrNameLst>
+                                      </p:cBhvr>
+                                      <p:to>
+                                        <p:strVal val="visible"/>
+                                      </p:to>
+                                    </p:set>
+                                    <p:animEffect transition="in" filter="fade">
+                                      <p:cBhvr>
+                                        <p:cTn id="7" dur="500"/>
+                                        <p:tgtEl>
+                                          <p:spTgt spid="4"/>
+                                        </p:tgtEl>
+                                      </p:cBhvr>
+                                    </p:animEffect>
+                                  </p:childTnLst>
+                                </p:cTn>
+                              </p:par>
+                            </p:childTnLst>
+                          </p:cTn>
+                        </p:par>
+                      </p:childTnLst>
+                    </p:cTn>
+                  </p:par>
+                  <p:par>
+                    <p:cTn id="8" fill="hold">
+                      <p:stCondLst>
+                        <p:cond delay="indefinite"/>
+                      </p:stCondLst>
+                      <p:childTnLst>
+                        <p:par>
+                          <p:cTn id="9" fill="hold">
+                            <p:stCondLst>
+                              <p:cond delay="0"/>
+                            </p:stCondLst>
+                            <p:childTnLst>
+                              <p:par>
+                                <p:cTn id="10" presetID="10" presetClass="exit" presetSubtype="0" fill="hold" grpId="1" nodeType="clickEffect">
+                                  <p:stCondLst>
+                                    <p:cond delay="0"/>
+                                  </p:stCondLst>
+                                  <p:childTnLst>
+                                    <p:animEffect transition="out" filter="fade">
+                                      <p:cBhvr>
+                                        <p:cTn id="11" dur="500"/>
+                                        <p:tgtEl>
+                                          <p:spTgt spid="4"/>
+                                        </p:tgtEl>
+                                      </p:cBhvr>
+                                    </p:animEffect>
+                                    <p:set>
+                                      <p:cBhvr>
+                                        <p:cTn id="12" dur="1" fill="hold">
+                                          <p:stCondLst>
+                                            <p:cond delay="499"/>
+                                          </p:stCondLst>
+                                        </p:cTn>
+                                        <p:tgtEl>
+                                          <p:spTgt spid="4"/>
+                                        </p:tgtEl>
+                                        <p:attrNameLst>
+                                          <p:attrName>style.visibility</p:attrName>
+                                        </p:attrNameLst>
+                                      </p:cBhvr>
+                                      <p:to>
+                                        <p:strVal val="hidden"/>
+                                      </p:to>
+                                    </p:set>
+                                  </p:childTnLst>
+                                </p:cTn>
+                              </p:par>
+                              <p:par>
+                                <p:cTn id="13" presetID="10" presetClass="entr" presetSubtype="0" fill="hold" grpId="0" nodeType="withEffect">
+                                  <p:stCondLst>
+                                    <p:cond delay="0"/>
+                                  </p:stCondLst>
+                                  <p:childTnLst>
+                                    <p:set>
+                                      <p:cBhvr>
+                                        <p:cTn id="14" dur="1" fill="hold">
+                                          <p:stCondLst>
+                                            <p:cond delay="0"/>
+                                          </p:stCondLst>
+                                        </p:cTn>
+                                        <p:tgtEl>
+                                          <p:spTgt spid="5"/>
+                                        </p:tgtEl>
+                                        <p:attrNameLst>
+                                          <p:attrName>style.visibility</p:attrName>
+                                        </p:attrNameLst>
+                                      </p:cBhvr>
+                                      <p:to>
+                                        <p:strVal val="visible"/>
+                                      </p:to>
+                                    </p:set>
+                                    <p:animEffect transition="in" filter="fade">
+                                      <p:cBhvr>
+                                        <p:cTn id="15" dur="500"/>
+                                        <p:tgtEl>
+                                          <p:spTgt spid="5"/>
+                                        </p:tgtEl>
+                                      </p:cBhvr>
+                                    </p:animEffect>
+                                  </p:childTnLst>
+                                </p:cTn>
+                              </p:par>
+                            </p:childTnLst>
+                          </p:cTn>
+                        </p:par>
+                      </p:childTnLst>
+                    </p:cTn>
+                  </p:par>
+                </p:childTnLst>
+              </p:cTn>
+              <p:prevCondLst>
+                <p:cond evt="onPrev" delay="0">
+                  <p:tgtEl>
+                    <p:sldTgt/>
+                  </p:tgtEl>
+                </p:cond>
+              </p:prevCondLst>
+              <p:nextCondLst>
+                <p:cond evt="onNext" delay="0">
+                  <p:tgtEl>
+                    <p:sldTgt/>
+                  </p:tgtEl>
+                </p:cond>
+              </p:nextCondLst>
+            </p:seq>
+          </p:childTnLst>
+        </p:cTn>
+      </p:par>
+    </p:tnLst>
+    <p:bldLst>
+      <p:bldP spid="4" grpId="0" animBg="1"/>
+      <p:bldP spid="4" grpId="1" animBg="1"/>
+      <p:bldP spid="5" grpId="0" animBg="1"/>
+    </p:bldLst>
+  </p:timing>
 </p:sld>
 </file>
 
@@ -8724,10 +9655,10 @@
       </p:sp>
       <p:grpSp>
         <p:nvGrpSpPr>
-          <p:cNvPr id="8" name="Group 7">
+          <p:cNvPr id="7" name="Group 6">
             <a:extLst>
               <a:ext uri="{FF2B5EF4-FFF2-40B4-BE49-F238E27FC236}">
-                <a16:creationId xmlns:a16="http://schemas.microsoft.com/office/drawing/2014/main" id="{C6C914C1-DC37-AA35-33EC-642EA7089A46}"/>
+                <a16:creationId xmlns:a16="http://schemas.microsoft.com/office/drawing/2014/main" id="{A7BA5133-0C2B-2B79-F626-47A71FCDAE6B}"/>
               </a:ext>
             </a:extLst>
           </p:cNvPr>
@@ -8738,121 +9669,16 @@
           <a:xfrm>
             <a:off x="1316182" y="1741628"/>
             <a:ext cx="9559636" cy="3374743"/>
-            <a:chOff x="1316182" y="1741628"/>
+            <a:chOff x="1316182" y="2014128"/>
             <a:chExt cx="9559636" cy="3374743"/>
           </a:xfrm>
         </p:grpSpPr>
-        <p:grpSp>
-          <p:nvGrpSpPr>
-            <p:cNvPr id="7" name="Group 6">
+        <p:sp>
+          <p:nvSpPr>
+            <p:cNvPr id="6" name="Rectangle 5">
               <a:extLst>
                 <a:ext uri="{FF2B5EF4-FFF2-40B4-BE49-F238E27FC236}">
-                  <a16:creationId xmlns:a16="http://schemas.microsoft.com/office/drawing/2014/main" id="{A7BA5133-0C2B-2B79-F626-47A71FCDAE6B}"/>
-                </a:ext>
-              </a:extLst>
-            </p:cNvPr>
-            <p:cNvGrpSpPr/>
-            <p:nvPr/>
-          </p:nvGrpSpPr>
-          <p:grpSpPr>
-            <a:xfrm>
-              <a:off x="1316182" y="1741628"/>
-              <a:ext cx="9559636" cy="3374743"/>
-              <a:chOff x="1316182" y="2014128"/>
-              <a:chExt cx="9559636" cy="3374743"/>
-            </a:xfrm>
-          </p:grpSpPr>
-          <p:sp>
-            <p:nvSpPr>
-              <p:cNvPr id="6" name="Rectangle 5">
-                <a:extLst>
-                  <a:ext uri="{FF2B5EF4-FFF2-40B4-BE49-F238E27FC236}">
-                    <a16:creationId xmlns:a16="http://schemas.microsoft.com/office/drawing/2014/main" id="{2D4B5A9E-059B-25D2-7E8C-8CBFD57DEC2F}"/>
-                  </a:ext>
-                </a:extLst>
-              </p:cNvPr>
-              <p:cNvSpPr/>
-              <p:nvPr/>
-            </p:nvSpPr>
-            <p:spPr>
-              <a:xfrm>
-                <a:off x="1316182" y="2014128"/>
-                <a:ext cx="9559636" cy="3374743"/>
-              </a:xfrm>
-              <a:prstGeom prst="rect">
-                <a:avLst/>
-              </a:prstGeom>
-              <a:solidFill>
-                <a:srgbClr val="1E1E1E"/>
-              </a:solidFill>
-              <a:ln>
-                <a:noFill/>
-              </a:ln>
-            </p:spPr>
-            <p:style>
-              <a:lnRef idx="2">
-                <a:schemeClr val="accent1">
-                  <a:shade val="50000"/>
-                </a:schemeClr>
-              </a:lnRef>
-              <a:fillRef idx="1">
-                <a:schemeClr val="accent1"/>
-              </a:fillRef>
-              <a:effectRef idx="0">
-                <a:schemeClr val="accent1"/>
-              </a:effectRef>
-              <a:fontRef idx="minor">
-                <a:schemeClr val="lt1"/>
-              </a:fontRef>
-            </p:style>
-            <p:txBody>
-              <a:bodyPr rtlCol="0" anchor="ctr"/>
-              <a:lstStyle/>
-              <a:p>
-                <a:pPr algn="ctr"/>
-                <a:endParaRPr lang="it-IT"/>
-              </a:p>
-            </p:txBody>
-          </p:sp>
-          <p:pic>
-            <p:nvPicPr>
-              <p:cNvPr id="5" name="Picture 4">
-                <a:extLst>
-                  <a:ext uri="{FF2B5EF4-FFF2-40B4-BE49-F238E27FC236}">
-                    <a16:creationId xmlns:a16="http://schemas.microsoft.com/office/drawing/2014/main" id="{41A3B26C-6FAB-075C-8C1E-BA94BE3A9890}"/>
-                  </a:ext>
-                </a:extLst>
-              </p:cNvPr>
-              <p:cNvPicPr>
-                <a:picLocks noChangeAspect="1"/>
-              </p:cNvPicPr>
-              <p:nvPr/>
-            </p:nvPicPr>
-            <p:blipFill rotWithShape="1">
-              <a:blip r:embed="rId2"/>
-              <a:srcRect l="590" t="1227"/>
-              <a:stretch/>
-            </p:blipFill>
-            <p:spPr>
-              <a:xfrm>
-                <a:off x="1508760" y="2321414"/>
-                <a:ext cx="9229260" cy="2760170"/>
-              </a:xfrm>
-              <a:prstGeom prst="rect">
-                <a:avLst/>
-              </a:prstGeom>
-              <a:ln>
-                <a:noFill/>
-              </a:ln>
-            </p:spPr>
-          </p:pic>
-        </p:grpSp>
-        <p:sp>
-          <p:nvSpPr>
-            <p:cNvPr id="4" name="Rectangle 3">
-              <a:extLst>
-                <a:ext uri="{FF2B5EF4-FFF2-40B4-BE49-F238E27FC236}">
-                  <a16:creationId xmlns:a16="http://schemas.microsoft.com/office/drawing/2014/main" id="{CD924DBF-B6FF-2D06-5579-7BA7AC0CF4BC}"/>
+                  <a16:creationId xmlns:a16="http://schemas.microsoft.com/office/drawing/2014/main" id="{2D4B5A9E-059B-25D2-7E8C-8CBFD57DEC2F}"/>
                 </a:ext>
               </a:extLst>
             </p:cNvPr>
@@ -8861,17 +9687,17 @@
           </p:nvSpPr>
           <p:spPr>
             <a:xfrm>
-              <a:off x="1905000" y="3467098"/>
-              <a:ext cx="8084820" cy="609601"/>
+              <a:off x="1316182" y="2014128"/>
+              <a:ext cx="9559636" cy="3374743"/>
             </a:xfrm>
             <a:prstGeom prst="rect">
               <a:avLst/>
             </a:prstGeom>
-            <a:noFill/>
-            <a:ln w="38100">
-              <a:solidFill>
-                <a:srgbClr val="B78DE8"/>
-              </a:solidFill>
+            <a:solidFill>
+              <a:srgbClr val="1E1E1E"/>
+            </a:solidFill>
+            <a:ln>
+              <a:noFill/>
             </a:ln>
           </p:spPr>
           <p:style>
@@ -8899,7 +9725,195 @@
             </a:p>
           </p:txBody>
         </p:sp>
+        <p:pic>
+          <p:nvPicPr>
+            <p:cNvPr id="5" name="Picture 4">
+              <a:extLst>
+                <a:ext uri="{FF2B5EF4-FFF2-40B4-BE49-F238E27FC236}">
+                  <a16:creationId xmlns:a16="http://schemas.microsoft.com/office/drawing/2014/main" id="{41A3B26C-6FAB-075C-8C1E-BA94BE3A9890}"/>
+                </a:ext>
+              </a:extLst>
+            </p:cNvPr>
+            <p:cNvPicPr>
+              <a:picLocks noChangeAspect="1"/>
+            </p:cNvPicPr>
+            <p:nvPr/>
+          </p:nvPicPr>
+          <p:blipFill rotWithShape="1">
+            <a:blip r:embed="rId2"/>
+            <a:srcRect l="590" t="1227"/>
+            <a:stretch/>
+          </p:blipFill>
+          <p:spPr>
+            <a:xfrm>
+              <a:off x="1508760" y="2321414"/>
+              <a:ext cx="9229260" cy="2760170"/>
+            </a:xfrm>
+            <a:prstGeom prst="rect">
+              <a:avLst/>
+            </a:prstGeom>
+            <a:ln>
+              <a:noFill/>
+            </a:ln>
+          </p:spPr>
+        </p:pic>
       </p:grpSp>
+      <p:sp>
+        <p:nvSpPr>
+          <p:cNvPr id="4" name="Rectangle 3">
+            <a:extLst>
+              <a:ext uri="{FF2B5EF4-FFF2-40B4-BE49-F238E27FC236}">
+                <a16:creationId xmlns:a16="http://schemas.microsoft.com/office/drawing/2014/main" id="{CD924DBF-B6FF-2D06-5579-7BA7AC0CF4BC}"/>
+              </a:ext>
+            </a:extLst>
+          </p:cNvPr>
+          <p:cNvSpPr/>
+          <p:nvPr/>
+        </p:nvSpPr>
+        <p:spPr>
+          <a:xfrm>
+            <a:off x="1905000" y="3467098"/>
+            <a:ext cx="8084820" cy="609601"/>
+          </a:xfrm>
+          <a:prstGeom prst="rect">
+            <a:avLst/>
+          </a:prstGeom>
+          <a:noFill/>
+          <a:ln w="38100">
+            <a:solidFill>
+              <a:srgbClr val="B78DE8"/>
+            </a:solidFill>
+          </a:ln>
+        </p:spPr>
+        <p:style>
+          <a:lnRef idx="2">
+            <a:schemeClr val="accent1">
+              <a:shade val="50000"/>
+            </a:schemeClr>
+          </a:lnRef>
+          <a:fillRef idx="1">
+            <a:schemeClr val="accent1"/>
+          </a:fillRef>
+          <a:effectRef idx="0">
+            <a:schemeClr val="accent1"/>
+          </a:effectRef>
+          <a:fontRef idx="minor">
+            <a:schemeClr val="lt1"/>
+          </a:fontRef>
+        </p:style>
+        <p:txBody>
+          <a:bodyPr rtlCol="0" anchor="ctr"/>
+          <a:lstStyle/>
+          <a:p>
+            <a:pPr algn="ctr"/>
+            <a:endParaRPr lang="it-IT"/>
+          </a:p>
+        </p:txBody>
+      </p:sp>
+      <p:sp>
+        <p:nvSpPr>
+          <p:cNvPr id="9" name="Rectangle 8">
+            <a:extLst>
+              <a:ext uri="{FF2B5EF4-FFF2-40B4-BE49-F238E27FC236}">
+                <a16:creationId xmlns:a16="http://schemas.microsoft.com/office/drawing/2014/main" id="{78CBA57F-89A7-3C77-464D-242EF1B82739}"/>
+              </a:ext>
+            </a:extLst>
+          </p:cNvPr>
+          <p:cNvSpPr/>
+          <p:nvPr/>
+        </p:nvSpPr>
+        <p:spPr>
+          <a:xfrm>
+            <a:off x="1508760" y="2734713"/>
+            <a:ext cx="7914209" cy="302955"/>
+          </a:xfrm>
+          <a:prstGeom prst="rect">
+            <a:avLst/>
+          </a:prstGeom>
+          <a:noFill/>
+          <a:ln w="28575">
+            <a:solidFill>
+              <a:srgbClr val="B78DE8"/>
+            </a:solidFill>
+          </a:ln>
+        </p:spPr>
+        <p:style>
+          <a:lnRef idx="2">
+            <a:schemeClr val="accent1">
+              <a:shade val="50000"/>
+            </a:schemeClr>
+          </a:lnRef>
+          <a:fillRef idx="1">
+            <a:schemeClr val="accent1"/>
+          </a:fillRef>
+          <a:effectRef idx="0">
+            <a:schemeClr val="accent1"/>
+          </a:effectRef>
+          <a:fontRef idx="minor">
+            <a:schemeClr val="lt1"/>
+          </a:fontRef>
+        </p:style>
+        <p:txBody>
+          <a:bodyPr rtlCol="0" anchor="ctr"/>
+          <a:lstStyle/>
+          <a:p>
+            <a:pPr algn="ctr"/>
+            <a:endParaRPr lang="it-IT"/>
+          </a:p>
+        </p:txBody>
+      </p:sp>
+      <p:sp>
+        <p:nvSpPr>
+          <p:cNvPr id="10" name="Rectangle 9">
+            <a:extLst>
+              <a:ext uri="{FF2B5EF4-FFF2-40B4-BE49-F238E27FC236}">
+                <a16:creationId xmlns:a16="http://schemas.microsoft.com/office/drawing/2014/main" id="{9DEE1644-1E91-1B08-EA0A-75D87EE33BB1}"/>
+              </a:ext>
+            </a:extLst>
+          </p:cNvPr>
+          <p:cNvSpPr/>
+          <p:nvPr/>
+        </p:nvSpPr>
+        <p:spPr>
+          <a:xfrm>
+            <a:off x="1905000" y="4199319"/>
+            <a:ext cx="8833020" cy="346163"/>
+          </a:xfrm>
+          <a:prstGeom prst="rect">
+            <a:avLst/>
+          </a:prstGeom>
+          <a:noFill/>
+          <a:ln w="28575">
+            <a:solidFill>
+              <a:srgbClr val="B78DE8"/>
+            </a:solidFill>
+          </a:ln>
+        </p:spPr>
+        <p:style>
+          <a:lnRef idx="2">
+            <a:schemeClr val="accent1">
+              <a:shade val="50000"/>
+            </a:schemeClr>
+          </a:lnRef>
+          <a:fillRef idx="1">
+            <a:schemeClr val="accent1"/>
+          </a:fillRef>
+          <a:effectRef idx="0">
+            <a:schemeClr val="accent1"/>
+          </a:effectRef>
+          <a:fontRef idx="minor">
+            <a:schemeClr val="lt1"/>
+          </a:fontRef>
+        </p:style>
+        <p:txBody>
+          <a:bodyPr rtlCol="0" anchor="ctr"/>
+          <a:lstStyle/>
+          <a:p>
+            <a:pPr algn="ctr"/>
+            <a:endParaRPr lang="it-IT"/>
+          </a:p>
+        </p:txBody>
+      </p:sp>
     </p:spTree>
     <p:extLst>
       <p:ext uri="{BB962C8B-B14F-4D97-AF65-F5344CB8AC3E}">
@@ -8922,6 +9936,275 @@
       </p:transition>
     </mc:Fallback>
   </mc:AlternateContent>
+  <p:timing>
+    <p:tnLst>
+      <p:par>
+        <p:cTn id="1" dur="indefinite" restart="never" nodeType="tmRoot">
+          <p:childTnLst>
+            <p:seq concurrent="1" nextAc="seek">
+              <p:cTn id="2" dur="indefinite" nodeType="mainSeq">
+                <p:childTnLst>
+                  <p:par>
+                    <p:cTn id="3" fill="hold">
+                      <p:stCondLst>
+                        <p:cond delay="indefinite"/>
+                        <p:cond evt="onBegin" delay="0">
+                          <p:tn val="2"/>
+                        </p:cond>
+                      </p:stCondLst>
+                      <p:childTnLst>
+                        <p:par>
+                          <p:cTn id="4" fill="hold">
+                            <p:stCondLst>
+                              <p:cond delay="0"/>
+                            </p:stCondLst>
+                            <p:childTnLst>
+                              <p:par>
+                                <p:cTn id="5" presetID="10" presetClass="entr" presetSubtype="0" fill="hold" grpId="1" nodeType="withEffect">
+                                  <p:stCondLst>
+                                    <p:cond delay="0"/>
+                                  </p:stCondLst>
+                                  <p:childTnLst>
+                                    <p:set>
+                                      <p:cBhvr>
+                                        <p:cTn id="6" dur="1" fill="hold">
+                                          <p:stCondLst>
+                                            <p:cond delay="0"/>
+                                          </p:stCondLst>
+                                        </p:cTn>
+                                        <p:tgtEl>
+                                          <p:spTgt spid="4"/>
+                                        </p:tgtEl>
+                                        <p:attrNameLst>
+                                          <p:attrName>style.visibility</p:attrName>
+                                        </p:attrNameLst>
+                                      </p:cBhvr>
+                                      <p:to>
+                                        <p:strVal val="visible"/>
+                                      </p:to>
+                                    </p:set>
+                                    <p:animEffect transition="in" filter="fade">
+                                      <p:cBhvr>
+                                        <p:cTn id="7" dur="500"/>
+                                        <p:tgtEl>
+                                          <p:spTgt spid="4"/>
+                                        </p:tgtEl>
+                                      </p:cBhvr>
+                                    </p:animEffect>
+                                  </p:childTnLst>
+                                </p:cTn>
+                              </p:par>
+                            </p:childTnLst>
+                          </p:cTn>
+                        </p:par>
+                      </p:childTnLst>
+                    </p:cTn>
+                  </p:par>
+                  <p:par>
+                    <p:cTn id="8" fill="hold">
+                      <p:stCondLst>
+                        <p:cond delay="indefinite"/>
+                      </p:stCondLst>
+                      <p:childTnLst>
+                        <p:par>
+                          <p:cTn id="9" fill="hold">
+                            <p:stCondLst>
+                              <p:cond delay="0"/>
+                            </p:stCondLst>
+                            <p:childTnLst>
+                              <p:par>
+                                <p:cTn id="10" presetID="10" presetClass="exit" presetSubtype="0" fill="hold" grpId="0" nodeType="clickEffect">
+                                  <p:stCondLst>
+                                    <p:cond delay="0"/>
+                                  </p:stCondLst>
+                                  <p:childTnLst>
+                                    <p:animEffect transition="out" filter="fade">
+                                      <p:cBhvr>
+                                        <p:cTn id="11" dur="500"/>
+                                        <p:tgtEl>
+                                          <p:spTgt spid="4"/>
+                                        </p:tgtEl>
+                                      </p:cBhvr>
+                                    </p:animEffect>
+                                    <p:set>
+                                      <p:cBhvr>
+                                        <p:cTn id="12" dur="1" fill="hold">
+                                          <p:stCondLst>
+                                            <p:cond delay="499"/>
+                                          </p:stCondLst>
+                                        </p:cTn>
+                                        <p:tgtEl>
+                                          <p:spTgt spid="4"/>
+                                        </p:tgtEl>
+                                        <p:attrNameLst>
+                                          <p:attrName>style.visibility</p:attrName>
+                                        </p:attrNameLst>
+                                      </p:cBhvr>
+                                      <p:to>
+                                        <p:strVal val="hidden"/>
+                                      </p:to>
+                                    </p:set>
+                                  </p:childTnLst>
+                                </p:cTn>
+                              </p:par>
+                              <p:par>
+                                <p:cTn id="13" presetID="10" presetClass="entr" presetSubtype="0" fill="hold" grpId="0" nodeType="withEffect">
+                                  <p:stCondLst>
+                                    <p:cond delay="0"/>
+                                  </p:stCondLst>
+                                  <p:childTnLst>
+                                    <p:set>
+                                      <p:cBhvr>
+                                        <p:cTn id="14" dur="1" fill="hold">
+                                          <p:stCondLst>
+                                            <p:cond delay="0"/>
+                                          </p:stCondLst>
+                                        </p:cTn>
+                                        <p:tgtEl>
+                                          <p:spTgt spid="9"/>
+                                        </p:tgtEl>
+                                        <p:attrNameLst>
+                                          <p:attrName>style.visibility</p:attrName>
+                                        </p:attrNameLst>
+                                      </p:cBhvr>
+                                      <p:to>
+                                        <p:strVal val="visible"/>
+                                      </p:to>
+                                    </p:set>
+                                    <p:animEffect transition="in" filter="fade">
+                                      <p:cBhvr>
+                                        <p:cTn id="15" dur="500"/>
+                                        <p:tgtEl>
+                                          <p:spTgt spid="9"/>
+                                        </p:tgtEl>
+                                      </p:cBhvr>
+                                    </p:animEffect>
+                                  </p:childTnLst>
+                                </p:cTn>
+                              </p:par>
+                            </p:childTnLst>
+                          </p:cTn>
+                        </p:par>
+                      </p:childTnLst>
+                    </p:cTn>
+                  </p:par>
+                  <p:par>
+                    <p:cTn id="16" fill="hold">
+                      <p:stCondLst>
+                        <p:cond delay="indefinite"/>
+                      </p:stCondLst>
+                      <p:childTnLst>
+                        <p:par>
+                          <p:cTn id="17" fill="hold">
+                            <p:stCondLst>
+                              <p:cond delay="0"/>
+                            </p:stCondLst>
+                            <p:childTnLst>
+                              <p:par>
+                                <p:cTn id="18" presetID="10" presetClass="exit" presetSubtype="0" fill="hold" grpId="1" nodeType="clickEffect">
+                                  <p:stCondLst>
+                                    <p:cond delay="0"/>
+                                  </p:stCondLst>
+                                  <p:childTnLst>
+                                    <p:animEffect transition="out" filter="fade">
+                                      <p:cBhvr>
+                                        <p:cTn id="19" dur="500"/>
+                                        <p:tgtEl>
+                                          <p:spTgt spid="9"/>
+                                        </p:tgtEl>
+                                      </p:cBhvr>
+                                    </p:animEffect>
+                                    <p:set>
+                                      <p:cBhvr>
+                                        <p:cTn id="20" dur="1" fill="hold">
+                                          <p:stCondLst>
+                                            <p:cond delay="499"/>
+                                          </p:stCondLst>
+                                        </p:cTn>
+                                        <p:tgtEl>
+                                          <p:spTgt spid="9"/>
+                                        </p:tgtEl>
+                                        <p:attrNameLst>
+                                          <p:attrName>style.visibility</p:attrName>
+                                        </p:attrNameLst>
+                                      </p:cBhvr>
+                                      <p:to>
+                                        <p:strVal val="hidden"/>
+                                      </p:to>
+                                    </p:set>
+                                  </p:childTnLst>
+                                </p:cTn>
+                              </p:par>
+                              <p:par>
+                                <p:cTn id="21" presetID="10" presetClass="entr" presetSubtype="0" fill="hold" grpId="0" nodeType="withEffect">
+                                  <p:stCondLst>
+                                    <p:cond delay="0"/>
+                                  </p:stCondLst>
+                                  <p:childTnLst>
+                                    <p:set>
+                                      <p:cBhvr>
+                                        <p:cTn id="22" dur="1" fill="hold">
+                                          <p:stCondLst>
+                                            <p:cond delay="0"/>
+                                          </p:stCondLst>
+                                        </p:cTn>
+                                        <p:tgtEl>
+                                          <p:spTgt spid="10"/>
+                                        </p:tgtEl>
+                                        <p:attrNameLst>
+                                          <p:attrName>style.visibility</p:attrName>
+                                        </p:attrNameLst>
+                                      </p:cBhvr>
+                                      <p:to>
+                                        <p:strVal val="visible"/>
+                                      </p:to>
+                                    </p:set>
+                                    <p:animEffect transition="in" filter="fade">
+                                      <p:cBhvr>
+                                        <p:cTn id="23" dur="500"/>
+                                        <p:tgtEl>
+                                          <p:spTgt spid="10"/>
+                                        </p:tgtEl>
+                                      </p:cBhvr>
+                                    </p:animEffect>
+                                  </p:childTnLst>
+                                </p:cTn>
+                              </p:par>
+                            </p:childTnLst>
+                          </p:cTn>
+                        </p:par>
+                      </p:childTnLst>
+                    </p:cTn>
+                  </p:par>
+                </p:childTnLst>
+              </p:cTn>
+              <p:prevCondLst>
+                <p:cond evt="onPrev" delay="0">
+                  <p:tgtEl>
+                    <p:sldTgt/>
+                  </p:tgtEl>
+                </p:cond>
+              </p:prevCondLst>
+              <p:nextCondLst>
+                <p:cond evt="onNext" delay="0">
+                  <p:tgtEl>
+                    <p:sldTgt/>
+                  </p:tgtEl>
+                </p:cond>
+              </p:nextCondLst>
+            </p:seq>
+          </p:childTnLst>
+        </p:cTn>
+      </p:par>
+    </p:tnLst>
+    <p:bldLst>
+      <p:bldP spid="4" grpId="0" animBg="1"/>
+      <p:bldP spid="4" grpId="1" animBg="1"/>
+      <p:bldP spid="9" grpId="0" animBg="1"/>
+      <p:bldP spid="9" grpId="1" animBg="1"/>
+      <p:bldP spid="10" grpId="0" animBg="1"/>
+    </p:bldLst>
+  </p:timing>
 </p:sld>
 </file>
 
@@ -9142,6 +10425,58 @@
           </a:p>
         </p:txBody>
       </p:sp>
+      <p:sp>
+        <p:nvSpPr>
+          <p:cNvPr id="6" name="Rectangle 5">
+            <a:extLst>
+              <a:ext uri="{FF2B5EF4-FFF2-40B4-BE49-F238E27FC236}">
+                <a16:creationId xmlns:a16="http://schemas.microsoft.com/office/drawing/2014/main" id="{F89FBE80-97EF-87D9-1E08-44A13F311E20}"/>
+              </a:ext>
+            </a:extLst>
+          </p:cNvPr>
+          <p:cNvSpPr/>
+          <p:nvPr/>
+        </p:nvSpPr>
+        <p:spPr>
+          <a:xfrm>
+            <a:off x="1457130" y="1967828"/>
+            <a:ext cx="8748503" cy="713379"/>
+          </a:xfrm>
+          <a:prstGeom prst="rect">
+            <a:avLst/>
+          </a:prstGeom>
+          <a:noFill/>
+          <a:ln w="28575">
+            <a:solidFill>
+              <a:srgbClr val="B78DE8"/>
+            </a:solidFill>
+          </a:ln>
+        </p:spPr>
+        <p:style>
+          <a:lnRef idx="2">
+            <a:schemeClr val="accent1">
+              <a:shade val="50000"/>
+            </a:schemeClr>
+          </a:lnRef>
+          <a:fillRef idx="1">
+            <a:schemeClr val="accent1"/>
+          </a:fillRef>
+          <a:effectRef idx="0">
+            <a:schemeClr val="accent1"/>
+          </a:effectRef>
+          <a:fontRef idx="minor">
+            <a:schemeClr val="lt1"/>
+          </a:fontRef>
+        </p:style>
+        <p:txBody>
+          <a:bodyPr rtlCol="0" anchor="ctr"/>
+          <a:lstStyle/>
+          <a:p>
+            <a:pPr algn="ctr"/>
+            <a:endParaRPr lang="it-IT"/>
+          </a:p>
+        </p:txBody>
+      </p:sp>
     </p:spTree>
     <p:extLst>
       <p:ext uri="{BB962C8B-B14F-4D97-AF65-F5344CB8AC3E}">
@@ -9164,6 +10499,128 @@
       </p:transition>
     </mc:Fallback>
   </mc:AlternateContent>
+  <p:timing>
+    <p:tnLst>
+      <p:par>
+        <p:cTn id="1" dur="indefinite" restart="never" nodeType="tmRoot">
+          <p:childTnLst>
+            <p:seq concurrent="1" nextAc="seek">
+              <p:cTn id="2" dur="indefinite" nodeType="mainSeq">
+                <p:childTnLst>
+                  <p:par>
+                    <p:cTn id="3" fill="hold">
+                      <p:stCondLst>
+                        <p:cond delay="indefinite"/>
+                      </p:stCondLst>
+                      <p:childTnLst>
+                        <p:par>
+                          <p:cTn id="4" fill="hold">
+                            <p:stCondLst>
+                              <p:cond delay="0"/>
+                            </p:stCondLst>
+                            <p:childTnLst>
+                              <p:par>
+                                <p:cTn id="5" presetID="10" presetClass="entr" presetSubtype="0" fill="hold" grpId="0" nodeType="clickEffect">
+                                  <p:stCondLst>
+                                    <p:cond delay="0"/>
+                                  </p:stCondLst>
+                                  <p:childTnLst>
+                                    <p:set>
+                                      <p:cBhvr>
+                                        <p:cTn id="6" dur="1" fill="hold">
+                                          <p:stCondLst>
+                                            <p:cond delay="0"/>
+                                          </p:stCondLst>
+                                        </p:cTn>
+                                        <p:tgtEl>
+                                          <p:spTgt spid="6"/>
+                                        </p:tgtEl>
+                                        <p:attrNameLst>
+                                          <p:attrName>style.visibility</p:attrName>
+                                        </p:attrNameLst>
+                                      </p:cBhvr>
+                                      <p:to>
+                                        <p:strVal val="visible"/>
+                                      </p:to>
+                                    </p:set>
+                                    <p:animEffect transition="in" filter="fade">
+                                      <p:cBhvr>
+                                        <p:cTn id="7" dur="500"/>
+                                        <p:tgtEl>
+                                          <p:spTgt spid="6"/>
+                                        </p:tgtEl>
+                                      </p:cBhvr>
+                                    </p:animEffect>
+                                  </p:childTnLst>
+                                </p:cTn>
+                              </p:par>
+                              <p:par>
+                                <p:cTn id="8" presetID="10" presetClass="exit" presetSubtype="0" fill="hold" grpId="0" nodeType="withEffect">
+                                  <p:stCondLst>
+                                    <p:cond delay="0"/>
+                                  </p:stCondLst>
+                                  <p:childTnLst>
+                                    <p:animEffect transition="out" filter="fade">
+                                      <p:cBhvr>
+                                        <p:cTn id="9" dur="500"/>
+                                        <p:tgtEl>
+                                          <p:spTgt spid="4"/>
+                                        </p:tgtEl>
+                                      </p:cBhvr>
+                                    </p:animEffect>
+                                    <p:set>
+                                      <p:cBhvr>
+                                        <p:cTn id="10" dur="1" fill="hold">
+                                          <p:stCondLst>
+                                            <p:cond delay="499"/>
+                                          </p:stCondLst>
+                                        </p:cTn>
+                                        <p:tgtEl>
+                                          <p:spTgt spid="4"/>
+                                        </p:tgtEl>
+                                        <p:attrNameLst>
+                                          <p:attrName>style.visibility</p:attrName>
+                                        </p:attrNameLst>
+                                      </p:cBhvr>
+                                      <p:to>
+                                        <p:strVal val="hidden"/>
+                                      </p:to>
+                                    </p:set>
+                                  </p:childTnLst>
+                                </p:cTn>
+                              </p:par>
+                            </p:childTnLst>
+                          </p:cTn>
+                        </p:par>
+                      </p:childTnLst>
+                    </p:cTn>
+                  </p:par>
+                </p:childTnLst>
+              </p:cTn>
+              <p:prevCondLst>
+                <p:cond evt="onPrev" delay="0">
+                  <p:tgtEl>
+                    <p:sldTgt/>
+                  </p:tgtEl>
+                </p:cond>
+              </p:prevCondLst>
+              <p:nextCondLst>
+                <p:cond evt="onNext" delay="0">
+                  <p:tgtEl>
+                    <p:sldTgt/>
+                  </p:tgtEl>
+                </p:cond>
+              </p:nextCondLst>
+            </p:seq>
+          </p:childTnLst>
+        </p:cTn>
+      </p:par>
+    </p:tnLst>
+    <p:bldLst>
+      <p:bldP spid="4" grpId="0" animBg="1"/>
+      <p:bldP spid="6" grpId="0" animBg="1"/>
+    </p:bldLst>
+  </p:timing>
 </p:sld>
 </file>
 
@@ -10636,7 +12093,7 @@
                             </p:stCondLst>
                             <p:childTnLst>
                               <p:par>
-                                <p:cTn id="15" presetID="10" presetClass="entr" presetSubtype="0" fill="hold" grpId="0" nodeType="clickEffect">
+                                <p:cTn id="15" presetID="10" presetClass="entr" presetSubtype="0" fill="hold" nodeType="clickEffect">
                                   <p:stCondLst>
                                     <p:cond delay="0"/>
                                   </p:stCondLst>
@@ -10649,7 +12106,7 @@
                                           </p:stCondLst>
                                         </p:cTn>
                                         <p:tgtEl>
-                                          <p:spTgt spid="8"/>
+                                          <p:spTgt spid="42"/>
                                         </p:tgtEl>
                                         <p:attrNameLst>
                                           <p:attrName>style.visibility</p:attrName>
@@ -10663,7 +12120,7 @@
                                       <p:cBhvr>
                                         <p:cTn id="17" dur="500"/>
                                         <p:tgtEl>
-                                          <p:spTgt spid="8"/>
+                                          <p:spTgt spid="42"/>
                                         </p:tgtEl>
                                       </p:cBhvr>
                                     </p:animEffect>
@@ -10684,7 +12141,7 @@
                                           </p:stCondLst>
                                         </p:cTn>
                                         <p:tgtEl>
-                                          <p:spTgt spid="5"/>
+                                          <p:spTgt spid="26"/>
                                         </p:tgtEl>
                                         <p:attrNameLst>
                                           <p:attrName>style.visibility</p:attrName>
@@ -10697,129 +12154,6 @@
                                     <p:animEffect transition="in" filter="fade">
                                       <p:cBhvr>
                                         <p:cTn id="20" dur="500"/>
-                                        <p:tgtEl>
-                                          <p:spTgt spid="5"/>
-                                        </p:tgtEl>
-                                      </p:cBhvr>
-                                    </p:animEffect>
-                                  </p:childTnLst>
-                                </p:cTn>
-                              </p:par>
-                              <p:par>
-                                <p:cTn id="21" presetID="10" presetClass="entr" presetSubtype="0" fill="hold" nodeType="withEffect">
-                                  <p:stCondLst>
-                                    <p:cond delay="0"/>
-                                  </p:stCondLst>
-                                  <p:childTnLst>
-                                    <p:set>
-                                      <p:cBhvr>
-                                        <p:cTn id="22" dur="1" fill="hold">
-                                          <p:stCondLst>
-                                            <p:cond delay="0"/>
-                                          </p:stCondLst>
-                                        </p:cTn>
-                                        <p:tgtEl>
-                                          <p:spTgt spid="60"/>
-                                        </p:tgtEl>
-                                        <p:attrNameLst>
-                                          <p:attrName>style.visibility</p:attrName>
-                                        </p:attrNameLst>
-                                      </p:cBhvr>
-                                      <p:to>
-                                        <p:strVal val="visible"/>
-                                      </p:to>
-                                    </p:set>
-                                    <p:animEffect transition="in" filter="fade">
-                                      <p:cBhvr>
-                                        <p:cTn id="23" dur="500"/>
-                                        <p:tgtEl>
-                                          <p:spTgt spid="60"/>
-                                        </p:tgtEl>
-                                      </p:cBhvr>
-                                    </p:animEffect>
-                                  </p:childTnLst>
-                                </p:cTn>
-                              </p:par>
-                            </p:childTnLst>
-                          </p:cTn>
-                        </p:par>
-                      </p:childTnLst>
-                    </p:cTn>
-                  </p:par>
-                  <p:par>
-                    <p:cTn id="24" fill="hold">
-                      <p:stCondLst>
-                        <p:cond delay="indefinite"/>
-                      </p:stCondLst>
-                      <p:childTnLst>
-                        <p:par>
-                          <p:cTn id="25" fill="hold">
-                            <p:stCondLst>
-                              <p:cond delay="0"/>
-                            </p:stCondLst>
-                            <p:childTnLst>
-                              <p:par>
-                                <p:cTn id="26" presetID="10" presetClass="entr" presetSubtype="0" fill="hold" nodeType="clickEffect">
-                                  <p:stCondLst>
-                                    <p:cond delay="0"/>
-                                  </p:stCondLst>
-                                  <p:childTnLst>
-                                    <p:set>
-                                      <p:cBhvr>
-                                        <p:cTn id="27" dur="1" fill="hold">
-                                          <p:stCondLst>
-                                            <p:cond delay="0"/>
-                                          </p:stCondLst>
-                                        </p:cTn>
-                                        <p:tgtEl>
-                                          <p:spTgt spid="42"/>
-                                        </p:tgtEl>
-                                        <p:attrNameLst>
-                                          <p:attrName>style.visibility</p:attrName>
-                                        </p:attrNameLst>
-                                      </p:cBhvr>
-                                      <p:to>
-                                        <p:strVal val="visible"/>
-                                      </p:to>
-                                    </p:set>
-                                    <p:animEffect transition="in" filter="fade">
-                                      <p:cBhvr>
-                                        <p:cTn id="28" dur="500"/>
-                                        <p:tgtEl>
-                                          <p:spTgt spid="42"/>
-                                        </p:tgtEl>
-                                      </p:cBhvr>
-                                    </p:animEffect>
-                                  </p:childTnLst>
-                                </p:cTn>
-                              </p:par>
-                              <p:par>
-                                <p:cTn id="29" presetID="10" presetClass="entr" presetSubtype="0" fill="hold" grpId="0" nodeType="withEffect">
-                                  <p:stCondLst>
-                                    <p:cond delay="0"/>
-                                  </p:stCondLst>
-                                  <p:childTnLst>
-                                    <p:set>
-                                      <p:cBhvr>
-                                        <p:cTn id="30" dur="1" fill="hold">
-                                          <p:stCondLst>
-                                            <p:cond delay="0"/>
-                                          </p:stCondLst>
-                                        </p:cTn>
-                                        <p:tgtEl>
-                                          <p:spTgt spid="26"/>
-                                        </p:tgtEl>
-                                        <p:attrNameLst>
-                                          <p:attrName>style.visibility</p:attrName>
-                                        </p:attrNameLst>
-                                      </p:cBhvr>
-                                      <p:to>
-                                        <p:strVal val="visible"/>
-                                      </p:to>
-                                    </p:set>
-                                    <p:animEffect transition="in" filter="fade">
-                                      <p:cBhvr>
-                                        <p:cTn id="31" dur="500"/>
                                         <p:tgtEl>
                                           <p:spTgt spid="26"/>
                                         </p:tgtEl>
@@ -10835,26 +12169,26 @@
                     </p:cTn>
                   </p:par>
                   <p:par>
-                    <p:cTn id="32" fill="hold">
+                    <p:cTn id="21" fill="hold">
                       <p:stCondLst>
                         <p:cond delay="indefinite"/>
                       </p:stCondLst>
                       <p:childTnLst>
                         <p:par>
-                          <p:cTn id="33" fill="hold">
+                          <p:cTn id="22" fill="hold">
                             <p:stCondLst>
                               <p:cond delay="0"/>
                             </p:stCondLst>
                             <p:childTnLst>
                               <p:par>
-                                <p:cTn id="34" presetID="10" presetClass="entr" presetSubtype="0" fill="hold" nodeType="clickEffect">
+                                <p:cTn id="23" presetID="10" presetClass="entr" presetSubtype="0" fill="hold" nodeType="clickEffect">
                                   <p:stCondLst>
                                     <p:cond delay="0"/>
                                   </p:stCondLst>
                                   <p:childTnLst>
                                     <p:set>
                                       <p:cBhvr>
-                                        <p:cTn id="35" dur="1" fill="hold">
+                                        <p:cTn id="24" dur="1" fill="hold">
                                           <p:stCondLst>
                                             <p:cond delay="0"/>
                                           </p:stCondLst>
@@ -10872,7 +12206,7 @@
                                     </p:set>
                                     <p:animEffect transition="in" filter="fade">
                                       <p:cBhvr>
-                                        <p:cTn id="36" dur="500"/>
+                                        <p:cTn id="25" dur="500"/>
                                         <p:tgtEl>
                                           <p:spTgt spid="43"/>
                                         </p:tgtEl>
@@ -10882,14 +12216,14 @@
                                 </p:cTn>
                               </p:par>
                               <p:par>
-                                <p:cTn id="37" presetID="10" presetClass="entr" presetSubtype="0" fill="hold" grpId="0" nodeType="withEffect">
+                                <p:cTn id="26" presetID="10" presetClass="entr" presetSubtype="0" fill="hold" grpId="0" nodeType="withEffect">
                                   <p:stCondLst>
                                     <p:cond delay="0"/>
                                   </p:stCondLst>
                                   <p:childTnLst>
                                     <p:set>
                                       <p:cBhvr>
-                                        <p:cTn id="38" dur="1" fill="hold">
+                                        <p:cTn id="27" dur="1" fill="hold">
                                           <p:stCondLst>
                                             <p:cond delay="0"/>
                                           </p:stCondLst>
@@ -10907,7 +12241,7 @@
                                     </p:set>
                                     <p:animEffect transition="in" filter="fade">
                                       <p:cBhvr>
-                                        <p:cTn id="39" dur="500"/>
+                                        <p:cTn id="28" dur="500"/>
                                         <p:tgtEl>
                                           <p:spTgt spid="30"/>
                                         </p:tgtEl>
@@ -10923,26 +12257,26 @@
                     </p:cTn>
                   </p:par>
                   <p:par>
-                    <p:cTn id="40" fill="hold">
+                    <p:cTn id="29" fill="hold">
                       <p:stCondLst>
                         <p:cond delay="indefinite"/>
                       </p:stCondLst>
                       <p:childTnLst>
                         <p:par>
-                          <p:cTn id="41" fill="hold">
+                          <p:cTn id="30" fill="hold">
                             <p:stCondLst>
                               <p:cond delay="0"/>
                             </p:stCondLst>
                             <p:childTnLst>
                               <p:par>
-                                <p:cTn id="42" presetID="10" presetClass="entr" presetSubtype="0" fill="hold" nodeType="clickEffect">
+                                <p:cTn id="31" presetID="10" presetClass="entr" presetSubtype="0" fill="hold" nodeType="clickEffect">
                                   <p:stCondLst>
                                     <p:cond delay="0"/>
                                   </p:stCondLst>
                                   <p:childTnLst>
                                     <p:set>
                                       <p:cBhvr>
-                                        <p:cTn id="43" dur="1" fill="hold">
+                                        <p:cTn id="32" dur="1" fill="hold">
                                           <p:stCondLst>
                                             <p:cond delay="0"/>
                                           </p:stCondLst>
@@ -10960,7 +12294,7 @@
                                     </p:set>
                                     <p:animEffect transition="in" filter="fade">
                                       <p:cBhvr>
-                                        <p:cTn id="44" dur="500"/>
+                                        <p:cTn id="33" dur="500"/>
                                         <p:tgtEl>
                                           <p:spTgt spid="46"/>
                                         </p:tgtEl>
@@ -10970,14 +12304,14 @@
                                 </p:cTn>
                               </p:par>
                               <p:par>
-                                <p:cTn id="45" presetID="10" presetClass="entr" presetSubtype="0" fill="hold" grpId="0" nodeType="withEffect">
+                                <p:cTn id="34" presetID="10" presetClass="entr" presetSubtype="0" fill="hold" grpId="0" nodeType="withEffect">
                                   <p:stCondLst>
                                     <p:cond delay="0"/>
                                   </p:stCondLst>
                                   <p:childTnLst>
                                     <p:set>
                                       <p:cBhvr>
-                                        <p:cTn id="46" dur="1" fill="hold">
+                                        <p:cTn id="35" dur="1" fill="hold">
                                           <p:stCondLst>
                                             <p:cond delay="0"/>
                                           </p:stCondLst>
@@ -10995,7 +12329,7 @@
                                     </p:set>
                                     <p:animEffect transition="in" filter="fade">
                                       <p:cBhvr>
-                                        <p:cTn id="47" dur="500"/>
+                                        <p:cTn id="36" dur="500"/>
                                         <p:tgtEl>
                                           <p:spTgt spid="34"/>
                                         </p:tgtEl>
@@ -11032,8 +12366,6 @@
       </p:par>
     </p:tnLst>
     <p:bldLst>
-      <p:bldP spid="5" grpId="0" animBg="1"/>
-      <p:bldP spid="8" grpId="0" animBg="1"/>
       <p:bldP spid="26" grpId="0"/>
       <p:bldP spid="30" grpId="0"/>
       <p:bldP spid="34" grpId="0"/>
@@ -11133,6 +12465,9 @@
             <a:solidFill>
               <a:srgbClr val="1E1E1E"/>
             </a:solidFill>
+            <a:ln>
+              <a:noFill/>
+            </a:ln>
           </p:spPr>
           <p:style>
             <a:lnRef idx="2">
@@ -11324,8 +12659,112 @@
         </p:nvSpPr>
         <p:spPr>
           <a:xfrm>
-            <a:off x="3398520" y="4419601"/>
-            <a:ext cx="2948940" cy="574384"/>
+            <a:off x="3017520" y="3988302"/>
+            <a:ext cx="4282182" cy="1203630"/>
+          </a:xfrm>
+          <a:prstGeom prst="rect">
+            <a:avLst/>
+          </a:prstGeom>
+          <a:noFill/>
+          <a:ln w="38100">
+            <a:solidFill>
+              <a:srgbClr val="B78DE8"/>
+            </a:solidFill>
+          </a:ln>
+        </p:spPr>
+        <p:style>
+          <a:lnRef idx="2">
+            <a:schemeClr val="accent1">
+              <a:shade val="50000"/>
+            </a:schemeClr>
+          </a:lnRef>
+          <a:fillRef idx="1">
+            <a:schemeClr val="accent1"/>
+          </a:fillRef>
+          <a:effectRef idx="0">
+            <a:schemeClr val="accent1"/>
+          </a:effectRef>
+          <a:fontRef idx="minor">
+            <a:schemeClr val="lt1"/>
+          </a:fontRef>
+        </p:style>
+        <p:txBody>
+          <a:bodyPr rtlCol="0" anchor="ctr"/>
+          <a:lstStyle/>
+          <a:p>
+            <a:pPr algn="ctr"/>
+            <a:endParaRPr lang="it-IT"/>
+          </a:p>
+        </p:txBody>
+      </p:sp>
+      <p:sp>
+        <p:nvSpPr>
+          <p:cNvPr id="8" name="Rectangle 7">
+            <a:extLst>
+              <a:ext uri="{FF2B5EF4-FFF2-40B4-BE49-F238E27FC236}">
+                <a16:creationId xmlns:a16="http://schemas.microsoft.com/office/drawing/2014/main" id="{85F4B266-1CD9-2027-CC4D-BDA4B9B3B4B0}"/>
+              </a:ext>
+            </a:extLst>
+          </p:cNvPr>
+          <p:cNvSpPr/>
+          <p:nvPr/>
+        </p:nvSpPr>
+        <p:spPr>
+          <a:xfrm>
+            <a:off x="3017520" y="3373390"/>
+            <a:ext cx="4010961" cy="302955"/>
+          </a:xfrm>
+          <a:prstGeom prst="rect">
+            <a:avLst/>
+          </a:prstGeom>
+          <a:noFill/>
+          <a:ln w="28575">
+            <a:solidFill>
+              <a:srgbClr val="B78DE8"/>
+            </a:solidFill>
+          </a:ln>
+        </p:spPr>
+        <p:style>
+          <a:lnRef idx="2">
+            <a:schemeClr val="accent1">
+              <a:shade val="50000"/>
+            </a:schemeClr>
+          </a:lnRef>
+          <a:fillRef idx="1">
+            <a:schemeClr val="accent1"/>
+          </a:fillRef>
+          <a:effectRef idx="0">
+            <a:schemeClr val="accent1"/>
+          </a:effectRef>
+          <a:fontRef idx="minor">
+            <a:schemeClr val="lt1"/>
+          </a:fontRef>
+        </p:style>
+        <p:txBody>
+          <a:bodyPr rtlCol="0" anchor="ctr"/>
+          <a:lstStyle/>
+          <a:p>
+            <a:pPr algn="ctr"/>
+            <a:endParaRPr lang="it-IT"/>
+          </a:p>
+        </p:txBody>
+      </p:sp>
+      <p:sp>
+        <p:nvSpPr>
+          <p:cNvPr id="11" name="Rectangle 10">
+            <a:extLst>
+              <a:ext uri="{FF2B5EF4-FFF2-40B4-BE49-F238E27FC236}">
+                <a16:creationId xmlns:a16="http://schemas.microsoft.com/office/drawing/2014/main" id="{40FBAA69-1D75-3AC8-CE7E-4B9771888FA4}"/>
+              </a:ext>
+            </a:extLst>
+          </p:cNvPr>
+          <p:cNvSpPr/>
+          <p:nvPr/>
+        </p:nvSpPr>
+        <p:spPr>
+          <a:xfrm>
+            <a:off x="3456122" y="4661624"/>
+            <a:ext cx="2324746" cy="332360"/>
           </a:xfrm>
           <a:prstGeom prst="rect">
             <a:avLst/>
@@ -11471,7 +12910,7 @@
                                           </p:stCondLst>
                                         </p:cTn>
                                         <p:tgtEl>
-                                          <p:spTgt spid="3"/>
+                                          <p:spTgt spid="8"/>
                                         </p:tgtEl>
                                         <p:attrNameLst>
                                           <p:attrName>style.visibility</p:attrName>
@@ -11485,22 +12924,40 @@
                                       <p:cBhvr>
                                         <p:cTn id="12" dur="500"/>
                                         <p:tgtEl>
-                                          <p:spTgt spid="3"/>
+                                          <p:spTgt spid="8"/>
                                         </p:tgtEl>
                                       </p:cBhvr>
                                     </p:animEffect>
                                   </p:childTnLst>
                                 </p:cTn>
                               </p:par>
+                            </p:childTnLst>
+                          </p:cTn>
+                        </p:par>
+                      </p:childTnLst>
+                    </p:cTn>
+                  </p:par>
+                  <p:par>
+                    <p:cTn id="13" fill="hold">
+                      <p:stCondLst>
+                        <p:cond delay="indefinite"/>
+                      </p:stCondLst>
+                      <p:childTnLst>
+                        <p:par>
+                          <p:cTn id="14" fill="hold">
+                            <p:stCondLst>
+                              <p:cond delay="0"/>
+                            </p:stCondLst>
+                            <p:childTnLst>
                               <p:par>
-                                <p:cTn id="13" presetID="10" presetClass="entr" presetSubtype="0" fill="hold" grpId="0" nodeType="withEffect">
+                                <p:cTn id="15" presetID="10" presetClass="entr" presetSubtype="0" fill="hold" grpId="0" nodeType="clickEffect">
                                   <p:stCondLst>
                                     <p:cond delay="0"/>
                                   </p:stCondLst>
                                   <p:childTnLst>
                                     <p:set>
                                       <p:cBhvr>
-                                        <p:cTn id="14" dur="1" fill="hold">
+                                        <p:cTn id="16" dur="1" fill="hold">
                                           <p:stCondLst>
                                             <p:cond delay="0"/>
                                           </p:stCondLst>
@@ -11518,9 +12975,167 @@
                                     </p:set>
                                     <p:animEffect transition="in" filter="fade">
                                       <p:cBhvr>
-                                        <p:cTn id="15" dur="500"/>
+                                        <p:cTn id="17" dur="500"/>
                                         <p:tgtEl>
                                           <p:spTgt spid="4"/>
+                                        </p:tgtEl>
+                                      </p:cBhvr>
+                                    </p:animEffect>
+                                  </p:childTnLst>
+                                </p:cTn>
+                              </p:par>
+                              <p:par>
+                                <p:cTn id="18" presetID="10" presetClass="exit" presetSubtype="0" fill="hold" grpId="1" nodeType="withEffect">
+                                  <p:stCondLst>
+                                    <p:cond delay="0"/>
+                                  </p:stCondLst>
+                                  <p:childTnLst>
+                                    <p:animEffect transition="out" filter="fade">
+                                      <p:cBhvr>
+                                        <p:cTn id="19" dur="500"/>
+                                        <p:tgtEl>
+                                          <p:spTgt spid="8"/>
+                                        </p:tgtEl>
+                                      </p:cBhvr>
+                                    </p:animEffect>
+                                    <p:set>
+                                      <p:cBhvr>
+                                        <p:cTn id="20" dur="1" fill="hold">
+                                          <p:stCondLst>
+                                            <p:cond delay="499"/>
+                                          </p:stCondLst>
+                                        </p:cTn>
+                                        <p:tgtEl>
+                                          <p:spTgt spid="8"/>
+                                        </p:tgtEl>
+                                        <p:attrNameLst>
+                                          <p:attrName>style.visibility</p:attrName>
+                                        </p:attrNameLst>
+                                      </p:cBhvr>
+                                      <p:to>
+                                        <p:strVal val="hidden"/>
+                                      </p:to>
+                                    </p:set>
+                                  </p:childTnLst>
+                                </p:cTn>
+                              </p:par>
+                            </p:childTnLst>
+                          </p:cTn>
+                        </p:par>
+                      </p:childTnLst>
+                    </p:cTn>
+                  </p:par>
+                  <p:par>
+                    <p:cTn id="21" fill="hold">
+                      <p:stCondLst>
+                        <p:cond delay="indefinite"/>
+                      </p:stCondLst>
+                      <p:childTnLst>
+                        <p:par>
+                          <p:cTn id="22" fill="hold">
+                            <p:stCondLst>
+                              <p:cond delay="0"/>
+                            </p:stCondLst>
+                            <p:childTnLst>
+                              <p:par>
+                                <p:cTn id="23" presetID="10" presetClass="exit" presetSubtype="0" fill="hold" grpId="1" nodeType="clickEffect">
+                                  <p:stCondLst>
+                                    <p:cond delay="0"/>
+                                  </p:stCondLst>
+                                  <p:childTnLst>
+                                    <p:animEffect transition="out" filter="fade">
+                                      <p:cBhvr>
+                                        <p:cTn id="24" dur="500"/>
+                                        <p:tgtEl>
+                                          <p:spTgt spid="4"/>
+                                        </p:tgtEl>
+                                      </p:cBhvr>
+                                    </p:animEffect>
+                                    <p:set>
+                                      <p:cBhvr>
+                                        <p:cTn id="25" dur="1" fill="hold">
+                                          <p:stCondLst>
+                                            <p:cond delay="499"/>
+                                          </p:stCondLst>
+                                        </p:cTn>
+                                        <p:tgtEl>
+                                          <p:spTgt spid="4"/>
+                                        </p:tgtEl>
+                                        <p:attrNameLst>
+                                          <p:attrName>style.visibility</p:attrName>
+                                        </p:attrNameLst>
+                                      </p:cBhvr>
+                                      <p:to>
+                                        <p:strVal val="hidden"/>
+                                      </p:to>
+                                    </p:set>
+                                  </p:childTnLst>
+                                </p:cTn>
+                              </p:par>
+                              <p:par>
+                                <p:cTn id="26" presetID="10" presetClass="entr" presetSubtype="0" fill="hold" grpId="0" nodeType="withEffect">
+                                  <p:stCondLst>
+                                    <p:cond delay="0"/>
+                                  </p:stCondLst>
+                                  <p:childTnLst>
+                                    <p:set>
+                                      <p:cBhvr>
+                                        <p:cTn id="27" dur="1" fill="hold">
+                                          <p:stCondLst>
+                                            <p:cond delay="0"/>
+                                          </p:stCondLst>
+                                        </p:cTn>
+                                        <p:tgtEl>
+                                          <p:spTgt spid="3"/>
+                                        </p:tgtEl>
+                                        <p:attrNameLst>
+                                          <p:attrName>style.visibility</p:attrName>
+                                        </p:attrNameLst>
+                                      </p:cBhvr>
+                                      <p:to>
+                                        <p:strVal val="visible"/>
+                                      </p:to>
+                                    </p:set>
+                                    <p:animEffect transition="in" filter="fade">
+                                      <p:cBhvr>
+                                        <p:cTn id="28" dur="500"/>
+                                        <p:tgtEl>
+                                          <p:spTgt spid="3"/>
+                                        </p:tgtEl>
+                                      </p:cBhvr>
+                                    </p:animEffect>
+                                  </p:childTnLst>
+                                </p:cTn>
+                              </p:par>
+                              <p:par>
+                                <p:cTn id="29" presetID="10" presetClass="entr" presetSubtype="0" fill="hold" grpId="0" nodeType="withEffect">
+                                  <p:stCondLst>
+                                    <p:cond delay="0"/>
+                                  </p:stCondLst>
+                                  <p:childTnLst>
+                                    <p:set>
+                                      <p:cBhvr>
+                                        <p:cTn id="30" dur="1" fill="hold">
+                                          <p:stCondLst>
+                                            <p:cond delay="0"/>
+                                          </p:stCondLst>
+                                        </p:cTn>
+                                        <p:tgtEl>
+                                          <p:spTgt spid="11"/>
+                                        </p:tgtEl>
+                                        <p:attrNameLst>
+                                          <p:attrName>style.visibility</p:attrName>
+                                        </p:attrNameLst>
+                                      </p:cBhvr>
+                                      <p:to>
+                                        <p:strVal val="visible"/>
+                                      </p:to>
+                                    </p:set>
+                                    <p:animEffect transition="in" filter="fade">
+                                      <p:cBhvr>
+                                        <p:cTn id="31" dur="500"/>
+                                        <p:tgtEl>
+                                          <p:spTgt spid="11"/>
                                         </p:tgtEl>
                                       </p:cBhvr>
                                     </p:animEffect>
@@ -11534,26 +13149,26 @@
                     </p:cTn>
                   </p:par>
                   <p:par>
-                    <p:cTn id="16" fill="hold">
+                    <p:cTn id="32" fill="hold">
                       <p:stCondLst>
                         <p:cond delay="indefinite"/>
                       </p:stCondLst>
                       <p:childTnLst>
                         <p:par>
-                          <p:cTn id="17" fill="hold">
+                          <p:cTn id="33" fill="hold">
                             <p:stCondLst>
                               <p:cond delay="0"/>
                             </p:stCondLst>
                             <p:childTnLst>
                               <p:par>
-                                <p:cTn id="18" presetID="1" presetClass="entr" presetSubtype="0" fill="hold" nodeType="clickEffect">
+                                <p:cTn id="34" presetID="1" presetClass="entr" presetSubtype="0" fill="hold" nodeType="clickEffect">
                                   <p:stCondLst>
                                     <p:cond delay="0"/>
                                   </p:stCondLst>
                                   <p:childTnLst>
                                     <p:set>
                                       <p:cBhvr>
-                                        <p:cTn id="19" dur="1" fill="hold">
+                                        <p:cTn id="35" dur="1" fill="hold">
                                           <p:stCondLst>
                                             <p:cond delay="0"/>
                                           </p:stCondLst>
@@ -11579,26 +13194,26 @@
                     </p:cTn>
                   </p:par>
                   <p:par>
-                    <p:cTn id="20" fill="hold">
+                    <p:cTn id="36" fill="hold">
                       <p:stCondLst>
                         <p:cond delay="indefinite"/>
                       </p:stCondLst>
                       <p:childTnLst>
                         <p:par>
-                          <p:cTn id="21" fill="hold">
+                          <p:cTn id="37" fill="hold">
                             <p:stCondLst>
                               <p:cond delay="0"/>
                             </p:stCondLst>
                             <p:childTnLst>
                               <p:par>
-                                <p:cTn id="22" presetID="10" presetClass="entr" presetSubtype="0" fill="hold" nodeType="clickEffect">
+                                <p:cTn id="38" presetID="10" presetClass="entr" presetSubtype="0" fill="hold" nodeType="clickEffect">
                                   <p:stCondLst>
                                     <p:cond delay="0"/>
                                   </p:stCondLst>
                                   <p:childTnLst>
                                     <p:set>
                                       <p:cBhvr>
-                                        <p:cTn id="23" dur="1" fill="hold">
+                                        <p:cTn id="39" dur="1" fill="hold">
                                           <p:stCondLst>
                                             <p:cond delay="0"/>
                                           </p:stCondLst>
@@ -11616,7 +13231,7 @@
                                     </p:set>
                                     <p:animEffect transition="in" filter="fade">
                                       <p:cBhvr>
-                                        <p:cTn id="24" dur="500"/>
+                                        <p:cTn id="40" dur="500"/>
                                         <p:tgtEl>
                                           <p:spTgt spid="9"/>
                                         </p:tgtEl>
@@ -11655,6 +13270,10 @@
     <p:bldLst>
       <p:bldP spid="3" grpId="0" animBg="1"/>
       <p:bldP spid="4" grpId="0" animBg="1"/>
+      <p:bldP spid="4" grpId="1" animBg="1"/>
+      <p:bldP spid="8" grpId="0" animBg="1"/>
+      <p:bldP spid="8" grpId="1" animBg="1"/>
+      <p:bldP spid="11" grpId="0" animBg="1"/>
     </p:bldLst>
   </p:timing>
 </p:sld>
@@ -11943,6 +13562,110 @@
           </a:p>
         </p:txBody>
       </p:sp>
+      <p:sp>
+        <p:nvSpPr>
+          <p:cNvPr id="8" name="Rectangle 7">
+            <a:extLst>
+              <a:ext uri="{FF2B5EF4-FFF2-40B4-BE49-F238E27FC236}">
+                <a16:creationId xmlns:a16="http://schemas.microsoft.com/office/drawing/2014/main" id="{987DCF2A-D007-15AF-A60B-2717E075B730}"/>
+              </a:ext>
+            </a:extLst>
+          </p:cNvPr>
+          <p:cNvSpPr/>
+          <p:nvPr/>
+        </p:nvSpPr>
+        <p:spPr>
+          <a:xfrm>
+            <a:off x="3967566" y="1982079"/>
+            <a:ext cx="4626244" cy="368951"/>
+          </a:xfrm>
+          <a:prstGeom prst="rect">
+            <a:avLst/>
+          </a:prstGeom>
+          <a:noFill/>
+          <a:ln w="38100">
+            <a:solidFill>
+              <a:srgbClr val="B78DE8"/>
+            </a:solidFill>
+          </a:ln>
+        </p:spPr>
+        <p:style>
+          <a:lnRef idx="2">
+            <a:schemeClr val="accent1">
+              <a:shade val="50000"/>
+            </a:schemeClr>
+          </a:lnRef>
+          <a:fillRef idx="1">
+            <a:schemeClr val="accent1"/>
+          </a:fillRef>
+          <a:effectRef idx="0">
+            <a:schemeClr val="accent1"/>
+          </a:effectRef>
+          <a:fontRef idx="minor">
+            <a:schemeClr val="lt1"/>
+          </a:fontRef>
+        </p:style>
+        <p:txBody>
+          <a:bodyPr rtlCol="0" anchor="ctr"/>
+          <a:lstStyle/>
+          <a:p>
+            <a:pPr algn="ctr"/>
+            <a:endParaRPr lang="it-IT"/>
+          </a:p>
+        </p:txBody>
+      </p:sp>
+      <p:sp>
+        <p:nvSpPr>
+          <p:cNvPr id="9" name="Rectangle 8">
+            <a:extLst>
+              <a:ext uri="{FF2B5EF4-FFF2-40B4-BE49-F238E27FC236}">
+                <a16:creationId xmlns:a16="http://schemas.microsoft.com/office/drawing/2014/main" id="{DEF3A101-9E26-CE86-3BAD-510029112A64}"/>
+              </a:ext>
+            </a:extLst>
+          </p:cNvPr>
+          <p:cNvSpPr/>
+          <p:nvPr/>
+        </p:nvSpPr>
+        <p:spPr>
+          <a:xfrm>
+            <a:off x="2836190" y="5800709"/>
+            <a:ext cx="5354664" cy="437359"/>
+          </a:xfrm>
+          <a:prstGeom prst="rect">
+            <a:avLst/>
+          </a:prstGeom>
+          <a:noFill/>
+          <a:ln w="38100">
+            <a:solidFill>
+              <a:srgbClr val="B78DE8"/>
+            </a:solidFill>
+          </a:ln>
+        </p:spPr>
+        <p:style>
+          <a:lnRef idx="2">
+            <a:schemeClr val="accent1">
+              <a:shade val="50000"/>
+            </a:schemeClr>
+          </a:lnRef>
+          <a:fillRef idx="1">
+            <a:schemeClr val="accent1"/>
+          </a:fillRef>
+          <a:effectRef idx="0">
+            <a:schemeClr val="accent1"/>
+          </a:effectRef>
+          <a:fontRef idx="minor">
+            <a:schemeClr val="lt1"/>
+          </a:fontRef>
+        </p:style>
+        <p:txBody>
+          <a:bodyPr rtlCol="0" anchor="ctr"/>
+          <a:lstStyle/>
+          <a:p>
+            <a:pPr algn="ctr"/>
+            <a:endParaRPr lang="it-IT"/>
+          </a:p>
+        </p:txBody>
+      </p:sp>
     </p:spTree>
     <p:extLst>
       <p:ext uri="{BB962C8B-B14F-4D97-AF65-F5344CB8AC3E}">
@@ -12052,7 +13775,7 @@
                                           </p:stCondLst>
                                         </p:cTn>
                                         <p:tgtEl>
-                                          <p:spTgt spid="4"/>
+                                          <p:spTgt spid="8"/>
                                         </p:tgtEl>
                                         <p:attrNameLst>
                                           <p:attrName>style.visibility</p:attrName>
@@ -12066,10 +13789,80 @@
                                       <p:cBhvr>
                                         <p:cTn id="12" dur="500"/>
                                         <p:tgtEl>
-                                          <p:spTgt spid="4"/>
+                                          <p:spTgt spid="8"/>
                                         </p:tgtEl>
                                       </p:cBhvr>
                                     </p:animEffect>
+                                  </p:childTnLst>
+                                </p:cTn>
+                              </p:par>
+                              <p:par>
+                                <p:cTn id="13" presetID="10" presetClass="entr" presetSubtype="0" fill="hold" grpId="0" nodeType="withEffect">
+                                  <p:stCondLst>
+                                    <p:cond delay="0"/>
+                                  </p:stCondLst>
+                                  <p:childTnLst>
+                                    <p:set>
+                                      <p:cBhvr>
+                                        <p:cTn id="14" dur="1" fill="hold">
+                                          <p:stCondLst>
+                                            <p:cond delay="0"/>
+                                          </p:stCondLst>
+                                        </p:cTn>
+                                        <p:tgtEl>
+                                          <p:spTgt spid="9"/>
+                                        </p:tgtEl>
+                                        <p:attrNameLst>
+                                          <p:attrName>style.visibility</p:attrName>
+                                        </p:attrNameLst>
+                                      </p:cBhvr>
+                                      <p:to>
+                                        <p:strVal val="visible"/>
+                                      </p:to>
+                                    </p:set>
+                                    <p:animEffect transition="in" filter="fade">
+                                      <p:cBhvr>
+                                        <p:cTn id="15" dur="500"/>
+                                        <p:tgtEl>
+                                          <p:spTgt spid="9"/>
+                                        </p:tgtEl>
+                                      </p:cBhvr>
+                                    </p:animEffect>
+                                  </p:childTnLst>
+                                </p:cTn>
+                              </p:par>
+                              <p:par>
+                                <p:cTn id="16" presetID="10" presetClass="exit" presetSubtype="0" fill="hold" grpId="1" nodeType="withEffect">
+                                  <p:stCondLst>
+                                    <p:cond delay="0"/>
+                                  </p:stCondLst>
+                                  <p:childTnLst>
+                                    <p:animEffect transition="out" filter="fade">
+                                      <p:cBhvr>
+                                        <p:cTn id="17" dur="500"/>
+                                        <p:tgtEl>
+                                          <p:spTgt spid="3"/>
+                                        </p:tgtEl>
+                                      </p:cBhvr>
+                                    </p:animEffect>
+                                    <p:set>
+                                      <p:cBhvr>
+                                        <p:cTn id="18" dur="1" fill="hold">
+                                          <p:stCondLst>
+                                            <p:cond delay="499"/>
+                                          </p:stCondLst>
+                                        </p:cTn>
+                                        <p:tgtEl>
+                                          <p:spTgt spid="3"/>
+                                        </p:tgtEl>
+                                        <p:attrNameLst>
+                                          <p:attrName>style.visibility</p:attrName>
+                                        </p:attrNameLst>
+                                      </p:cBhvr>
+                                      <p:to>
+                                        <p:strVal val="hidden"/>
+                                      </p:to>
+                                    </p:set>
                                   </p:childTnLst>
                                 </p:cTn>
                               </p:par>
@@ -12080,26 +13873,149 @@
                     </p:cTn>
                   </p:par>
                   <p:par>
-                    <p:cTn id="13" fill="hold">
+                    <p:cTn id="19" fill="hold">
                       <p:stCondLst>
                         <p:cond delay="indefinite"/>
                       </p:stCondLst>
                       <p:childTnLst>
                         <p:par>
-                          <p:cTn id="14" fill="hold">
+                          <p:cTn id="20" fill="hold">
                             <p:stCondLst>
                               <p:cond delay="0"/>
                             </p:stCondLst>
                             <p:childTnLst>
                               <p:par>
-                                <p:cTn id="15" presetID="10" presetClass="entr" presetSubtype="0" fill="hold" grpId="0" nodeType="clickEffect">
+                                <p:cTn id="21" presetID="10" presetClass="entr" presetSubtype="0" fill="hold" grpId="0" nodeType="clickEffect">
                                   <p:stCondLst>
                                     <p:cond delay="0"/>
                                   </p:stCondLst>
                                   <p:childTnLst>
                                     <p:set>
                                       <p:cBhvr>
-                                        <p:cTn id="16" dur="1" fill="hold">
+                                        <p:cTn id="22" dur="1" fill="hold">
+                                          <p:stCondLst>
+                                            <p:cond delay="0"/>
+                                          </p:stCondLst>
+                                        </p:cTn>
+                                        <p:tgtEl>
+                                          <p:spTgt spid="4"/>
+                                        </p:tgtEl>
+                                        <p:attrNameLst>
+                                          <p:attrName>style.visibility</p:attrName>
+                                        </p:attrNameLst>
+                                      </p:cBhvr>
+                                      <p:to>
+                                        <p:strVal val="visible"/>
+                                      </p:to>
+                                    </p:set>
+                                    <p:animEffect transition="in" filter="fade">
+                                      <p:cBhvr>
+                                        <p:cTn id="23" dur="500"/>
+                                        <p:tgtEl>
+                                          <p:spTgt spid="4"/>
+                                        </p:tgtEl>
+                                      </p:cBhvr>
+                                    </p:animEffect>
+                                  </p:childTnLst>
+                                </p:cTn>
+                              </p:par>
+                              <p:par>
+                                <p:cTn id="24" presetID="10" presetClass="exit" presetSubtype="0" fill="hold" grpId="1" nodeType="withEffect">
+                                  <p:stCondLst>
+                                    <p:cond delay="0"/>
+                                  </p:stCondLst>
+                                  <p:childTnLst>
+                                    <p:animEffect transition="out" filter="fade">
+                                      <p:cBhvr>
+                                        <p:cTn id="25" dur="500"/>
+                                        <p:tgtEl>
+                                          <p:spTgt spid="9"/>
+                                        </p:tgtEl>
+                                      </p:cBhvr>
+                                    </p:animEffect>
+                                    <p:set>
+                                      <p:cBhvr>
+                                        <p:cTn id="26" dur="1" fill="hold">
+                                          <p:stCondLst>
+                                            <p:cond delay="499"/>
+                                          </p:stCondLst>
+                                        </p:cTn>
+                                        <p:tgtEl>
+                                          <p:spTgt spid="9"/>
+                                        </p:tgtEl>
+                                        <p:attrNameLst>
+                                          <p:attrName>style.visibility</p:attrName>
+                                        </p:attrNameLst>
+                                      </p:cBhvr>
+                                      <p:to>
+                                        <p:strVal val="hidden"/>
+                                      </p:to>
+                                    </p:set>
+                                  </p:childTnLst>
+                                </p:cTn>
+                              </p:par>
+                              <p:par>
+                                <p:cTn id="27" presetID="10" presetClass="exit" presetSubtype="0" fill="hold" grpId="1" nodeType="withEffect">
+                                  <p:stCondLst>
+                                    <p:cond delay="0"/>
+                                  </p:stCondLst>
+                                  <p:childTnLst>
+                                    <p:animEffect transition="out" filter="fade">
+                                      <p:cBhvr>
+                                        <p:cTn id="28" dur="500"/>
+                                        <p:tgtEl>
+                                          <p:spTgt spid="8"/>
+                                        </p:tgtEl>
+                                      </p:cBhvr>
+                                    </p:animEffect>
+                                    <p:set>
+                                      <p:cBhvr>
+                                        <p:cTn id="29" dur="1" fill="hold">
+                                          <p:stCondLst>
+                                            <p:cond delay="499"/>
+                                          </p:stCondLst>
+                                        </p:cTn>
+                                        <p:tgtEl>
+                                          <p:spTgt spid="8"/>
+                                        </p:tgtEl>
+                                        <p:attrNameLst>
+                                          <p:attrName>style.visibility</p:attrName>
+                                        </p:attrNameLst>
+                                      </p:cBhvr>
+                                      <p:to>
+                                        <p:strVal val="hidden"/>
+                                      </p:to>
+                                    </p:set>
+                                  </p:childTnLst>
+                                </p:cTn>
+                              </p:par>
+                            </p:childTnLst>
+                          </p:cTn>
+                        </p:par>
+                      </p:childTnLst>
+                    </p:cTn>
+                  </p:par>
+                  <p:par>
+                    <p:cTn id="30" fill="hold">
+                      <p:stCondLst>
+                        <p:cond delay="indefinite"/>
+                      </p:stCondLst>
+                      <p:childTnLst>
+                        <p:par>
+                          <p:cTn id="31" fill="hold">
+                            <p:stCondLst>
+                              <p:cond delay="0"/>
+                            </p:stCondLst>
+                            <p:childTnLst>
+                              <p:par>
+                                <p:cTn id="32" presetID="10" presetClass="entr" presetSubtype="0" fill="hold" grpId="0" nodeType="clickEffect">
+                                  <p:stCondLst>
+                                    <p:cond delay="0"/>
+                                  </p:stCondLst>
+                                  <p:childTnLst>
+                                    <p:set>
+                                      <p:cBhvr>
+                                        <p:cTn id="33" dur="1" fill="hold">
                                           <p:stCondLst>
                                             <p:cond delay="0"/>
                                           </p:stCondLst>
@@ -12117,12 +14033,47 @@
                                     </p:set>
                                     <p:animEffect transition="in" filter="fade">
                                       <p:cBhvr>
-                                        <p:cTn id="17" dur="500"/>
+                                        <p:cTn id="34" dur="500"/>
                                         <p:tgtEl>
                                           <p:spTgt spid="7"/>
                                         </p:tgtEl>
                                       </p:cBhvr>
                                     </p:animEffect>
+                                  </p:childTnLst>
+                                </p:cTn>
+                              </p:par>
+                              <p:par>
+                                <p:cTn id="35" presetID="10" presetClass="exit" presetSubtype="0" fill="hold" grpId="1" nodeType="withEffect">
+                                  <p:stCondLst>
+                                    <p:cond delay="0"/>
+                                  </p:stCondLst>
+                                  <p:childTnLst>
+                                    <p:animEffect transition="out" filter="fade">
+                                      <p:cBhvr>
+                                        <p:cTn id="36" dur="500"/>
+                                        <p:tgtEl>
+                                          <p:spTgt spid="4"/>
+                                        </p:tgtEl>
+                                      </p:cBhvr>
+                                    </p:animEffect>
+                                    <p:set>
+                                      <p:cBhvr>
+                                        <p:cTn id="37" dur="1" fill="hold">
+                                          <p:stCondLst>
+                                            <p:cond delay="499"/>
+                                          </p:stCondLst>
+                                        </p:cTn>
+                                        <p:tgtEl>
+                                          <p:spTgt spid="4"/>
+                                        </p:tgtEl>
+                                        <p:attrNameLst>
+                                          <p:attrName>style.visibility</p:attrName>
+                                        </p:attrNameLst>
+                                      </p:cBhvr>
+                                      <p:to>
+                                        <p:strVal val="hidden"/>
+                                      </p:to>
+                                    </p:set>
                                   </p:childTnLst>
                                 </p:cTn>
                               </p:par>
@@ -12155,8 +14106,14 @@
     </p:tnLst>
     <p:bldLst>
       <p:bldP spid="3" grpId="0" animBg="1"/>
+      <p:bldP spid="3" grpId="1" animBg="1"/>
       <p:bldP spid="4" grpId="0" animBg="1"/>
+      <p:bldP spid="4" grpId="1" animBg="1"/>
       <p:bldP spid="7" grpId="0" animBg="1"/>
+      <p:bldP spid="8" grpId="0" animBg="1"/>
+      <p:bldP spid="8" grpId="1" animBg="1"/>
+      <p:bldP spid="9" grpId="0" animBg="1"/>
+      <p:bldP spid="9" grpId="1" animBg="1"/>
     </p:bldLst>
   </p:timing>
 </p:sld>
@@ -14287,7 +16244,7 @@
                             </p:stCondLst>
                             <p:childTnLst>
                               <p:par>
-                                <p:cTn id="26" presetID="10" presetClass="entr" presetSubtype="0" fill="hold" nodeType="clickEffect">
+                                <p:cTn id="26" presetID="10" presetClass="entr" presetSubtype="0" fill="hold" grpId="0" nodeType="clickEffect">
                                   <p:stCondLst>
                                     <p:cond delay="0"/>
                                   </p:stCondLst>
@@ -14295,129 +16252,6 @@
                                     <p:set>
                                       <p:cBhvr>
                                         <p:cTn id="27" dur="1" fill="hold">
-                                          <p:stCondLst>
-                                            <p:cond delay="0"/>
-                                          </p:stCondLst>
-                                        </p:cTn>
-                                        <p:tgtEl>
-                                          <p:spTgt spid="37"/>
-                                        </p:tgtEl>
-                                        <p:attrNameLst>
-                                          <p:attrName>style.visibility</p:attrName>
-                                        </p:attrNameLst>
-                                      </p:cBhvr>
-                                      <p:to>
-                                        <p:strVal val="visible"/>
-                                      </p:to>
-                                    </p:set>
-                                    <p:animEffect transition="in" filter="fade">
-                                      <p:cBhvr>
-                                        <p:cTn id="28" dur="500"/>
-                                        <p:tgtEl>
-                                          <p:spTgt spid="37"/>
-                                        </p:tgtEl>
-                                      </p:cBhvr>
-                                    </p:animEffect>
-                                  </p:childTnLst>
-                                </p:cTn>
-                              </p:par>
-                              <p:par>
-                                <p:cTn id="29" presetID="10" presetClass="entr" presetSubtype="0" fill="hold" grpId="0" nodeType="withEffect">
-                                  <p:stCondLst>
-                                    <p:cond delay="0"/>
-                                  </p:stCondLst>
-                                  <p:childTnLst>
-                                    <p:set>
-                                      <p:cBhvr>
-                                        <p:cTn id="30" dur="1" fill="hold">
-                                          <p:stCondLst>
-                                            <p:cond delay="0"/>
-                                          </p:stCondLst>
-                                        </p:cTn>
-                                        <p:tgtEl>
-                                          <p:spTgt spid="21"/>
-                                        </p:tgtEl>
-                                        <p:attrNameLst>
-                                          <p:attrName>style.visibility</p:attrName>
-                                        </p:attrNameLst>
-                                      </p:cBhvr>
-                                      <p:to>
-                                        <p:strVal val="visible"/>
-                                      </p:to>
-                                    </p:set>
-                                    <p:animEffect transition="in" filter="fade">
-                                      <p:cBhvr>
-                                        <p:cTn id="31" dur="500"/>
-                                        <p:tgtEl>
-                                          <p:spTgt spid="21"/>
-                                        </p:tgtEl>
-                                      </p:cBhvr>
-                                    </p:animEffect>
-                                  </p:childTnLst>
-                                </p:cTn>
-                              </p:par>
-                              <p:par>
-                                <p:cTn id="32" presetID="10" presetClass="entr" presetSubtype="0" fill="hold" grpId="0" nodeType="withEffect">
-                                  <p:stCondLst>
-                                    <p:cond delay="0"/>
-                                  </p:stCondLst>
-                                  <p:childTnLst>
-                                    <p:set>
-                                      <p:cBhvr>
-                                        <p:cTn id="33" dur="1" fill="hold">
-                                          <p:stCondLst>
-                                            <p:cond delay="0"/>
-                                          </p:stCondLst>
-                                        </p:cTn>
-                                        <p:tgtEl>
-                                          <p:spTgt spid="20"/>
-                                        </p:tgtEl>
-                                        <p:attrNameLst>
-                                          <p:attrName>style.visibility</p:attrName>
-                                        </p:attrNameLst>
-                                      </p:cBhvr>
-                                      <p:to>
-                                        <p:strVal val="visible"/>
-                                      </p:to>
-                                    </p:set>
-                                    <p:animEffect transition="in" filter="fade">
-                                      <p:cBhvr>
-                                        <p:cTn id="34" dur="500"/>
-                                        <p:tgtEl>
-                                          <p:spTgt spid="20"/>
-                                        </p:tgtEl>
-                                      </p:cBhvr>
-                                    </p:animEffect>
-                                  </p:childTnLst>
-                                </p:cTn>
-                              </p:par>
-                            </p:childTnLst>
-                          </p:cTn>
-                        </p:par>
-                      </p:childTnLst>
-                    </p:cTn>
-                  </p:par>
-                  <p:par>
-                    <p:cTn id="35" fill="hold">
-                      <p:stCondLst>
-                        <p:cond delay="indefinite"/>
-                      </p:stCondLst>
-                      <p:childTnLst>
-                        <p:par>
-                          <p:cTn id="36" fill="hold">
-                            <p:stCondLst>
-                              <p:cond delay="0"/>
-                            </p:stCondLst>
-                            <p:childTnLst>
-                              <p:par>
-                                <p:cTn id="37" presetID="10" presetClass="entr" presetSubtype="0" fill="hold" grpId="0" nodeType="clickEffect">
-                                  <p:stCondLst>
-                                    <p:cond delay="0"/>
-                                  </p:stCondLst>
-                                  <p:childTnLst>
-                                    <p:set>
-                                      <p:cBhvr>
-                                        <p:cTn id="38" dur="1" fill="hold">
                                           <p:stCondLst>
                                             <p:cond delay="0"/>
                                           </p:stCondLst>
@@ -14435,7 +16269,7 @@
                                     </p:set>
                                     <p:animEffect transition="in" filter="fade">
                                       <p:cBhvr>
-                                        <p:cTn id="39" dur="500"/>
+                                        <p:cTn id="28" dur="500"/>
                                         <p:tgtEl>
                                           <p:spTgt spid="22"/>
                                         </p:tgtEl>
@@ -14445,14 +16279,14 @@
                                 </p:cTn>
                               </p:par>
                               <p:par>
-                                <p:cTn id="40" presetID="10" presetClass="entr" presetSubtype="0" fill="hold" nodeType="withEffect">
+                                <p:cTn id="29" presetID="10" presetClass="entr" presetSubtype="0" fill="hold" nodeType="withEffect">
                                   <p:stCondLst>
                                     <p:cond delay="0"/>
                                   </p:stCondLst>
                                   <p:childTnLst>
                                     <p:set>
                                       <p:cBhvr>
-                                        <p:cTn id="41" dur="1" fill="hold">
+                                        <p:cTn id="30" dur="1" fill="hold">
                                           <p:stCondLst>
                                             <p:cond delay="0"/>
                                           </p:stCondLst>
@@ -14470,7 +16304,7 @@
                                     </p:set>
                                     <p:animEffect transition="in" filter="fade">
                                       <p:cBhvr>
-                                        <p:cTn id="42" dur="500"/>
+                                        <p:cTn id="31" dur="500"/>
                                         <p:tgtEl>
                                           <p:spTgt spid="25"/>
                                         </p:tgtEl>
@@ -14486,26 +16320,26 @@
                     </p:cTn>
                   </p:par>
                   <p:par>
-                    <p:cTn id="43" fill="hold">
+                    <p:cTn id="32" fill="hold">
                       <p:stCondLst>
                         <p:cond delay="indefinite"/>
                       </p:stCondLst>
                       <p:childTnLst>
                         <p:par>
-                          <p:cTn id="44" fill="hold">
+                          <p:cTn id="33" fill="hold">
                             <p:stCondLst>
                               <p:cond delay="0"/>
                             </p:stCondLst>
                             <p:childTnLst>
                               <p:par>
-                                <p:cTn id="45" presetID="10" presetClass="entr" presetSubtype="0" fill="hold" nodeType="clickEffect">
+                                <p:cTn id="34" presetID="10" presetClass="entr" presetSubtype="0" fill="hold" nodeType="clickEffect">
                                   <p:stCondLst>
                                     <p:cond delay="0"/>
                                   </p:stCondLst>
                                   <p:childTnLst>
                                     <p:set>
                                       <p:cBhvr>
-                                        <p:cTn id="46" dur="1" fill="hold">
+                                        <p:cTn id="35" dur="1" fill="hold">
                                           <p:stCondLst>
                                             <p:cond delay="0"/>
                                           </p:stCondLst>
@@ -14523,7 +16357,7 @@
                                     </p:set>
                                     <p:animEffect transition="in" filter="fade">
                                       <p:cBhvr>
-                                        <p:cTn id="47" dur="500"/>
+                                        <p:cTn id="36" dur="500"/>
                                         <p:tgtEl>
                                           <p:spTgt spid="26"/>
                                         </p:tgtEl>
@@ -14533,14 +16367,14 @@
                                 </p:cTn>
                               </p:par>
                               <p:par>
-                                <p:cTn id="48" presetID="10" presetClass="entr" presetSubtype="0" fill="hold" grpId="0" nodeType="withEffect">
+                                <p:cTn id="37" presetID="10" presetClass="entr" presetSubtype="0" fill="hold" grpId="0" nodeType="withEffect">
                                   <p:stCondLst>
                                     <p:cond delay="0"/>
                                   </p:stCondLst>
                                   <p:childTnLst>
                                     <p:set>
                                       <p:cBhvr>
-                                        <p:cTn id="49" dur="1" fill="hold">
+                                        <p:cTn id="38" dur="1" fill="hold">
                                           <p:stCondLst>
                                             <p:cond delay="0"/>
                                           </p:stCondLst>
@@ -14558,7 +16392,7 @@
                                     </p:set>
                                     <p:animEffect transition="in" filter="fade">
                                       <p:cBhvr>
-                                        <p:cTn id="50" dur="500"/>
+                                        <p:cTn id="39" dur="500"/>
                                         <p:tgtEl>
                                           <p:spTgt spid="23"/>
                                         </p:tgtEl>
@@ -14574,26 +16408,26 @@
                     </p:cTn>
                   </p:par>
                   <p:par>
-                    <p:cTn id="51" fill="hold">
+                    <p:cTn id="40" fill="hold">
                       <p:stCondLst>
                         <p:cond delay="indefinite"/>
                       </p:stCondLst>
                       <p:childTnLst>
                         <p:par>
-                          <p:cTn id="52" fill="hold">
+                          <p:cTn id="41" fill="hold">
                             <p:stCondLst>
                               <p:cond delay="0"/>
                             </p:stCondLst>
                             <p:childTnLst>
                               <p:par>
-                                <p:cTn id="53" presetID="10" presetClass="entr" presetSubtype="0" fill="hold" nodeType="clickEffect">
+                                <p:cTn id="42" presetID="10" presetClass="entr" presetSubtype="0" fill="hold" nodeType="clickEffect">
                                   <p:stCondLst>
                                     <p:cond delay="0"/>
                                   </p:stCondLst>
                                   <p:childTnLst>
                                     <p:set>
                                       <p:cBhvr>
-                                        <p:cTn id="54" dur="1" fill="hold">
+                                        <p:cTn id="43" dur="1" fill="hold">
                                           <p:stCondLst>
                                             <p:cond delay="0"/>
                                           </p:stCondLst>
@@ -14611,7 +16445,7 @@
                                     </p:set>
                                     <p:animEffect transition="in" filter="fade">
                                       <p:cBhvr>
-                                        <p:cTn id="55" dur="500"/>
+                                        <p:cTn id="44" dur="500"/>
                                         <p:tgtEl>
                                           <p:spTgt spid="27"/>
                                         </p:tgtEl>
@@ -14621,14 +16455,14 @@
                                 </p:cTn>
                               </p:par>
                               <p:par>
-                                <p:cTn id="56" presetID="10" presetClass="entr" presetSubtype="0" fill="hold" grpId="0" nodeType="withEffect">
+                                <p:cTn id="45" presetID="10" presetClass="entr" presetSubtype="0" fill="hold" grpId="0" nodeType="withEffect">
                                   <p:stCondLst>
                                     <p:cond delay="0"/>
                                   </p:stCondLst>
                                   <p:childTnLst>
                                     <p:set>
                                       <p:cBhvr>
-                                        <p:cTn id="57" dur="1" fill="hold">
+                                        <p:cTn id="46" dur="1" fill="hold">
                                           <p:stCondLst>
                                             <p:cond delay="0"/>
                                           </p:stCondLst>
@@ -14646,7 +16480,7 @@
                                     </p:set>
                                     <p:animEffect transition="in" filter="fade">
                                       <p:cBhvr>
-                                        <p:cTn id="58" dur="500"/>
+                                        <p:cTn id="47" dur="500"/>
                                         <p:tgtEl>
                                           <p:spTgt spid="24"/>
                                         </p:tgtEl>
@@ -14683,8 +16517,6 @@
       </p:par>
     </p:tnLst>
     <p:bldLst>
-      <p:bldP spid="20" grpId="0" animBg="1"/>
-      <p:bldP spid="21" grpId="0" animBg="1"/>
       <p:bldP spid="22" grpId="0"/>
       <p:bldP spid="23" grpId="0"/>
       <p:bldP spid="24" grpId="0"/>
@@ -19969,7 +21801,7 @@
           <a:p>
             <a:r>
               <a:rPr lang="it-IT" dirty="0"/>
-              <a:t>Flux pattern – Use store in a Component</a:t>
+              <a:t>Flux pattern – State Definition</a:t>
             </a:r>
             <a:endParaRPr lang="en-GB" dirty="0"/>
           </a:p>
@@ -20323,13 +22155,13 @@
   <p:clrMapOvr>
     <a:masterClrMapping/>
   </p:clrMapOvr>
-  <mc:AlternateContent xmlns:mc="http://schemas.openxmlformats.org/markup-compatibility/2006">
-    <mc:Choice xmlns:p14="http://schemas.microsoft.com/office/powerpoint/2010/main" Requires="p14">
+  <mc:AlternateContent xmlns:mc="http://schemas.openxmlformats.org/markup-compatibility/2006" xmlns:p14="http://schemas.microsoft.com/office/powerpoint/2010/main">
+    <mc:Choice Requires="p14">
       <p:transition spd="med" p14:dur="700">
         <p:fade/>
       </p:transition>
     </mc:Choice>
-    <mc:Fallback>
+    <mc:Fallback xmlns="">
       <p:transition spd="med">
         <p:fade/>
       </p:transition>
@@ -20697,7 +22529,7 @@
           <a:p>
             <a:r>
               <a:rPr lang="it-IT" dirty="0"/>
-              <a:t>Flux pattern – State and Reducers</a:t>
+              <a:t>Flux pattern –Reducers</a:t>
             </a:r>
             <a:endParaRPr lang="en-GB" dirty="0"/>
           </a:p>
@@ -23506,7 +25338,7 @@
                             </p:stCondLst>
                             <p:childTnLst>
                               <p:par>
-                                <p:cTn id="30" presetID="10" presetClass="entr" presetSubtype="0" fill="hold" grpId="0" nodeType="clickEffect">
+                                <p:cTn id="30" presetID="10" presetClass="entr" presetSubtype="0" fill="hold" nodeType="clickEffect">
                                   <p:stCondLst>
                                     <p:cond delay="0"/>
                                   </p:stCondLst>
@@ -23514,129 +25346,6 @@
                                     <p:set>
                                       <p:cBhvr>
                                         <p:cTn id="31" dur="1" fill="hold">
-                                          <p:stCondLst>
-                                            <p:cond delay="0"/>
-                                          </p:stCondLst>
-                                        </p:cTn>
-                                        <p:tgtEl>
-                                          <p:spTgt spid="20"/>
-                                        </p:tgtEl>
-                                        <p:attrNameLst>
-                                          <p:attrName>style.visibility</p:attrName>
-                                        </p:attrNameLst>
-                                      </p:cBhvr>
-                                      <p:to>
-                                        <p:strVal val="visible"/>
-                                      </p:to>
-                                    </p:set>
-                                    <p:animEffect transition="in" filter="fade">
-                                      <p:cBhvr>
-                                        <p:cTn id="32" dur="500"/>
-                                        <p:tgtEl>
-                                          <p:spTgt spid="20"/>
-                                        </p:tgtEl>
-                                      </p:cBhvr>
-                                    </p:animEffect>
-                                  </p:childTnLst>
-                                </p:cTn>
-                              </p:par>
-                              <p:par>
-                                <p:cTn id="33" presetID="10" presetClass="entr" presetSubtype="0" fill="hold" grpId="0" nodeType="withEffect">
-                                  <p:stCondLst>
-                                    <p:cond delay="0"/>
-                                  </p:stCondLst>
-                                  <p:childTnLst>
-                                    <p:set>
-                                      <p:cBhvr>
-                                        <p:cTn id="34" dur="1" fill="hold">
-                                          <p:stCondLst>
-                                            <p:cond delay="0"/>
-                                          </p:stCondLst>
-                                        </p:cTn>
-                                        <p:tgtEl>
-                                          <p:spTgt spid="21"/>
-                                        </p:tgtEl>
-                                        <p:attrNameLst>
-                                          <p:attrName>style.visibility</p:attrName>
-                                        </p:attrNameLst>
-                                      </p:cBhvr>
-                                      <p:to>
-                                        <p:strVal val="visible"/>
-                                      </p:to>
-                                    </p:set>
-                                    <p:animEffect transition="in" filter="fade">
-                                      <p:cBhvr>
-                                        <p:cTn id="35" dur="500"/>
-                                        <p:tgtEl>
-                                          <p:spTgt spid="21"/>
-                                        </p:tgtEl>
-                                      </p:cBhvr>
-                                    </p:animEffect>
-                                  </p:childTnLst>
-                                </p:cTn>
-                              </p:par>
-                              <p:par>
-                                <p:cTn id="36" presetID="10" presetClass="entr" presetSubtype="0" fill="hold" nodeType="withEffect">
-                                  <p:stCondLst>
-                                    <p:cond delay="0"/>
-                                  </p:stCondLst>
-                                  <p:childTnLst>
-                                    <p:set>
-                                      <p:cBhvr>
-                                        <p:cTn id="37" dur="1" fill="hold">
-                                          <p:stCondLst>
-                                            <p:cond delay="0"/>
-                                          </p:stCondLst>
-                                        </p:cTn>
-                                        <p:tgtEl>
-                                          <p:spTgt spid="37"/>
-                                        </p:tgtEl>
-                                        <p:attrNameLst>
-                                          <p:attrName>style.visibility</p:attrName>
-                                        </p:attrNameLst>
-                                      </p:cBhvr>
-                                      <p:to>
-                                        <p:strVal val="visible"/>
-                                      </p:to>
-                                    </p:set>
-                                    <p:animEffect transition="in" filter="fade">
-                                      <p:cBhvr>
-                                        <p:cTn id="38" dur="500"/>
-                                        <p:tgtEl>
-                                          <p:spTgt spid="37"/>
-                                        </p:tgtEl>
-                                      </p:cBhvr>
-                                    </p:animEffect>
-                                  </p:childTnLst>
-                                </p:cTn>
-                              </p:par>
-                            </p:childTnLst>
-                          </p:cTn>
-                        </p:par>
-                      </p:childTnLst>
-                    </p:cTn>
-                  </p:par>
-                  <p:par>
-                    <p:cTn id="39" fill="hold">
-                      <p:stCondLst>
-                        <p:cond delay="indefinite"/>
-                      </p:stCondLst>
-                      <p:childTnLst>
-                        <p:par>
-                          <p:cTn id="40" fill="hold">
-                            <p:stCondLst>
-                              <p:cond delay="0"/>
-                            </p:stCondLst>
-                            <p:childTnLst>
-                              <p:par>
-                                <p:cTn id="41" presetID="10" presetClass="entr" presetSubtype="0" fill="hold" nodeType="clickEffect">
-                                  <p:stCondLst>
-                                    <p:cond delay="0"/>
-                                  </p:stCondLst>
-                                  <p:childTnLst>
-                                    <p:set>
-                                      <p:cBhvr>
-                                        <p:cTn id="42" dur="1" fill="hold">
                                           <p:stCondLst>
                                             <p:cond delay="0"/>
                                           </p:stCondLst>
@@ -23654,7 +25363,7 @@
                                     </p:set>
                                     <p:animEffect transition="in" filter="fade">
                                       <p:cBhvr>
-                                        <p:cTn id="43" dur="500"/>
+                                        <p:cTn id="32" dur="500"/>
                                         <p:tgtEl>
                                           <p:spTgt spid="68"/>
                                         </p:tgtEl>
@@ -23670,26 +25379,26 @@
                     </p:cTn>
                   </p:par>
                   <p:par>
-                    <p:cTn id="44" fill="hold">
+                    <p:cTn id="33" fill="hold">
                       <p:stCondLst>
                         <p:cond delay="indefinite"/>
                       </p:stCondLst>
                       <p:childTnLst>
                         <p:par>
-                          <p:cTn id="45" fill="hold">
+                          <p:cTn id="34" fill="hold">
                             <p:stCondLst>
                               <p:cond delay="0"/>
                             </p:stCondLst>
                             <p:childTnLst>
                               <p:par>
-                                <p:cTn id="46" presetID="10" presetClass="entr" presetSubtype="0" fill="hold" nodeType="clickEffect">
+                                <p:cTn id="35" presetID="10" presetClass="entr" presetSubtype="0" fill="hold" nodeType="clickEffect">
                                   <p:stCondLst>
                                     <p:cond delay="0"/>
                                   </p:stCondLst>
                                   <p:childTnLst>
                                     <p:set>
                                       <p:cBhvr>
-                                        <p:cTn id="47" dur="1" fill="hold">
+                                        <p:cTn id="36" dur="1" fill="hold">
                                           <p:stCondLst>
                                             <p:cond delay="0"/>
                                           </p:stCondLst>
@@ -23707,7 +25416,7 @@
                                     </p:set>
                                     <p:animEffect transition="in" filter="fade">
                                       <p:cBhvr>
-                                        <p:cTn id="48" dur="500"/>
+                                        <p:cTn id="37" dur="500"/>
                                         <p:tgtEl>
                                           <p:spTgt spid="67"/>
                                         </p:tgtEl>
@@ -23723,26 +25432,26 @@
                     </p:cTn>
                   </p:par>
                   <p:par>
-                    <p:cTn id="49" fill="hold">
+                    <p:cTn id="38" fill="hold">
                       <p:stCondLst>
                         <p:cond delay="indefinite"/>
                       </p:stCondLst>
                       <p:childTnLst>
                         <p:par>
-                          <p:cTn id="50" fill="hold">
+                          <p:cTn id="39" fill="hold">
                             <p:stCondLst>
                               <p:cond delay="0"/>
                             </p:stCondLst>
                             <p:childTnLst>
                               <p:par>
-                                <p:cTn id="51" presetID="10" presetClass="entr" presetSubtype="0" fill="hold" nodeType="clickEffect">
+                                <p:cTn id="40" presetID="10" presetClass="entr" presetSubtype="0" fill="hold" nodeType="clickEffect">
                                   <p:stCondLst>
                                     <p:cond delay="0"/>
                                   </p:stCondLst>
                                   <p:childTnLst>
                                     <p:set>
                                       <p:cBhvr>
-                                        <p:cTn id="52" dur="1" fill="hold">
+                                        <p:cTn id="41" dur="1" fill="hold">
                                           <p:stCondLst>
                                             <p:cond delay="0"/>
                                           </p:stCondLst>
@@ -23760,7 +25469,7 @@
                                     </p:set>
                                     <p:animEffect transition="in" filter="fade">
                                       <p:cBhvr>
-                                        <p:cTn id="53" dur="500"/>
+                                        <p:cTn id="42" dur="500"/>
                                         <p:tgtEl>
                                           <p:spTgt spid="10"/>
                                         </p:tgtEl>
@@ -23776,26 +25485,26 @@
                     </p:cTn>
                   </p:par>
                   <p:par>
-                    <p:cTn id="54" fill="hold">
+                    <p:cTn id="43" fill="hold">
                       <p:stCondLst>
                         <p:cond delay="indefinite"/>
                       </p:stCondLst>
                       <p:childTnLst>
                         <p:par>
-                          <p:cTn id="55" fill="hold">
+                          <p:cTn id="44" fill="hold">
                             <p:stCondLst>
                               <p:cond delay="0"/>
                             </p:stCondLst>
                             <p:childTnLst>
                               <p:par>
-                                <p:cTn id="56" presetID="10" presetClass="entr" presetSubtype="0" fill="hold" nodeType="clickEffect">
+                                <p:cTn id="45" presetID="10" presetClass="entr" presetSubtype="0" fill="hold" nodeType="clickEffect">
                                   <p:stCondLst>
                                     <p:cond delay="0"/>
                                   </p:stCondLst>
                                   <p:childTnLst>
                                     <p:set>
                                       <p:cBhvr>
-                                        <p:cTn id="57" dur="1" fill="hold">
+                                        <p:cTn id="46" dur="1" fill="hold">
                                           <p:stCondLst>
                                             <p:cond delay="0"/>
                                           </p:stCondLst>
@@ -23813,7 +25522,7 @@
                                     </p:set>
                                     <p:animEffect transition="in" filter="fade">
                                       <p:cBhvr>
-                                        <p:cTn id="58" dur="500"/>
+                                        <p:cTn id="47" dur="500"/>
                                         <p:tgtEl>
                                           <p:spTgt spid="66"/>
                                         </p:tgtEl>
@@ -23849,10 +25558,6 @@
         </p:cTn>
       </p:par>
     </p:tnLst>
-    <p:bldLst>
-      <p:bldP spid="20" grpId="0" animBg="1"/>
-      <p:bldP spid="21" grpId="0" animBg="1"/>
-    </p:bldLst>
   </p:timing>
 </p:sld>
 </file>
@@ -25461,11 +27166,94 @@
       </p:transition>
     </mc:Fallback>
   </mc:AlternateContent>
+  <p:timing>
+    <p:tnLst>
+      <p:par>
+        <p:cTn id="1" dur="indefinite" restart="never" nodeType="tmRoot">
+          <p:childTnLst>
+            <p:seq concurrent="1" nextAc="seek">
+              <p:cTn id="2" dur="indefinite" nodeType="mainSeq">
+                <p:childTnLst>
+                  <p:par>
+                    <p:cTn id="3" fill="hold">
+                      <p:stCondLst>
+                        <p:cond delay="indefinite"/>
+                      </p:stCondLst>
+                      <p:childTnLst>
+                        <p:par>
+                          <p:cTn id="4" fill="hold">
+                            <p:stCondLst>
+                              <p:cond delay="0"/>
+                            </p:stCondLst>
+                            <p:childTnLst>
+                              <p:par>
+                                <p:cTn id="5" presetID="10" presetClass="entr" presetSubtype="0" fill="hold" nodeType="clickEffect">
+                                  <p:stCondLst>
+                                    <p:cond delay="0"/>
+                                  </p:stCondLst>
+                                  <p:childTnLst>
+                                    <p:set>
+                                      <p:cBhvr>
+                                        <p:cTn id="6" dur="1" fill="hold">
+                                          <p:stCondLst>
+                                            <p:cond delay="0"/>
+                                          </p:stCondLst>
+                                        </p:cTn>
+                                        <p:tgtEl>
+                                          <p:spTgt spid="1026"/>
+                                        </p:tgtEl>
+                                        <p:attrNameLst>
+                                          <p:attrName>style.visibility</p:attrName>
+                                        </p:attrNameLst>
+                                      </p:cBhvr>
+                                      <p:to>
+                                        <p:strVal val="visible"/>
+                                      </p:to>
+                                    </p:set>
+                                    <p:animEffect transition="in" filter="fade">
+                                      <p:cBhvr>
+                                        <p:cTn id="7" dur="500"/>
+                                        <p:tgtEl>
+                                          <p:spTgt spid="1026"/>
+                                        </p:tgtEl>
+                                      </p:cBhvr>
+                                    </p:animEffect>
+                                  </p:childTnLst>
+                                </p:cTn>
+                              </p:par>
+                            </p:childTnLst>
+                          </p:cTn>
+                        </p:par>
+                      </p:childTnLst>
+                    </p:cTn>
+                  </p:par>
+                </p:childTnLst>
+              </p:cTn>
+              <p:prevCondLst>
+                <p:cond evt="onPrev" delay="0">
+                  <p:tgtEl>
+                    <p:sldTgt/>
+                  </p:tgtEl>
+                </p:cond>
+              </p:prevCondLst>
+              <p:nextCondLst>
+                <p:cond evt="onNext" delay="0">
+                  <p:tgtEl>
+                    <p:sldTgt/>
+                  </p:tgtEl>
+                </p:cond>
+              </p:nextCondLst>
+            </p:seq>
+          </p:childTnLst>
+        </p:cTn>
+      </p:par>
+    </p:tnLst>
+  </p:timing>
 </p:sld>
 </file>
 
 <file path=ppt/slides/slide33.xml><?xml version="1.0" encoding="utf-8"?>
-<p:sld xmlns:a="http://schemas.openxmlformats.org/drawingml/2006/main" xmlns:r="http://schemas.openxmlformats.org/officeDocument/2006/relationships" xmlns:p="http://schemas.openxmlformats.org/presentationml/2006/main" show="0">
+<p:sld xmlns:a="http://schemas.openxmlformats.org/drawingml/2006/main" xmlns:r="http://schemas.openxmlformats.org/officeDocument/2006/relationships" xmlns:p="http://schemas.openxmlformats.org/presentationml/2006/main">
   <p:cSld>
     <p:spTree>
       <p:nvGrpSpPr>
@@ -25481,38 +27269,159 @@
           <a:chExt cx="0" cy="0"/>
         </a:xfrm>
       </p:grpSpPr>
-      <p:sp>
-        <p:nvSpPr>
-          <p:cNvPr id="4" name="Title 3">
+      <p:pic>
+        <p:nvPicPr>
+          <p:cNvPr id="5" name="Picture 4" descr="A picture containing sky, outdoor, outdoor object, day&#10;&#10;Description automatically generated">
             <a:extLst>
               <a:ext uri="{FF2B5EF4-FFF2-40B4-BE49-F238E27FC236}">
-                <a16:creationId xmlns:a16="http://schemas.microsoft.com/office/drawing/2014/main" id="{DFB01CC4-9C78-1B91-FF47-912479AD254C}"/>
+                <a16:creationId xmlns:a16="http://schemas.microsoft.com/office/drawing/2014/main" id="{F3152977-A7A3-FF4F-B6CC-7E22C0CC5C69}"/>
               </a:ext>
             </a:extLst>
           </p:cNvPr>
-          <p:cNvSpPr>
-            <a:spLocks noGrp="1"/>
-          </p:cNvSpPr>
-          <p:nvPr>
-            <p:ph type="title"/>
-          </p:nvPr>
-        </p:nvSpPr>
-        <p:spPr/>
-        <p:txBody>
-          <a:bodyPr/>
-          <a:lstStyle/>
-          <a:p>
-            <a:r>
-              <a:rPr lang="en-GB" dirty="0"/>
-              <a:t>Demo</a:t>
-            </a:r>
-          </a:p>
-        </p:txBody>
-      </p:sp>
+          <p:cNvPicPr>
+            <a:picLocks noChangeAspect="1"/>
+          </p:cNvPicPr>
+          <p:nvPr/>
+        </p:nvPicPr>
+        <p:blipFill rotWithShape="1">
+          <a:blip r:embed="rId2"/>
+          <a:srcRect t="5081"/>
+          <a:stretch/>
+        </p:blipFill>
+        <p:spPr>
+          <a:xfrm>
+            <a:off x="20" y="1282"/>
+            <a:ext cx="12191980" cy="6856718"/>
+          </a:xfrm>
+          <a:prstGeom prst="rect">
+            <a:avLst/>
+          </a:prstGeom>
+        </p:spPr>
+      </p:pic>
+      <p:pic>
+        <p:nvPicPr>
+          <p:cNvPr id="6" name="Picture 5" descr="Shape&#10;&#10;Description automatically generated">
+            <a:extLst>
+              <a:ext uri="{FF2B5EF4-FFF2-40B4-BE49-F238E27FC236}">
+                <a16:creationId xmlns:a16="http://schemas.microsoft.com/office/drawing/2014/main" id="{E25D72A1-D558-E44F-8113-07ACA09CE4B7}"/>
+              </a:ext>
+            </a:extLst>
+          </p:cNvPr>
+          <p:cNvPicPr>
+            <a:picLocks noChangeAspect="1"/>
+          </p:cNvPicPr>
+          <p:nvPr/>
+        </p:nvPicPr>
+        <p:blipFill>
+          <a:blip r:embed="rId3"/>
+          <a:stretch>
+            <a:fillRect/>
+          </a:stretch>
+        </p:blipFill>
+        <p:spPr>
+          <a:xfrm>
+            <a:off x="-25400" y="0"/>
+            <a:ext cx="11557000" cy="6861514"/>
+          </a:xfrm>
+          <a:prstGeom prst="rect">
+            <a:avLst/>
+          </a:prstGeom>
+        </p:spPr>
+      </p:pic>
+      <p:pic>
+        <p:nvPicPr>
+          <p:cNvPr id="11" name="Picture 10" descr="Graphical user interface&#10;&#10;Description automatically generated with low confidence">
+            <a:extLst>
+              <a:ext uri="{FF2B5EF4-FFF2-40B4-BE49-F238E27FC236}">
+                <a16:creationId xmlns:a16="http://schemas.microsoft.com/office/drawing/2014/main" id="{F3CA2DF4-1729-5341-A3EC-63FDA5F33570}"/>
+              </a:ext>
+            </a:extLst>
+          </p:cNvPr>
+          <p:cNvPicPr>
+            <a:picLocks noChangeAspect="1"/>
+          </p:cNvPicPr>
+          <p:nvPr/>
+        </p:nvPicPr>
+        <p:blipFill>
+          <a:blip r:embed="rId4"/>
+          <a:stretch>
+            <a:fillRect/>
+          </a:stretch>
+        </p:blipFill>
+        <p:spPr>
+          <a:xfrm>
+            <a:off x="2093976" y="862318"/>
+            <a:ext cx="10096500" cy="5994400"/>
+          </a:xfrm>
+          <a:prstGeom prst="rect">
+            <a:avLst/>
+          </a:prstGeom>
+        </p:spPr>
+      </p:pic>
+      <p:pic>
+        <p:nvPicPr>
+          <p:cNvPr id="14" name="Picture 13" descr="A picture containing text, gauge, device&#10;&#10;Description automatically generated">
+            <a:extLst>
+              <a:ext uri="{FF2B5EF4-FFF2-40B4-BE49-F238E27FC236}">
+                <a16:creationId xmlns:a16="http://schemas.microsoft.com/office/drawing/2014/main" id="{C706E457-4146-7248-A130-08842A369DB9}"/>
+              </a:ext>
+            </a:extLst>
+          </p:cNvPr>
+          <p:cNvPicPr>
+            <a:picLocks noChangeAspect="1"/>
+          </p:cNvPicPr>
+          <p:nvPr/>
+        </p:nvPicPr>
+        <p:blipFill>
+          <a:blip r:embed="rId5"/>
+          <a:stretch>
+            <a:fillRect/>
+          </a:stretch>
+        </p:blipFill>
+        <p:spPr>
+          <a:xfrm>
+            <a:off x="660400" y="1281"/>
+            <a:ext cx="11528552" cy="6844624"/>
+          </a:xfrm>
+          <a:prstGeom prst="rect">
+            <a:avLst/>
+          </a:prstGeom>
+        </p:spPr>
+      </p:pic>
+      <p:pic>
+        <p:nvPicPr>
+          <p:cNvPr id="17" name="Picture 16" descr="A picture containing text, chain&#10;&#10;Description automatically generated">
+            <a:extLst>
+              <a:ext uri="{FF2B5EF4-FFF2-40B4-BE49-F238E27FC236}">
+                <a16:creationId xmlns:a16="http://schemas.microsoft.com/office/drawing/2014/main" id="{2698FE4E-DF84-E044-91AB-0967400A84DB}"/>
+              </a:ext>
+            </a:extLst>
+          </p:cNvPr>
+          <p:cNvPicPr>
+            <a:picLocks noChangeAspect="1"/>
+          </p:cNvPicPr>
+          <p:nvPr/>
+        </p:nvPicPr>
+        <p:blipFill>
+          <a:blip r:embed="rId6"/>
+          <a:stretch>
+            <a:fillRect/>
+          </a:stretch>
+        </p:blipFill>
+        <p:spPr>
+          <a:xfrm>
+            <a:off x="-26924" y="12095"/>
+            <a:ext cx="10923524" cy="6485413"/>
+          </a:xfrm>
+          <a:prstGeom prst="rect">
+            <a:avLst/>
+          </a:prstGeom>
+        </p:spPr>
+      </p:pic>
     </p:spTree>
     <p:extLst>
       <p:ext uri="{BB962C8B-B14F-4D97-AF65-F5344CB8AC3E}">
-        <p14:creationId xmlns:p14="http://schemas.microsoft.com/office/powerpoint/2010/main" val="496925547"/>
+        <p14:creationId xmlns:p14="http://schemas.microsoft.com/office/powerpoint/2010/main" val="826123123"/>
       </p:ext>
     </p:extLst>
   </p:cSld>
@@ -27248,13 +29157,13 @@
   <p:clrMapOvr>
     <a:masterClrMapping/>
   </p:clrMapOvr>
-  <mc:AlternateContent xmlns:mc="http://schemas.openxmlformats.org/markup-compatibility/2006">
-    <mc:Choice xmlns:p14="http://schemas.microsoft.com/office/powerpoint/2010/main" Requires="p14">
+  <mc:AlternateContent xmlns:mc="http://schemas.openxmlformats.org/markup-compatibility/2006" xmlns:p14="http://schemas.microsoft.com/office/powerpoint/2010/main">
+    <mc:Choice Requires="p14">
       <p:transition spd="med" p14:dur="700">
         <p:fade/>
       </p:transition>
     </mc:Choice>
-    <mc:Fallback>
+    <mc:Fallback xmlns="">
       <p:transition spd="med">
         <p:fade/>
       </p:transition>
@@ -27394,13 +29303,13 @@
   <p:clrMapOvr>
     <a:masterClrMapping/>
   </p:clrMapOvr>
-  <mc:AlternateContent xmlns:mc="http://schemas.openxmlformats.org/markup-compatibility/2006">
-    <mc:Choice xmlns:p14="http://schemas.microsoft.com/office/powerpoint/2010/main" Requires="p14">
+  <mc:AlternateContent xmlns:mc="http://schemas.openxmlformats.org/markup-compatibility/2006" xmlns:p14="http://schemas.microsoft.com/office/powerpoint/2010/main">
+    <mc:Choice Requires="p14">
       <p:transition spd="med" p14:dur="700">
         <p:fade/>
       </p:transition>
     </mc:Choice>
-    <mc:Fallback>
+    <mc:Fallback xmlns="">
       <p:transition spd="med">
         <p:fade/>
       </p:transition>
@@ -27546,7 +29455,7 @@
 </file>
 
 <file path=ppt/slides/slide8.xml><?xml version="1.0" encoding="utf-8"?>
-<p:sld xmlns:a="http://schemas.openxmlformats.org/drawingml/2006/main" xmlns:r="http://schemas.openxmlformats.org/officeDocument/2006/relationships" xmlns:p="http://schemas.openxmlformats.org/presentationml/2006/main">
+<p:sld xmlns:a="http://schemas.openxmlformats.org/drawingml/2006/main" xmlns:r="http://schemas.openxmlformats.org/officeDocument/2006/relationships" xmlns:p="http://schemas.openxmlformats.org/presentationml/2006/main" show="0">
   <p:cSld>
     <p:spTree>
       <p:nvGrpSpPr>
@@ -28427,63 +30336,6 @@
       </p:sp>
       <p:sp>
         <p:nvSpPr>
-          <p:cNvPr id="13" name="Oval 12">
-            <a:extLst>
-              <a:ext uri="{FF2B5EF4-FFF2-40B4-BE49-F238E27FC236}">
-                <a16:creationId xmlns:a16="http://schemas.microsoft.com/office/drawing/2014/main" id="{E5CE97D8-85E8-67E6-2980-3E88C00C32A9}"/>
-              </a:ext>
-            </a:extLst>
-          </p:cNvPr>
-          <p:cNvSpPr/>
-          <p:nvPr/>
-        </p:nvSpPr>
-        <p:spPr>
-          <a:xfrm>
-            <a:off x="6095998" y="3728523"/>
-            <a:ext cx="399011" cy="399011"/>
-          </a:xfrm>
-          <a:prstGeom prst="ellipse">
-            <a:avLst/>
-          </a:prstGeom>
-          <a:solidFill>
-            <a:schemeClr val="tx2">
-              <a:lumMod val="20000"/>
-              <a:lumOff val="80000"/>
-            </a:schemeClr>
-          </a:solidFill>
-          <a:ln>
-            <a:solidFill>
-              <a:schemeClr val="tx1"/>
-            </a:solidFill>
-          </a:ln>
-        </p:spPr>
-        <p:style>
-          <a:lnRef idx="2">
-            <a:schemeClr val="accent1">
-              <a:shade val="50000"/>
-            </a:schemeClr>
-          </a:lnRef>
-          <a:fillRef idx="1">
-            <a:schemeClr val="accent1"/>
-          </a:fillRef>
-          <a:effectRef idx="0">
-            <a:schemeClr val="accent1"/>
-          </a:effectRef>
-          <a:fontRef idx="minor">
-            <a:schemeClr val="lt1"/>
-          </a:fontRef>
-        </p:style>
-        <p:txBody>
-          <a:bodyPr rtlCol="0" anchor="ctr"/>
-          <a:lstStyle/>
-          <a:p>
-            <a:pPr algn="ctr"/>
-            <a:endParaRPr lang="it-IT"/>
-          </a:p>
-        </p:txBody>
-      </p:sp>
-      <p:sp>
-        <p:nvSpPr>
           <p:cNvPr id="14" name="Oval 13">
             <a:extLst>
               <a:ext uri="{FF2B5EF4-FFF2-40B4-BE49-F238E27FC236}">
@@ -28835,52 +30687,6 @@
           <a:xfrm>
             <a:off x="5239544" y="3477050"/>
             <a:ext cx="257939" cy="251474"/>
-          </a:xfrm>
-          <a:prstGeom prst="straightConnector1">
-            <a:avLst/>
-          </a:prstGeom>
-          <a:ln>
-            <a:solidFill>
-              <a:schemeClr val="tx1"/>
-            </a:solidFill>
-            <a:tailEnd type="triangle"/>
-          </a:ln>
-        </p:spPr>
-        <p:style>
-          <a:lnRef idx="1">
-            <a:schemeClr val="dk1"/>
-          </a:lnRef>
-          <a:fillRef idx="0">
-            <a:schemeClr val="dk1"/>
-          </a:fillRef>
-          <a:effectRef idx="0">
-            <a:schemeClr val="dk1"/>
-          </a:effectRef>
-          <a:fontRef idx="minor">
-            <a:schemeClr val="tx1"/>
-          </a:fontRef>
-        </p:style>
-      </p:cxnSp>
-      <p:cxnSp>
-        <p:nvCxnSpPr>
-          <p:cNvPr id="22" name="Straight Arrow Connector 21">
-            <a:extLst>
-              <a:ext uri="{FF2B5EF4-FFF2-40B4-BE49-F238E27FC236}">
-                <a16:creationId xmlns:a16="http://schemas.microsoft.com/office/drawing/2014/main" id="{41438052-A3B7-5723-8D53-96A71F5D4741}"/>
-              </a:ext>
-            </a:extLst>
-          </p:cNvPr>
-          <p:cNvCxnSpPr>
-            <a:cxnSpLocks/>
-            <a:stCxn id="8" idx="5"/>
-            <a:endCxn id="13" idx="0"/>
-          </p:cNvCxnSpPr>
-          <p:nvPr/>
-        </p:nvCxnSpPr>
-        <p:spPr>
-          <a:xfrm>
-            <a:off x="6037565" y="3477050"/>
-            <a:ext cx="257939" cy="251473"/>
           </a:xfrm>
           <a:prstGeom prst="straightConnector1">
             <a:avLst/>
@@ -29623,63 +31429,6 @@
       </p:sp>
       <p:sp>
         <p:nvSpPr>
-          <p:cNvPr id="37" name="Oval 36">
-            <a:extLst>
-              <a:ext uri="{FF2B5EF4-FFF2-40B4-BE49-F238E27FC236}">
-                <a16:creationId xmlns:a16="http://schemas.microsoft.com/office/drawing/2014/main" id="{2B2B8154-E2F4-5C54-260B-1E5A1938674B}"/>
-              </a:ext>
-            </a:extLst>
-          </p:cNvPr>
-          <p:cNvSpPr/>
-          <p:nvPr/>
-        </p:nvSpPr>
-        <p:spPr>
-          <a:xfrm>
-            <a:off x="9903609" y="3706020"/>
-            <a:ext cx="399011" cy="399011"/>
-          </a:xfrm>
-          <a:prstGeom prst="ellipse">
-            <a:avLst/>
-          </a:prstGeom>
-          <a:solidFill>
-            <a:schemeClr val="tx2">
-              <a:lumMod val="20000"/>
-              <a:lumOff val="80000"/>
-            </a:schemeClr>
-          </a:solidFill>
-          <a:ln>
-            <a:solidFill>
-              <a:schemeClr val="tx1"/>
-            </a:solidFill>
-          </a:ln>
-        </p:spPr>
-        <p:style>
-          <a:lnRef idx="2">
-            <a:schemeClr val="accent1">
-              <a:shade val="50000"/>
-            </a:schemeClr>
-          </a:lnRef>
-          <a:fillRef idx="1">
-            <a:schemeClr val="accent1"/>
-          </a:fillRef>
-          <a:effectRef idx="0">
-            <a:schemeClr val="accent1"/>
-          </a:effectRef>
-          <a:fontRef idx="minor">
-            <a:schemeClr val="lt1"/>
-          </a:fontRef>
-        </p:style>
-        <p:txBody>
-          <a:bodyPr rtlCol="0" anchor="ctr"/>
-          <a:lstStyle/>
-          <a:p>
-            <a:pPr algn="ctr"/>
-            <a:endParaRPr lang="it-IT"/>
-          </a:p>
-        </p:txBody>
-      </p:sp>
-      <p:sp>
-        <p:nvSpPr>
           <p:cNvPr id="38" name="Oval 37">
             <a:extLst>
               <a:ext uri="{FF2B5EF4-FFF2-40B4-BE49-F238E27FC236}">
@@ -30031,52 +31780,6 @@
           <a:xfrm>
             <a:off x="9047155" y="3454547"/>
             <a:ext cx="257939" cy="251474"/>
-          </a:xfrm>
-          <a:prstGeom prst="straightConnector1">
-            <a:avLst/>
-          </a:prstGeom>
-          <a:ln>
-            <a:solidFill>
-              <a:schemeClr val="tx1"/>
-            </a:solidFill>
-            <a:tailEnd type="triangle"/>
-          </a:ln>
-        </p:spPr>
-        <p:style>
-          <a:lnRef idx="1">
-            <a:schemeClr val="dk1"/>
-          </a:lnRef>
-          <a:fillRef idx="0">
-            <a:schemeClr val="dk1"/>
-          </a:fillRef>
-          <a:effectRef idx="0">
-            <a:schemeClr val="dk1"/>
-          </a:effectRef>
-          <a:fontRef idx="minor">
-            <a:schemeClr val="tx1"/>
-          </a:fontRef>
-        </p:style>
-      </p:cxnSp>
-      <p:cxnSp>
-        <p:nvCxnSpPr>
-          <p:cNvPr id="46" name="Straight Arrow Connector 45">
-            <a:extLst>
-              <a:ext uri="{FF2B5EF4-FFF2-40B4-BE49-F238E27FC236}">
-                <a16:creationId xmlns:a16="http://schemas.microsoft.com/office/drawing/2014/main" id="{D67F3F10-4962-109A-A7CB-AFDB30AAB33E}"/>
-              </a:ext>
-            </a:extLst>
-          </p:cNvPr>
-          <p:cNvCxnSpPr>
-            <a:cxnSpLocks/>
-            <a:stCxn id="32" idx="5"/>
-            <a:endCxn id="37" idx="0"/>
-          </p:cNvCxnSpPr>
-          <p:nvPr/>
-        </p:nvCxnSpPr>
-        <p:spPr>
-          <a:xfrm>
-            <a:off x="9845176" y="3454547"/>
-            <a:ext cx="257939" cy="251473"/>
           </a:xfrm>
           <a:prstGeom prst="straightConnector1">
             <a:avLst/>
@@ -30829,63 +32532,6 @@
       </p:sp>
       <p:sp>
         <p:nvSpPr>
-          <p:cNvPr id="63" name="Oval 62">
-            <a:extLst>
-              <a:ext uri="{FF2B5EF4-FFF2-40B4-BE49-F238E27FC236}">
-                <a16:creationId xmlns:a16="http://schemas.microsoft.com/office/drawing/2014/main" id="{265BF815-CF25-F1F9-BAC4-A094EE122A7A}"/>
-              </a:ext>
-            </a:extLst>
-          </p:cNvPr>
-          <p:cNvSpPr/>
-          <p:nvPr/>
-        </p:nvSpPr>
-        <p:spPr>
-          <a:xfrm>
-            <a:off x="2274890" y="3706019"/>
-            <a:ext cx="399011" cy="399011"/>
-          </a:xfrm>
-          <a:prstGeom prst="ellipse">
-            <a:avLst/>
-          </a:prstGeom>
-          <a:solidFill>
-            <a:schemeClr val="tx2">
-              <a:lumMod val="20000"/>
-              <a:lumOff val="80000"/>
-            </a:schemeClr>
-          </a:solidFill>
-          <a:ln>
-            <a:solidFill>
-              <a:schemeClr val="tx1"/>
-            </a:solidFill>
-          </a:ln>
-        </p:spPr>
-        <p:style>
-          <a:lnRef idx="2">
-            <a:schemeClr val="accent1">
-              <a:shade val="50000"/>
-            </a:schemeClr>
-          </a:lnRef>
-          <a:fillRef idx="1">
-            <a:schemeClr val="accent1"/>
-          </a:fillRef>
-          <a:effectRef idx="0">
-            <a:schemeClr val="accent1"/>
-          </a:effectRef>
-          <a:fontRef idx="minor">
-            <a:schemeClr val="lt1"/>
-          </a:fontRef>
-        </p:style>
-        <p:txBody>
-          <a:bodyPr rtlCol="0" anchor="ctr"/>
-          <a:lstStyle/>
-          <a:p>
-            <a:pPr algn="ctr"/>
-            <a:endParaRPr lang="it-IT"/>
-          </a:p>
-        </p:txBody>
-      </p:sp>
-      <p:sp>
-        <p:nvSpPr>
           <p:cNvPr id="64" name="Oval 63">
             <a:extLst>
               <a:ext uri="{FF2B5EF4-FFF2-40B4-BE49-F238E27FC236}">
@@ -31237,52 +32883,6 @@
           <a:xfrm>
             <a:off x="1418436" y="3454546"/>
             <a:ext cx="257939" cy="251474"/>
-          </a:xfrm>
-          <a:prstGeom prst="straightConnector1">
-            <a:avLst/>
-          </a:prstGeom>
-          <a:ln>
-            <a:solidFill>
-              <a:schemeClr val="tx1"/>
-            </a:solidFill>
-            <a:tailEnd type="triangle"/>
-          </a:ln>
-        </p:spPr>
-        <p:style>
-          <a:lnRef idx="1">
-            <a:schemeClr val="dk1"/>
-          </a:lnRef>
-          <a:fillRef idx="0">
-            <a:schemeClr val="dk1"/>
-          </a:fillRef>
-          <a:effectRef idx="0">
-            <a:schemeClr val="dk1"/>
-          </a:effectRef>
-          <a:fontRef idx="minor">
-            <a:schemeClr val="tx1"/>
-          </a:fontRef>
-        </p:style>
-      </p:cxnSp>
-      <p:cxnSp>
-        <p:nvCxnSpPr>
-          <p:cNvPr id="72" name="Straight Arrow Connector 71">
-            <a:extLst>
-              <a:ext uri="{FF2B5EF4-FFF2-40B4-BE49-F238E27FC236}">
-                <a16:creationId xmlns:a16="http://schemas.microsoft.com/office/drawing/2014/main" id="{08959012-E5CF-15C1-6A63-673FA19BFF83}"/>
-              </a:ext>
-            </a:extLst>
-          </p:cNvPr>
-          <p:cNvCxnSpPr>
-            <a:cxnSpLocks/>
-            <a:stCxn id="58" idx="5"/>
-            <a:endCxn id="63" idx="0"/>
-          </p:cNvCxnSpPr>
-          <p:nvPr/>
-        </p:nvCxnSpPr>
-        <p:spPr>
-          <a:xfrm>
-            <a:off x="2216457" y="3454546"/>
-            <a:ext cx="257939" cy="251473"/>
           </a:xfrm>
           <a:prstGeom prst="straightConnector1">
             <a:avLst/>
@@ -31673,6 +33273,163 @@
           </a:p>
         </p:txBody>
       </p:sp>
+      <p:sp>
+        <p:nvSpPr>
+          <p:cNvPr id="3" name="TextBox 2">
+            <a:extLst>
+              <a:ext uri="{FF2B5EF4-FFF2-40B4-BE49-F238E27FC236}">
+                <a16:creationId xmlns:a16="http://schemas.microsoft.com/office/drawing/2014/main" id="{B33107D5-B8D3-94D5-C6B2-33960E3430C3}"/>
+              </a:ext>
+            </a:extLst>
+          </p:cNvPr>
+          <p:cNvSpPr txBox="1"/>
+          <p:nvPr/>
+        </p:nvSpPr>
+        <p:spPr>
+          <a:xfrm>
+            <a:off x="1314866" y="1497142"/>
+            <a:ext cx="1584216" cy="338554"/>
+          </a:xfrm>
+          <a:prstGeom prst="rect">
+            <a:avLst/>
+          </a:prstGeom>
+          <a:noFill/>
+        </p:spPr>
+        <p:txBody>
+          <a:bodyPr wrap="none" rtlCol="0">
+            <a:spAutoFit/>
+          </a:bodyPr>
+          <a:lstStyle/>
+          <a:p>
+            <a:r>
+              <a:rPr lang="it-IT" sz="1600" dirty="0">
+                <a:solidFill>
+                  <a:srgbClr val="7030A0"/>
+                </a:solidFill>
+              </a:rPr>
+              <a:t>Root component</a:t>
+            </a:r>
+          </a:p>
+        </p:txBody>
+      </p:sp>
+      <p:sp>
+        <p:nvSpPr>
+          <p:cNvPr id="53" name="TextBox 52">
+            <a:extLst>
+              <a:ext uri="{FF2B5EF4-FFF2-40B4-BE49-F238E27FC236}">
+                <a16:creationId xmlns:a16="http://schemas.microsoft.com/office/drawing/2014/main" id="{DC102E12-E113-A7FD-7608-23764FD9B8B6}"/>
+              </a:ext>
+            </a:extLst>
+          </p:cNvPr>
+          <p:cNvSpPr txBox="1"/>
+          <p:nvPr/>
+        </p:nvSpPr>
+        <p:spPr>
+          <a:xfrm>
+            <a:off x="1109257" y="4130105"/>
+            <a:ext cx="1010148" cy="307777"/>
+          </a:xfrm>
+          <a:prstGeom prst="rect">
+            <a:avLst/>
+          </a:prstGeom>
+          <a:noFill/>
+        </p:spPr>
+        <p:txBody>
+          <a:bodyPr wrap="none" rtlCol="0">
+            <a:spAutoFit/>
+          </a:bodyPr>
+          <a:lstStyle/>
+          <a:p>
+            <a:r>
+              <a:rPr lang="it-IT" sz="1400" dirty="0">
+                <a:solidFill>
+                  <a:srgbClr val="7030A0"/>
+                </a:solidFill>
+              </a:rPr>
+              <a:t>Product list</a:t>
+            </a:r>
+          </a:p>
+        </p:txBody>
+      </p:sp>
+      <p:sp>
+        <p:nvSpPr>
+          <p:cNvPr id="54" name="TextBox 53">
+            <a:extLst>
+              <a:ext uri="{FF2B5EF4-FFF2-40B4-BE49-F238E27FC236}">
+                <a16:creationId xmlns:a16="http://schemas.microsoft.com/office/drawing/2014/main" id="{8FCC62CA-947E-2091-9223-3032551BC0BA}"/>
+              </a:ext>
+            </a:extLst>
+          </p:cNvPr>
+          <p:cNvSpPr txBox="1"/>
+          <p:nvPr/>
+        </p:nvSpPr>
+        <p:spPr>
+          <a:xfrm>
+            <a:off x="2531981" y="2205867"/>
+            <a:ext cx="709105" cy="307777"/>
+          </a:xfrm>
+          <a:prstGeom prst="rect">
+            <a:avLst/>
+          </a:prstGeom>
+          <a:noFill/>
+        </p:spPr>
+        <p:txBody>
+          <a:bodyPr wrap="none" rtlCol="0">
+            <a:spAutoFit/>
+          </a:bodyPr>
+          <a:lstStyle/>
+          <a:p>
+            <a:r>
+              <a:rPr lang="it-IT" sz="1400" dirty="0">
+                <a:solidFill>
+                  <a:srgbClr val="7030A0"/>
+                </a:solidFill>
+              </a:rPr>
+              <a:t>Navbar</a:t>
+            </a:r>
+          </a:p>
+        </p:txBody>
+      </p:sp>
+      <p:sp>
+        <p:nvSpPr>
+          <p:cNvPr id="74" name="TextBox 73">
+            <a:extLst>
+              <a:ext uri="{FF2B5EF4-FFF2-40B4-BE49-F238E27FC236}">
+                <a16:creationId xmlns:a16="http://schemas.microsoft.com/office/drawing/2014/main" id="{C39515CD-56DC-6A39-6796-B719303D224E}"/>
+              </a:ext>
+            </a:extLst>
+          </p:cNvPr>
+          <p:cNvSpPr txBox="1"/>
+          <p:nvPr/>
+        </p:nvSpPr>
+        <p:spPr>
+          <a:xfrm>
+            <a:off x="1856037" y="3528561"/>
+            <a:ext cx="1193544" cy="307777"/>
+          </a:xfrm>
+          <a:prstGeom prst="rect">
+            <a:avLst/>
+          </a:prstGeom>
+          <a:noFill/>
+        </p:spPr>
+        <p:txBody>
+          <a:bodyPr wrap="square" rtlCol="0">
+            <a:spAutoFit/>
+          </a:bodyPr>
+          <a:lstStyle/>
+          <a:p>
+            <a:pPr algn="ctr"/>
+            <a:r>
+              <a:rPr lang="it-IT" sz="1400" dirty="0">
+                <a:solidFill>
+                  <a:srgbClr val="7030A0"/>
+                </a:solidFill>
+              </a:rPr>
+              <a:t>Cart Display</a:t>
+            </a:r>
+          </a:p>
+        </p:txBody>
+      </p:sp>
     </p:spTree>
     <p:extLst>
       <p:ext uri="{BB962C8B-B14F-4D97-AF65-F5344CB8AC3E}">
@@ -31729,7 +33486,7 @@
                                           </p:stCondLst>
                                         </p:cTn>
                                         <p:tgtEl>
-                                          <p:spTgt spid="4"/>
+                                          <p:spTgt spid="52"/>
                                         </p:tgtEl>
                                         <p:attrNameLst>
                                           <p:attrName>style.visibility</p:attrName>
@@ -31743,59 +33500,6 @@
                                       <p:cBhvr>
                                         <p:cTn id="7" dur="500"/>
                                         <p:tgtEl>
-                                          <p:spTgt spid="4"/>
-                                        </p:tgtEl>
-                                      </p:cBhvr>
-                                    </p:animEffect>
-                                  </p:childTnLst>
-                                </p:cTn>
-                              </p:par>
-                            </p:childTnLst>
-                          </p:cTn>
-                        </p:par>
-                      </p:childTnLst>
-                    </p:cTn>
-                  </p:par>
-                  <p:par>
-                    <p:cTn id="8" fill="hold">
-                      <p:stCondLst>
-                        <p:cond delay="indefinite"/>
-                      </p:stCondLst>
-                      <p:childTnLst>
-                        <p:par>
-                          <p:cTn id="9" fill="hold">
-                            <p:stCondLst>
-                              <p:cond delay="0"/>
-                            </p:stCondLst>
-                            <p:childTnLst>
-                              <p:par>
-                                <p:cTn id="10" presetID="10" presetClass="entr" presetSubtype="0" fill="hold" grpId="0" nodeType="clickEffect">
-                                  <p:stCondLst>
-                                    <p:cond delay="0"/>
-                                  </p:stCondLst>
-                                  <p:childTnLst>
-                                    <p:set>
-                                      <p:cBhvr>
-                                        <p:cTn id="11" dur="1" fill="hold">
-                                          <p:stCondLst>
-                                            <p:cond delay="0"/>
-                                          </p:stCondLst>
-                                        </p:cTn>
-                                        <p:tgtEl>
-                                          <p:spTgt spid="52"/>
-                                        </p:tgtEl>
-                                        <p:attrNameLst>
-                                          <p:attrName>style.visibility</p:attrName>
-                                        </p:attrNameLst>
-                                      </p:cBhvr>
-                                      <p:to>
-                                        <p:strVal val="visible"/>
-                                      </p:to>
-                                    </p:set>
-                                    <p:animEffect transition="in" filter="fade">
-                                      <p:cBhvr>
-                                        <p:cTn id="12" dur="500"/>
-                                        <p:tgtEl>
                                           <p:spTgt spid="52"/>
                                         </p:tgtEl>
                                       </p:cBhvr>
@@ -31804,14 +33508,14 @@
                                 </p:cTn>
                               </p:par>
                               <p:par>
-                                <p:cTn id="13" presetID="10" presetClass="entr" presetSubtype="0" fill="hold" grpId="0" nodeType="withEffect">
+                                <p:cTn id="8" presetID="10" presetClass="entr" presetSubtype="0" fill="hold" grpId="0" nodeType="withEffect">
                                   <p:stCondLst>
                                     <p:cond delay="0"/>
                                   </p:stCondLst>
                                   <p:childTnLst>
                                     <p:set>
                                       <p:cBhvr>
-                                        <p:cTn id="14" dur="1" fill="hold">
+                                        <p:cTn id="9" dur="1" fill="hold">
                                           <p:stCondLst>
                                             <p:cond delay="0"/>
                                           </p:stCondLst>
@@ -31829,7 +33533,7 @@
                                     </p:set>
                                     <p:animEffect transition="in" filter="fade">
                                       <p:cBhvr>
-                                        <p:cTn id="15" dur="500"/>
+                                        <p:cTn id="10" dur="500"/>
                                         <p:tgtEl>
                                           <p:spTgt spid="55"/>
                                         </p:tgtEl>
@@ -31839,14 +33543,14 @@
                                 </p:cTn>
                               </p:par>
                               <p:par>
-                                <p:cTn id="16" presetID="10" presetClass="entr" presetSubtype="0" fill="hold" grpId="0" nodeType="withEffect">
+                                <p:cTn id="11" presetID="10" presetClass="entr" presetSubtype="0" fill="hold" grpId="0" nodeType="withEffect">
                                   <p:stCondLst>
                                     <p:cond delay="0"/>
                                   </p:stCondLst>
                                   <p:childTnLst>
                                     <p:set>
                                       <p:cBhvr>
-                                        <p:cTn id="17" dur="1" fill="hold">
+                                        <p:cTn id="12" dur="1" fill="hold">
                                           <p:stCondLst>
                                             <p:cond delay="0"/>
                                           </p:stCondLst>
@@ -31864,7 +33568,7 @@
                                     </p:set>
                                     <p:animEffect transition="in" filter="fade">
                                       <p:cBhvr>
-                                        <p:cTn id="18" dur="500"/>
+                                        <p:cTn id="13" dur="500"/>
                                         <p:tgtEl>
                                           <p:spTgt spid="56"/>
                                         </p:tgtEl>
@@ -31874,14 +33578,14 @@
                                 </p:cTn>
                               </p:par>
                               <p:par>
-                                <p:cTn id="19" presetID="10" presetClass="entr" presetSubtype="0" fill="hold" grpId="0" nodeType="withEffect">
+                                <p:cTn id="14" presetID="10" presetClass="entr" presetSubtype="0" fill="hold" grpId="0" nodeType="withEffect">
                                   <p:stCondLst>
                                     <p:cond delay="0"/>
                                   </p:stCondLst>
                                   <p:childTnLst>
                                     <p:set>
                                       <p:cBhvr>
-                                        <p:cTn id="20" dur="1" fill="hold">
+                                        <p:cTn id="15" dur="1" fill="hold">
                                           <p:stCondLst>
                                             <p:cond delay="0"/>
                                           </p:stCondLst>
@@ -31899,7 +33603,7 @@
                                     </p:set>
                                     <p:animEffect transition="in" filter="fade">
                                       <p:cBhvr>
-                                        <p:cTn id="21" dur="500"/>
+                                        <p:cTn id="16" dur="500"/>
                                         <p:tgtEl>
                                           <p:spTgt spid="57"/>
                                         </p:tgtEl>
@@ -31909,14 +33613,14 @@
                                 </p:cTn>
                               </p:par>
                               <p:par>
-                                <p:cTn id="22" presetID="10" presetClass="entr" presetSubtype="0" fill="hold" grpId="0" nodeType="withEffect">
+                                <p:cTn id="17" presetID="10" presetClass="entr" presetSubtype="0" fill="hold" grpId="0" nodeType="withEffect">
                                   <p:stCondLst>
                                     <p:cond delay="0"/>
                                   </p:stCondLst>
                                   <p:childTnLst>
                                     <p:set>
                                       <p:cBhvr>
-                                        <p:cTn id="23" dur="1" fill="hold">
+                                        <p:cTn id="18" dur="1" fill="hold">
                                           <p:stCondLst>
                                             <p:cond delay="0"/>
                                           </p:stCondLst>
@@ -31934,7 +33638,7 @@
                                     </p:set>
                                     <p:animEffect transition="in" filter="fade">
                                       <p:cBhvr>
-                                        <p:cTn id="24" dur="500"/>
+                                        <p:cTn id="19" dur="500"/>
                                         <p:tgtEl>
                                           <p:spTgt spid="58"/>
                                         </p:tgtEl>
@@ -31944,14 +33648,14 @@
                                 </p:cTn>
                               </p:par>
                               <p:par>
-                                <p:cTn id="25" presetID="10" presetClass="entr" presetSubtype="0" fill="hold" grpId="0" nodeType="withEffect">
+                                <p:cTn id="20" presetID="10" presetClass="entr" presetSubtype="0" fill="hold" grpId="0" nodeType="withEffect">
                                   <p:stCondLst>
                                     <p:cond delay="0"/>
                                   </p:stCondLst>
                                   <p:childTnLst>
                                     <p:set>
                                       <p:cBhvr>
-                                        <p:cTn id="26" dur="1" fill="hold">
+                                        <p:cTn id="21" dur="1" fill="hold">
                                           <p:stCondLst>
                                             <p:cond delay="0"/>
                                           </p:stCondLst>
@@ -31969,7 +33673,7 @@
                                     </p:set>
                                     <p:animEffect transition="in" filter="fade">
                                       <p:cBhvr>
-                                        <p:cTn id="27" dur="500"/>
+                                        <p:cTn id="22" dur="500"/>
                                         <p:tgtEl>
                                           <p:spTgt spid="59"/>
                                         </p:tgtEl>
@@ -31979,14 +33683,14 @@
                                 </p:cTn>
                               </p:par>
                               <p:par>
-                                <p:cTn id="28" presetID="10" presetClass="entr" presetSubtype="0" fill="hold" grpId="0" nodeType="withEffect">
+                                <p:cTn id="23" presetID="10" presetClass="entr" presetSubtype="0" fill="hold" grpId="0" nodeType="withEffect">
                                   <p:stCondLst>
                                     <p:cond delay="0"/>
                                   </p:stCondLst>
                                   <p:childTnLst>
                                     <p:set>
                                       <p:cBhvr>
-                                        <p:cTn id="29" dur="1" fill="hold">
+                                        <p:cTn id="24" dur="1" fill="hold">
                                           <p:stCondLst>
                                             <p:cond delay="0"/>
                                           </p:stCondLst>
@@ -32004,7 +33708,7 @@
                                     </p:set>
                                     <p:animEffect transition="in" filter="fade">
                                       <p:cBhvr>
-                                        <p:cTn id="30" dur="500"/>
+                                        <p:cTn id="25" dur="500"/>
                                         <p:tgtEl>
                                           <p:spTgt spid="60"/>
                                         </p:tgtEl>
@@ -32014,14 +33718,14 @@
                                 </p:cTn>
                               </p:par>
                               <p:par>
-                                <p:cTn id="31" presetID="10" presetClass="entr" presetSubtype="0" fill="hold" grpId="0" nodeType="withEffect">
+                                <p:cTn id="26" presetID="10" presetClass="entr" presetSubtype="0" fill="hold" grpId="0" nodeType="withEffect">
                                   <p:stCondLst>
                                     <p:cond delay="0"/>
                                   </p:stCondLst>
                                   <p:childTnLst>
                                     <p:set>
                                       <p:cBhvr>
-                                        <p:cTn id="32" dur="1" fill="hold">
+                                        <p:cTn id="27" dur="1" fill="hold">
                                           <p:stCondLst>
                                             <p:cond delay="0"/>
                                           </p:stCondLst>
@@ -32039,7 +33743,7 @@
                                     </p:set>
                                     <p:animEffect transition="in" filter="fade">
                                       <p:cBhvr>
-                                        <p:cTn id="33" dur="500"/>
+                                        <p:cTn id="28" dur="500"/>
                                         <p:tgtEl>
                                           <p:spTgt spid="61"/>
                                         </p:tgtEl>
@@ -32049,14 +33753,14 @@
                                 </p:cTn>
                               </p:par>
                               <p:par>
-                                <p:cTn id="34" presetID="10" presetClass="entr" presetSubtype="0" fill="hold" grpId="0" nodeType="withEffect">
+                                <p:cTn id="29" presetID="10" presetClass="entr" presetSubtype="0" fill="hold" grpId="0" nodeType="withEffect">
                                   <p:stCondLst>
                                     <p:cond delay="0"/>
                                   </p:stCondLst>
                                   <p:childTnLst>
                                     <p:set>
                                       <p:cBhvr>
-                                        <p:cTn id="35" dur="1" fill="hold">
+                                        <p:cTn id="30" dur="1" fill="hold">
                                           <p:stCondLst>
                                             <p:cond delay="0"/>
                                           </p:stCondLst>
@@ -32074,7 +33778,7 @@
                                     </p:set>
                                     <p:animEffect transition="in" filter="fade">
                                       <p:cBhvr>
-                                        <p:cTn id="36" dur="500"/>
+                                        <p:cTn id="31" dur="500"/>
                                         <p:tgtEl>
                                           <p:spTgt spid="62"/>
                                         </p:tgtEl>
@@ -32084,49 +33788,14 @@
                                 </p:cTn>
                               </p:par>
                               <p:par>
-                                <p:cTn id="37" presetID="10" presetClass="entr" presetSubtype="0" fill="hold" grpId="0" nodeType="withEffect">
+                                <p:cTn id="32" presetID="10" presetClass="entr" presetSubtype="0" fill="hold" grpId="0" nodeType="withEffect">
                                   <p:stCondLst>
                                     <p:cond delay="0"/>
                                   </p:stCondLst>
                                   <p:childTnLst>
                                     <p:set>
                                       <p:cBhvr>
-                                        <p:cTn id="38" dur="1" fill="hold">
-                                          <p:stCondLst>
-                                            <p:cond delay="0"/>
-                                          </p:stCondLst>
-                                        </p:cTn>
-                                        <p:tgtEl>
-                                          <p:spTgt spid="63"/>
-                                        </p:tgtEl>
-                                        <p:attrNameLst>
-                                          <p:attrName>style.visibility</p:attrName>
-                                        </p:attrNameLst>
-                                      </p:cBhvr>
-                                      <p:to>
-                                        <p:strVal val="visible"/>
-                                      </p:to>
-                                    </p:set>
-                                    <p:animEffect transition="in" filter="fade">
-                                      <p:cBhvr>
-                                        <p:cTn id="39" dur="500"/>
-                                        <p:tgtEl>
-                                          <p:spTgt spid="63"/>
-                                        </p:tgtEl>
-                                      </p:cBhvr>
-                                    </p:animEffect>
-                                  </p:childTnLst>
-                                </p:cTn>
-                              </p:par>
-                              <p:par>
-                                <p:cTn id="40" presetID="10" presetClass="entr" presetSubtype="0" fill="hold" grpId="0" nodeType="withEffect">
-                                  <p:stCondLst>
-                                    <p:cond delay="0"/>
-                                  </p:stCondLst>
-                                  <p:childTnLst>
-                                    <p:set>
-                                      <p:cBhvr>
-                                        <p:cTn id="41" dur="1" fill="hold">
+                                        <p:cTn id="33" dur="1" fill="hold">
                                           <p:stCondLst>
                                             <p:cond delay="0"/>
                                           </p:stCondLst>
@@ -32144,7 +33813,7 @@
                                     </p:set>
                                     <p:animEffect transition="in" filter="fade">
                                       <p:cBhvr>
-                                        <p:cTn id="42" dur="500"/>
+                                        <p:cTn id="34" dur="500"/>
                                         <p:tgtEl>
                                           <p:spTgt spid="64"/>
                                         </p:tgtEl>
@@ -32154,14 +33823,14 @@
                                 </p:cTn>
                               </p:par>
                               <p:par>
-                                <p:cTn id="43" presetID="10" presetClass="entr" presetSubtype="0" fill="hold" nodeType="withEffect">
+                                <p:cTn id="35" presetID="10" presetClass="entr" presetSubtype="0" fill="hold" nodeType="withEffect">
                                   <p:stCondLst>
                                     <p:cond delay="0"/>
                                   </p:stCondLst>
                                   <p:childTnLst>
                                     <p:set>
                                       <p:cBhvr>
-                                        <p:cTn id="44" dur="1" fill="hold">
+                                        <p:cTn id="36" dur="1" fill="hold">
                                           <p:stCondLst>
                                             <p:cond delay="0"/>
                                           </p:stCondLst>
@@ -32179,7 +33848,7 @@
                                     </p:set>
                                     <p:animEffect transition="in" filter="fade">
                                       <p:cBhvr>
-                                        <p:cTn id="45" dur="500"/>
+                                        <p:cTn id="37" dur="500"/>
                                         <p:tgtEl>
                                           <p:spTgt spid="65"/>
                                         </p:tgtEl>
@@ -32189,14 +33858,14 @@
                                 </p:cTn>
                               </p:par>
                               <p:par>
-                                <p:cTn id="46" presetID="10" presetClass="entr" presetSubtype="0" fill="hold" nodeType="withEffect">
+                                <p:cTn id="38" presetID="10" presetClass="entr" presetSubtype="0" fill="hold" nodeType="withEffect">
                                   <p:stCondLst>
                                     <p:cond delay="0"/>
                                   </p:stCondLst>
                                   <p:childTnLst>
                                     <p:set>
                                       <p:cBhvr>
-                                        <p:cTn id="47" dur="1" fill="hold">
+                                        <p:cTn id="39" dur="1" fill="hold">
                                           <p:stCondLst>
                                             <p:cond delay="0"/>
                                           </p:stCondLst>
@@ -32214,7 +33883,7 @@
                                     </p:set>
                                     <p:animEffect transition="in" filter="fade">
                                       <p:cBhvr>
-                                        <p:cTn id="48" dur="500"/>
+                                        <p:cTn id="40" dur="500"/>
                                         <p:tgtEl>
                                           <p:spTgt spid="66"/>
                                         </p:tgtEl>
@@ -32224,14 +33893,14 @@
                                 </p:cTn>
                               </p:par>
                               <p:par>
-                                <p:cTn id="49" presetID="10" presetClass="entr" presetSubtype="0" fill="hold" nodeType="withEffect">
+                                <p:cTn id="41" presetID="10" presetClass="entr" presetSubtype="0" fill="hold" nodeType="withEffect">
                                   <p:stCondLst>
                                     <p:cond delay="0"/>
                                   </p:stCondLst>
                                   <p:childTnLst>
                                     <p:set>
                                       <p:cBhvr>
-                                        <p:cTn id="50" dur="1" fill="hold">
+                                        <p:cTn id="42" dur="1" fill="hold">
                                           <p:stCondLst>
                                             <p:cond delay="0"/>
                                           </p:stCondLst>
@@ -32249,7 +33918,7 @@
                                     </p:set>
                                     <p:animEffect transition="in" filter="fade">
                                       <p:cBhvr>
-                                        <p:cTn id="51" dur="500"/>
+                                        <p:cTn id="43" dur="500"/>
                                         <p:tgtEl>
                                           <p:spTgt spid="67"/>
                                         </p:tgtEl>
@@ -32259,14 +33928,14 @@
                                 </p:cTn>
                               </p:par>
                               <p:par>
-                                <p:cTn id="52" presetID="10" presetClass="entr" presetSubtype="0" fill="hold" nodeType="withEffect">
+                                <p:cTn id="44" presetID="10" presetClass="entr" presetSubtype="0" fill="hold" nodeType="withEffect">
                                   <p:stCondLst>
                                     <p:cond delay="0"/>
                                   </p:stCondLst>
                                   <p:childTnLst>
                                     <p:set>
                                       <p:cBhvr>
-                                        <p:cTn id="53" dur="1" fill="hold">
+                                        <p:cTn id="45" dur="1" fill="hold">
                                           <p:stCondLst>
                                             <p:cond delay="0"/>
                                           </p:stCondLst>
@@ -32284,7 +33953,7 @@
                                     </p:set>
                                     <p:animEffect transition="in" filter="fade">
                                       <p:cBhvr>
-                                        <p:cTn id="54" dur="500"/>
+                                        <p:cTn id="46" dur="500"/>
                                         <p:tgtEl>
                                           <p:spTgt spid="68"/>
                                         </p:tgtEl>
@@ -32294,14 +33963,14 @@
                                 </p:cTn>
                               </p:par>
                               <p:par>
-                                <p:cTn id="55" presetID="10" presetClass="entr" presetSubtype="0" fill="hold" nodeType="withEffect">
+                                <p:cTn id="47" presetID="10" presetClass="entr" presetSubtype="0" fill="hold" nodeType="withEffect">
                                   <p:stCondLst>
                                     <p:cond delay="0"/>
                                   </p:stCondLst>
                                   <p:childTnLst>
                                     <p:set>
                                       <p:cBhvr>
-                                        <p:cTn id="56" dur="1" fill="hold">
+                                        <p:cTn id="48" dur="1" fill="hold">
                                           <p:stCondLst>
                                             <p:cond delay="0"/>
                                           </p:stCondLst>
@@ -32319,7 +33988,7 @@
                                     </p:set>
                                     <p:animEffect transition="in" filter="fade">
                                       <p:cBhvr>
-                                        <p:cTn id="57" dur="500"/>
+                                        <p:cTn id="49" dur="500"/>
                                         <p:tgtEl>
                                           <p:spTgt spid="69"/>
                                         </p:tgtEl>
@@ -32329,14 +33998,14 @@
                                 </p:cTn>
                               </p:par>
                               <p:par>
-                                <p:cTn id="58" presetID="10" presetClass="entr" presetSubtype="0" fill="hold" nodeType="withEffect">
+                                <p:cTn id="50" presetID="10" presetClass="entr" presetSubtype="0" fill="hold" nodeType="withEffect">
                                   <p:stCondLst>
                                     <p:cond delay="0"/>
                                   </p:stCondLst>
                                   <p:childTnLst>
                                     <p:set>
                                       <p:cBhvr>
-                                        <p:cTn id="59" dur="1" fill="hold">
+                                        <p:cTn id="51" dur="1" fill="hold">
                                           <p:stCondLst>
                                             <p:cond delay="0"/>
                                           </p:stCondLst>
@@ -32354,7 +34023,7 @@
                                     </p:set>
                                     <p:animEffect transition="in" filter="fade">
                                       <p:cBhvr>
-                                        <p:cTn id="60" dur="500"/>
+                                        <p:cTn id="52" dur="500"/>
                                         <p:tgtEl>
                                           <p:spTgt spid="70"/>
                                         </p:tgtEl>
@@ -32364,14 +34033,14 @@
                                 </p:cTn>
                               </p:par>
                               <p:par>
-                                <p:cTn id="61" presetID="10" presetClass="entr" presetSubtype="0" fill="hold" nodeType="withEffect">
+                                <p:cTn id="53" presetID="10" presetClass="entr" presetSubtype="0" fill="hold" nodeType="withEffect">
                                   <p:stCondLst>
                                     <p:cond delay="0"/>
                                   </p:stCondLst>
                                   <p:childTnLst>
                                     <p:set>
                                       <p:cBhvr>
-                                        <p:cTn id="62" dur="1" fill="hold">
+                                        <p:cTn id="54" dur="1" fill="hold">
                                           <p:stCondLst>
                                             <p:cond delay="0"/>
                                           </p:stCondLst>
@@ -32389,7 +34058,7 @@
                                     </p:set>
                                     <p:animEffect transition="in" filter="fade">
                                       <p:cBhvr>
-                                        <p:cTn id="63" dur="500"/>
+                                        <p:cTn id="55" dur="500"/>
                                         <p:tgtEl>
                                           <p:spTgt spid="71"/>
                                         </p:tgtEl>
@@ -32399,49 +34068,14 @@
                                 </p:cTn>
                               </p:par>
                               <p:par>
-                                <p:cTn id="64" presetID="10" presetClass="entr" presetSubtype="0" fill="hold" nodeType="withEffect">
+                                <p:cTn id="56" presetID="10" presetClass="entr" presetSubtype="0" fill="hold" nodeType="withEffect">
                                   <p:stCondLst>
                                     <p:cond delay="0"/>
                                   </p:stCondLst>
                                   <p:childTnLst>
                                     <p:set>
                                       <p:cBhvr>
-                                        <p:cTn id="65" dur="1" fill="hold">
-                                          <p:stCondLst>
-                                            <p:cond delay="0"/>
-                                          </p:stCondLst>
-                                        </p:cTn>
-                                        <p:tgtEl>
-                                          <p:spTgt spid="72"/>
-                                        </p:tgtEl>
-                                        <p:attrNameLst>
-                                          <p:attrName>style.visibility</p:attrName>
-                                        </p:attrNameLst>
-                                      </p:cBhvr>
-                                      <p:to>
-                                        <p:strVal val="visible"/>
-                                      </p:to>
-                                    </p:set>
-                                    <p:animEffect transition="in" filter="fade">
-                                      <p:cBhvr>
-                                        <p:cTn id="66" dur="500"/>
-                                        <p:tgtEl>
-                                          <p:spTgt spid="72"/>
-                                        </p:tgtEl>
-                                      </p:cBhvr>
-                                    </p:animEffect>
-                                  </p:childTnLst>
-                                </p:cTn>
-                              </p:par>
-                              <p:par>
-                                <p:cTn id="67" presetID="10" presetClass="entr" presetSubtype="0" fill="hold" nodeType="withEffect">
-                                  <p:stCondLst>
-                                    <p:cond delay="0"/>
-                                  </p:stCondLst>
-                                  <p:childTnLst>
-                                    <p:set>
-                                      <p:cBhvr>
-                                        <p:cTn id="68" dur="1" fill="hold">
+                                        <p:cTn id="57" dur="1" fill="hold">
                                           <p:stCondLst>
                                             <p:cond delay="0"/>
                                           </p:stCondLst>
@@ -32459,7 +34093,7 @@
                                     </p:set>
                                     <p:animEffect transition="in" filter="fade">
                                       <p:cBhvr>
-                                        <p:cTn id="69" dur="500"/>
+                                        <p:cTn id="58" dur="500"/>
                                         <p:tgtEl>
                                           <p:spTgt spid="73"/>
                                         </p:tgtEl>
@@ -32469,14 +34103,14 @@
                                 </p:cTn>
                               </p:par>
                               <p:par>
-                                <p:cTn id="70" presetID="10" presetClass="entr" presetSubtype="0" fill="hold" grpId="0" nodeType="withEffect">
+                                <p:cTn id="59" presetID="10" presetClass="entr" presetSubtype="0" fill="hold" grpId="0" nodeType="withEffect">
                                   <p:stCondLst>
                                     <p:cond delay="0"/>
                                   </p:stCondLst>
                                   <p:childTnLst>
                                     <p:set>
                                       <p:cBhvr>
-                                        <p:cTn id="71" dur="1" fill="hold">
+                                        <p:cTn id="60" dur="1" fill="hold">
                                           <p:stCondLst>
                                             <p:cond delay="0"/>
                                           </p:stCondLst>
@@ -32494,7 +34128,7 @@
                                     </p:set>
                                     <p:animEffect transition="in" filter="fade">
                                       <p:cBhvr>
-                                        <p:cTn id="72" dur="500"/>
+                                        <p:cTn id="61" dur="500"/>
                                         <p:tgtEl>
                                           <p:spTgt spid="79"/>
                                         </p:tgtEl>
@@ -32504,14 +34138,14 @@
                                 </p:cTn>
                               </p:par>
                               <p:par>
-                                <p:cTn id="73" presetID="10" presetClass="entr" presetSubtype="0" fill="hold" grpId="0" nodeType="withEffect">
+                                <p:cTn id="62" presetID="10" presetClass="entr" presetSubtype="0" fill="hold" grpId="0" nodeType="withEffect">
                                   <p:stCondLst>
                                     <p:cond delay="0"/>
                                   </p:stCondLst>
                                   <p:childTnLst>
                                     <p:set>
                                       <p:cBhvr>
-                                        <p:cTn id="74" dur="1" fill="hold">
+                                        <p:cTn id="63" dur="1" fill="hold">
                                           <p:stCondLst>
                                             <p:cond delay="0"/>
                                           </p:stCondLst>
@@ -32529,7 +34163,7 @@
                                     </p:set>
                                     <p:animEffect transition="in" filter="fade">
                                       <p:cBhvr>
-                                        <p:cTn id="75" dur="500"/>
+                                        <p:cTn id="64" dur="500"/>
                                         <p:tgtEl>
                                           <p:spTgt spid="80"/>
                                         </p:tgtEl>
@@ -32539,14 +34173,14 @@
                                 </p:cTn>
                               </p:par>
                               <p:par>
-                                <p:cTn id="76" presetID="10" presetClass="entr" presetSubtype="0" fill="hold" grpId="0" nodeType="withEffect">
+                                <p:cTn id="65" presetID="10" presetClass="entr" presetSubtype="0" fill="hold" grpId="0" nodeType="withEffect">
                                   <p:stCondLst>
                                     <p:cond delay="0"/>
                                   </p:stCondLst>
                                   <p:childTnLst>
                                     <p:set>
                                       <p:cBhvr>
-                                        <p:cTn id="77" dur="1" fill="hold">
+                                        <p:cTn id="66" dur="1" fill="hold">
                                           <p:stCondLst>
                                             <p:cond delay="0"/>
                                           </p:stCondLst>
@@ -32564,9 +34198,132 @@
                                     </p:set>
                                     <p:animEffect transition="in" filter="fade">
                                       <p:cBhvr>
+                                        <p:cTn id="67" dur="500"/>
+                                        <p:tgtEl>
+                                          <p:spTgt spid="81"/>
+                                        </p:tgtEl>
+                                      </p:cBhvr>
+                                    </p:animEffect>
+                                  </p:childTnLst>
+                                </p:cTn>
+                              </p:par>
+                              <p:par>
+                                <p:cTn id="68" presetID="10" presetClass="entr" presetSubtype="0" fill="hold" grpId="0" nodeType="withEffect">
+                                  <p:stCondLst>
+                                    <p:cond delay="0"/>
+                                  </p:stCondLst>
+                                  <p:childTnLst>
+                                    <p:set>
+                                      <p:cBhvr>
+                                        <p:cTn id="69" dur="1" fill="hold">
+                                          <p:stCondLst>
+                                            <p:cond delay="0"/>
+                                          </p:stCondLst>
+                                        </p:cTn>
+                                        <p:tgtEl>
+                                          <p:spTgt spid="82"/>
+                                        </p:tgtEl>
+                                        <p:attrNameLst>
+                                          <p:attrName>style.visibility</p:attrName>
+                                        </p:attrNameLst>
+                                      </p:cBhvr>
+                                      <p:to>
+                                        <p:strVal val="visible"/>
+                                      </p:to>
+                                    </p:set>
+                                    <p:animEffect transition="in" filter="fade">
+                                      <p:cBhvr>
+                                        <p:cTn id="70" dur="500"/>
+                                        <p:tgtEl>
+                                          <p:spTgt spid="82"/>
+                                        </p:tgtEl>
+                                      </p:cBhvr>
+                                    </p:animEffect>
+                                  </p:childTnLst>
+                                </p:cTn>
+                              </p:par>
+                              <p:par>
+                                <p:cTn id="71" presetID="10" presetClass="entr" presetSubtype="0" fill="hold" grpId="0" nodeType="withEffect">
+                                  <p:stCondLst>
+                                    <p:cond delay="0"/>
+                                  </p:stCondLst>
+                                  <p:childTnLst>
+                                    <p:set>
+                                      <p:cBhvr>
+                                        <p:cTn id="72" dur="1" fill="hold">
+                                          <p:stCondLst>
+                                            <p:cond delay="0"/>
+                                          </p:stCondLst>
+                                        </p:cTn>
+                                        <p:tgtEl>
+                                          <p:spTgt spid="83"/>
+                                        </p:tgtEl>
+                                        <p:attrNameLst>
+                                          <p:attrName>style.visibility</p:attrName>
+                                        </p:attrNameLst>
+                                      </p:cBhvr>
+                                      <p:to>
+                                        <p:strVal val="visible"/>
+                                      </p:to>
+                                    </p:set>
+                                    <p:animEffect transition="in" filter="fade">
+                                      <p:cBhvr>
+                                        <p:cTn id="73" dur="500"/>
+                                        <p:tgtEl>
+                                          <p:spTgt spid="83"/>
+                                        </p:tgtEl>
+                                      </p:cBhvr>
+                                    </p:animEffect>
+                                  </p:childTnLst>
+                                </p:cTn>
+                              </p:par>
+                            </p:childTnLst>
+                          </p:cTn>
+                        </p:par>
+                      </p:childTnLst>
+                    </p:cTn>
+                  </p:par>
+                  <p:par>
+                    <p:cTn id="74" fill="hold">
+                      <p:stCondLst>
+                        <p:cond delay="indefinite"/>
+                      </p:stCondLst>
+                      <p:childTnLst>
+                        <p:par>
+                          <p:cTn id="75" fill="hold">
+                            <p:stCondLst>
+                              <p:cond delay="0"/>
+                            </p:stCondLst>
+                            <p:childTnLst>
+                              <p:par>
+                                <p:cTn id="76" presetID="10" presetClass="entr" presetSubtype="0" fill="hold" grpId="0" nodeType="clickEffect">
+                                  <p:stCondLst>
+                                    <p:cond delay="0"/>
+                                  </p:stCondLst>
+                                  <p:childTnLst>
+                                    <p:set>
+                                      <p:cBhvr>
+                                        <p:cTn id="77" dur="1" fill="hold">
+                                          <p:stCondLst>
+                                            <p:cond delay="0"/>
+                                          </p:stCondLst>
+                                        </p:cTn>
+                                        <p:tgtEl>
+                                          <p:spTgt spid="3"/>
+                                        </p:tgtEl>
+                                        <p:attrNameLst>
+                                          <p:attrName>style.visibility</p:attrName>
+                                        </p:attrNameLst>
+                                      </p:cBhvr>
+                                      <p:to>
+                                        <p:strVal val="visible"/>
+                                      </p:to>
+                                    </p:set>
+                                    <p:animEffect transition="in" filter="fade">
+                                      <p:cBhvr>
                                         <p:cTn id="78" dur="500"/>
                                         <p:tgtEl>
-                                          <p:spTgt spid="81"/>
+                                          <p:spTgt spid="3"/>
                                         </p:tgtEl>
                                       </p:cBhvr>
                                     </p:animEffect>
@@ -32587,7 +34344,7 @@
                                           </p:stCondLst>
                                         </p:cTn>
                                         <p:tgtEl>
-                                          <p:spTgt spid="82"/>
+                                          <p:spTgt spid="54"/>
                                         </p:tgtEl>
                                         <p:attrNameLst>
                                           <p:attrName>style.visibility</p:attrName>
@@ -32601,7 +34358,7 @@
                                       <p:cBhvr>
                                         <p:cTn id="81" dur="500"/>
                                         <p:tgtEl>
-                                          <p:spTgt spid="82"/>
+                                          <p:spTgt spid="54"/>
                                         </p:tgtEl>
                                       </p:cBhvr>
                                     </p:animEffect>
@@ -32622,7 +34379,7 @@
                                           </p:stCondLst>
                                         </p:cTn>
                                         <p:tgtEl>
-                                          <p:spTgt spid="83"/>
+                                          <p:spTgt spid="74"/>
                                         </p:tgtEl>
                                         <p:attrNameLst>
                                           <p:attrName>style.visibility</p:attrName>
@@ -32636,7 +34393,42 @@
                                       <p:cBhvr>
                                         <p:cTn id="84" dur="500"/>
                                         <p:tgtEl>
-                                          <p:spTgt spid="83"/>
+                                          <p:spTgt spid="74"/>
+                                        </p:tgtEl>
+                                      </p:cBhvr>
+                                    </p:animEffect>
+                                  </p:childTnLst>
+                                </p:cTn>
+                              </p:par>
+                              <p:par>
+                                <p:cTn id="85" presetID="10" presetClass="entr" presetSubtype="0" fill="hold" grpId="0" nodeType="withEffect">
+                                  <p:stCondLst>
+                                    <p:cond delay="0"/>
+                                  </p:stCondLst>
+                                  <p:childTnLst>
+                                    <p:set>
+                                      <p:cBhvr>
+                                        <p:cTn id="86" dur="1" fill="hold">
+                                          <p:stCondLst>
+                                            <p:cond delay="0"/>
+                                          </p:stCondLst>
+                                        </p:cTn>
+                                        <p:tgtEl>
+                                          <p:spTgt spid="53"/>
+                                        </p:tgtEl>
+                                        <p:attrNameLst>
+                                          <p:attrName>style.visibility</p:attrName>
+                                        </p:attrNameLst>
+                                      </p:cBhvr>
+                                      <p:to>
+                                        <p:strVal val="visible"/>
+                                      </p:to>
+                                    </p:set>
+                                    <p:animEffect transition="in" filter="fade">
+                                      <p:cBhvr>
+                                        <p:cTn id="87" dur="500"/>
+                                        <p:tgtEl>
+                                          <p:spTgt spid="53"/>
                                         </p:tgtEl>
                                       </p:cBhvr>
                                     </p:animEffect>
@@ -32650,26 +34442,26 @@
                     </p:cTn>
                   </p:par>
                   <p:par>
-                    <p:cTn id="85" fill="hold">
+                    <p:cTn id="88" fill="hold">
                       <p:stCondLst>
                         <p:cond delay="indefinite"/>
                       </p:stCondLst>
                       <p:childTnLst>
                         <p:par>
-                          <p:cTn id="86" fill="hold">
+                          <p:cTn id="89" fill="hold">
                             <p:stCondLst>
                               <p:cond delay="0"/>
                             </p:stCondLst>
                             <p:childTnLst>
                               <p:par>
-                                <p:cTn id="87" presetID="10" presetClass="entr" presetSubtype="0" fill="hold" nodeType="clickEffect">
+                                <p:cTn id="90" presetID="10" presetClass="entr" presetSubtype="0" fill="hold" nodeType="clickEffect">
                                   <p:stCondLst>
                                     <p:cond delay="0"/>
                                   </p:stCondLst>
                                   <p:childTnLst>
                                     <p:set>
                                       <p:cBhvr>
-                                        <p:cTn id="88" dur="1" fill="hold">
+                                        <p:cTn id="91" dur="1" fill="hold">
                                           <p:stCondLst>
                                             <p:cond delay="0"/>
                                           </p:stCondLst>
@@ -32687,44 +34479,9 @@
                                     </p:set>
                                     <p:animEffect transition="in" filter="fade">
                                       <p:cBhvr>
-                                        <p:cTn id="89" dur="500"/>
+                                        <p:cTn id="92" dur="500"/>
                                         <p:tgtEl>
                                           <p:spTgt spid="20"/>
-                                        </p:tgtEl>
-                                      </p:cBhvr>
-                                    </p:animEffect>
-                                  </p:childTnLst>
-                                </p:cTn>
-                              </p:par>
-                              <p:par>
-                                <p:cTn id="90" presetID="10" presetClass="entr" presetSubtype="0" fill="hold" grpId="0" nodeType="withEffect">
-                                  <p:stCondLst>
-                                    <p:cond delay="0"/>
-                                  </p:stCondLst>
-                                  <p:childTnLst>
-                                    <p:set>
-                                      <p:cBhvr>
-                                        <p:cTn id="91" dur="1" fill="hold">
-                                          <p:stCondLst>
-                                            <p:cond delay="0"/>
-                                          </p:stCondLst>
-                                        </p:cTn>
-                                        <p:tgtEl>
-                                          <p:spTgt spid="84"/>
-                                        </p:tgtEl>
-                                        <p:attrNameLst>
-                                          <p:attrName>style.visibility</p:attrName>
-                                        </p:attrNameLst>
-                                      </p:cBhvr>
-                                      <p:to>
-                                        <p:strVal val="visible"/>
-                                      </p:to>
-                                    </p:set>
-                                    <p:animEffect transition="in" filter="fade">
-                                      <p:cBhvr>
-                                        <p:cTn id="92" dur="500"/>
-                                        <p:tgtEl>
-                                          <p:spTgt spid="84"/>
                                         </p:tgtEl>
                                       </p:cBhvr>
                                     </p:animEffect>
@@ -32745,7 +34502,7 @@
                                           </p:stCondLst>
                                         </p:cTn>
                                         <p:tgtEl>
-                                          <p:spTgt spid="12"/>
+                                          <p:spTgt spid="84"/>
                                         </p:tgtEl>
                                         <p:attrNameLst>
                                           <p:attrName>style.visibility</p:attrName>
@@ -32759,7 +34516,7 @@
                                       <p:cBhvr>
                                         <p:cTn id="95" dur="500"/>
                                         <p:tgtEl>
-                                          <p:spTgt spid="12"/>
+                                          <p:spTgt spid="84"/>
                                         </p:tgtEl>
                                       </p:cBhvr>
                                     </p:animEffect>
@@ -32780,7 +34537,7 @@
                                           </p:stCondLst>
                                         </p:cTn>
                                         <p:tgtEl>
-                                          <p:spTgt spid="9"/>
+                                          <p:spTgt spid="12"/>
                                         </p:tgtEl>
                                         <p:attrNameLst>
                                           <p:attrName>style.visibility</p:attrName>
@@ -32794,6 +34551,41 @@
                                       <p:cBhvr>
                                         <p:cTn id="98" dur="500"/>
                                         <p:tgtEl>
+                                          <p:spTgt spid="12"/>
+                                        </p:tgtEl>
+                                      </p:cBhvr>
+                                    </p:animEffect>
+                                  </p:childTnLst>
+                                </p:cTn>
+                              </p:par>
+                              <p:par>
+                                <p:cTn id="99" presetID="10" presetClass="entr" presetSubtype="0" fill="hold" grpId="0" nodeType="withEffect">
+                                  <p:stCondLst>
+                                    <p:cond delay="0"/>
+                                  </p:stCondLst>
+                                  <p:childTnLst>
+                                    <p:set>
+                                      <p:cBhvr>
+                                        <p:cTn id="100" dur="1" fill="hold">
+                                          <p:stCondLst>
+                                            <p:cond delay="0"/>
+                                          </p:stCondLst>
+                                        </p:cTn>
+                                        <p:tgtEl>
+                                          <p:spTgt spid="9"/>
+                                        </p:tgtEl>
+                                        <p:attrNameLst>
+                                          <p:attrName>style.visibility</p:attrName>
+                                        </p:attrNameLst>
+                                      </p:cBhvr>
+                                      <p:to>
+                                        <p:strVal val="visible"/>
+                                      </p:to>
+                                    </p:set>
+                                    <p:animEffect transition="in" filter="fade">
+                                      <p:cBhvr>
+                                        <p:cTn id="101" dur="500"/>
+                                        <p:tgtEl>
                                           <p:spTgt spid="9"/>
                                         </p:tgtEl>
                                       </p:cBhvr>
@@ -32802,14 +34594,14 @@
                                 </p:cTn>
                               </p:par>
                               <p:par>
-                                <p:cTn id="99" presetID="10" presetClass="entr" presetSubtype="0" fill="hold" nodeType="withEffect">
+                                <p:cTn id="102" presetID="10" presetClass="entr" presetSubtype="0" fill="hold" nodeType="withEffect">
                                   <p:stCondLst>
                                     <p:cond delay="0"/>
                                   </p:stCondLst>
                                   <p:childTnLst>
                                     <p:set>
                                       <p:cBhvr>
-                                        <p:cTn id="100" dur="1" fill="hold">
+                                        <p:cTn id="103" dur="1" fill="hold">
                                           <p:stCondLst>
                                             <p:cond delay="0"/>
                                           </p:stCondLst>
@@ -32827,7 +34619,7 @@
                                     </p:set>
                                     <p:animEffect transition="in" filter="fade">
                                       <p:cBhvr>
-                                        <p:cTn id="101" dur="500"/>
+                                        <p:cTn id="104" dur="500"/>
                                         <p:tgtEl>
                                           <p:spTgt spid="19"/>
                                         </p:tgtEl>
@@ -32837,14 +34629,14 @@
                                 </p:cTn>
                               </p:par>
                               <p:par>
-                                <p:cTn id="102" presetID="10" presetClass="entr" presetSubtype="0" fill="hold" grpId="0" nodeType="withEffect">
+                                <p:cTn id="105" presetID="10" presetClass="entr" presetSubtype="0" fill="hold" grpId="0" nodeType="withEffect">
                                   <p:stCondLst>
                                     <p:cond delay="0"/>
                                   </p:stCondLst>
                                   <p:childTnLst>
                                     <p:set>
                                       <p:cBhvr>
-                                        <p:cTn id="103" dur="1" fill="hold">
+                                        <p:cTn id="106" dur="1" fill="hold">
                                           <p:stCondLst>
                                             <p:cond delay="0"/>
                                           </p:stCondLst>
@@ -32862,7 +34654,7 @@
                                     </p:set>
                                     <p:animEffect transition="in" filter="fade">
                                       <p:cBhvr>
-                                        <p:cTn id="104" dur="500"/>
+                                        <p:cTn id="107" dur="500"/>
                                         <p:tgtEl>
                                           <p:spTgt spid="6"/>
                                         </p:tgtEl>
@@ -32872,14 +34664,14 @@
                                 </p:cTn>
                               </p:par>
                               <p:par>
-                                <p:cTn id="105" presetID="10" presetClass="entr" presetSubtype="0" fill="hold" nodeType="withEffect">
+                                <p:cTn id="108" presetID="10" presetClass="entr" presetSubtype="0" fill="hold" nodeType="withEffect">
                                   <p:stCondLst>
                                     <p:cond delay="0"/>
                                   </p:stCondLst>
                                   <p:childTnLst>
                                     <p:set>
                                       <p:cBhvr>
-                                        <p:cTn id="106" dur="1" fill="hold">
+                                        <p:cTn id="109" dur="1" fill="hold">
                                           <p:stCondLst>
                                             <p:cond delay="0"/>
                                           </p:stCondLst>
@@ -32897,7 +34689,7 @@
                                     </p:set>
                                     <p:animEffect transition="in" filter="fade">
                                       <p:cBhvr>
-                                        <p:cTn id="107" dur="500"/>
+                                        <p:cTn id="110" dur="500"/>
                                         <p:tgtEl>
                                           <p:spTgt spid="15"/>
                                         </p:tgtEl>
@@ -32907,14 +34699,14 @@
                                 </p:cTn>
                               </p:par>
                               <p:par>
-                                <p:cTn id="108" presetID="10" presetClass="entr" presetSubtype="0" fill="hold" grpId="0" nodeType="withEffect">
+                                <p:cTn id="111" presetID="10" presetClass="entr" presetSubtype="0" fill="hold" grpId="0" nodeType="withEffect">
                                   <p:stCondLst>
                                     <p:cond delay="0"/>
                                   </p:stCondLst>
                                   <p:childTnLst>
                                     <p:set>
                                       <p:cBhvr>
-                                        <p:cTn id="109" dur="1" fill="hold">
+                                        <p:cTn id="112" dur="1" fill="hold">
                                           <p:stCondLst>
                                             <p:cond delay="0"/>
                                           </p:stCondLst>
@@ -32932,7 +34724,7 @@
                                     </p:set>
                                     <p:animEffect transition="in" filter="fade">
                                       <p:cBhvr>
-                                        <p:cTn id="110" dur="500"/>
+                                        <p:cTn id="113" dur="500"/>
                                         <p:tgtEl>
                                           <p:spTgt spid="5"/>
                                         </p:tgtEl>
@@ -32942,14 +34734,14 @@
                                 </p:cTn>
                               </p:par>
                               <p:par>
-                                <p:cTn id="111" presetID="10" presetClass="entr" presetSubtype="0" fill="hold" nodeType="withEffect">
+                                <p:cTn id="114" presetID="10" presetClass="entr" presetSubtype="0" fill="hold" nodeType="withEffect">
                                   <p:stCondLst>
                                     <p:cond delay="0"/>
                                   </p:stCondLst>
                                   <p:childTnLst>
                                     <p:set>
                                       <p:cBhvr>
-                                        <p:cTn id="112" dur="1" fill="hold">
+                                        <p:cTn id="115" dur="1" fill="hold">
                                           <p:stCondLst>
                                             <p:cond delay="0"/>
                                           </p:stCondLst>
@@ -32967,7 +34759,7 @@
                                     </p:set>
                                     <p:animEffect transition="in" filter="fade">
                                       <p:cBhvr>
-                                        <p:cTn id="113" dur="500"/>
+                                        <p:cTn id="116" dur="500"/>
                                         <p:tgtEl>
                                           <p:spTgt spid="16"/>
                                         </p:tgtEl>
@@ -32977,14 +34769,14 @@
                                 </p:cTn>
                               </p:par>
                               <p:par>
-                                <p:cTn id="114" presetID="10" presetClass="entr" presetSubtype="0" fill="hold" grpId="0" nodeType="withEffect">
+                                <p:cTn id="117" presetID="10" presetClass="entr" presetSubtype="0" fill="hold" grpId="0" nodeType="withEffect">
                                   <p:stCondLst>
                                     <p:cond delay="0"/>
                                   </p:stCondLst>
                                   <p:childTnLst>
                                     <p:set>
                                       <p:cBhvr>
-                                        <p:cTn id="115" dur="1" fill="hold">
+                                        <p:cTn id="118" dur="1" fill="hold">
                                           <p:stCondLst>
                                             <p:cond delay="0"/>
                                           </p:stCondLst>
@@ -33002,7 +34794,7 @@
                                     </p:set>
                                     <p:animEffect transition="in" filter="fade">
                                       <p:cBhvr>
-                                        <p:cTn id="116" dur="500"/>
+                                        <p:cTn id="119" dur="500"/>
                                         <p:tgtEl>
                                           <p:spTgt spid="7"/>
                                         </p:tgtEl>
@@ -33012,14 +34804,14 @@
                                 </p:cTn>
                               </p:par>
                               <p:par>
-                                <p:cTn id="117" presetID="10" presetClass="entr" presetSubtype="0" fill="hold" nodeType="withEffect">
+                                <p:cTn id="120" presetID="10" presetClass="entr" presetSubtype="0" fill="hold" nodeType="withEffect">
                                   <p:stCondLst>
                                     <p:cond delay="0"/>
                                   </p:stCondLst>
                                   <p:childTnLst>
                                     <p:set>
                                       <p:cBhvr>
-                                        <p:cTn id="118" dur="1" fill="hold">
+                                        <p:cTn id="121" dur="1" fill="hold">
                                           <p:stCondLst>
                                             <p:cond delay="0"/>
                                           </p:stCondLst>
@@ -33037,7 +34829,7 @@
                                     </p:set>
                                     <p:animEffect transition="in" filter="fade">
                                       <p:cBhvr>
-                                        <p:cTn id="119" dur="500"/>
+                                        <p:cTn id="122" dur="500"/>
                                         <p:tgtEl>
                                           <p:spTgt spid="18"/>
                                         </p:tgtEl>
@@ -33047,14 +34839,14 @@
                                 </p:cTn>
                               </p:par>
                               <p:par>
-                                <p:cTn id="120" presetID="10" presetClass="entr" presetSubtype="0" fill="hold" grpId="0" nodeType="withEffect">
+                                <p:cTn id="123" presetID="10" presetClass="entr" presetSubtype="0" fill="hold" grpId="0" nodeType="withEffect">
                                   <p:stCondLst>
                                     <p:cond delay="0"/>
                                   </p:stCondLst>
                                   <p:childTnLst>
                                     <p:set>
                                       <p:cBhvr>
-                                        <p:cTn id="121" dur="1" fill="hold">
+                                        <p:cTn id="124" dur="1" fill="hold">
                                           <p:stCondLst>
                                             <p:cond delay="0"/>
                                           </p:stCondLst>
@@ -33072,7 +34864,7 @@
                                     </p:set>
                                     <p:animEffect transition="in" filter="fade">
                                       <p:cBhvr>
-                                        <p:cTn id="122" dur="500"/>
+                                        <p:cTn id="125" dur="500"/>
                                         <p:tgtEl>
                                           <p:spTgt spid="8"/>
                                         </p:tgtEl>
@@ -33082,14 +34874,14 @@
                                 </p:cTn>
                               </p:par>
                               <p:par>
-                                <p:cTn id="123" presetID="10" presetClass="entr" presetSubtype="0" fill="hold" nodeType="withEffect">
+                                <p:cTn id="126" presetID="10" presetClass="entr" presetSubtype="0" fill="hold" nodeType="withEffect">
                                   <p:stCondLst>
                                     <p:cond delay="0"/>
                                   </p:stCondLst>
                                   <p:childTnLst>
                                     <p:set>
                                       <p:cBhvr>
-                                        <p:cTn id="124" dur="1" fill="hold">
+                                        <p:cTn id="127" dur="1" fill="hold">
                                           <p:stCondLst>
                                             <p:cond delay="0"/>
                                           </p:stCondLst>
@@ -33107,44 +34899,9 @@
                                     </p:set>
                                     <p:animEffect transition="in" filter="fade">
                                       <p:cBhvr>
-                                        <p:cTn id="125" dur="500"/>
+                                        <p:cTn id="128" dur="500"/>
                                         <p:tgtEl>
                                           <p:spTgt spid="21"/>
-                                        </p:tgtEl>
-                                      </p:cBhvr>
-                                    </p:animEffect>
-                                  </p:childTnLst>
-                                </p:cTn>
-                              </p:par>
-                              <p:par>
-                                <p:cTn id="126" presetID="10" presetClass="entr" presetSubtype="0" fill="hold" grpId="0" nodeType="withEffect">
-                                  <p:stCondLst>
-                                    <p:cond delay="0"/>
-                                  </p:stCondLst>
-                                  <p:childTnLst>
-                                    <p:set>
-                                      <p:cBhvr>
-                                        <p:cTn id="127" dur="1" fill="hold">
-                                          <p:stCondLst>
-                                            <p:cond delay="0"/>
-                                          </p:stCondLst>
-                                        </p:cTn>
-                                        <p:tgtEl>
-                                          <p:spTgt spid="11"/>
-                                        </p:tgtEl>
-                                        <p:attrNameLst>
-                                          <p:attrName>style.visibility</p:attrName>
-                                        </p:attrNameLst>
-                                      </p:cBhvr>
-                                      <p:to>
-                                        <p:strVal val="visible"/>
-                                      </p:to>
-                                    </p:set>
-                                    <p:animEffect transition="in" filter="fade">
-                                      <p:cBhvr>
-                                        <p:cTn id="128" dur="500"/>
-                                        <p:tgtEl>
-                                          <p:spTgt spid="11"/>
                                         </p:tgtEl>
                                       </p:cBhvr>
                                     </p:animEffect>
@@ -33165,7 +34922,7 @@
                                           </p:stCondLst>
                                         </p:cTn>
                                         <p:tgtEl>
-                                          <p:spTgt spid="13"/>
+                                          <p:spTgt spid="11"/>
                                         </p:tgtEl>
                                         <p:attrNameLst>
                                           <p:attrName>style.visibility</p:attrName>
@@ -33179,7 +34936,7 @@
                                       <p:cBhvr>
                                         <p:cTn id="131" dur="500"/>
                                         <p:tgtEl>
-                                          <p:spTgt spid="13"/>
+                                          <p:spTgt spid="11"/>
                                         </p:tgtEl>
                                       </p:cBhvr>
                                     </p:animEffect>
@@ -33187,7 +34944,7 @@
                                 </p:cTn>
                               </p:par>
                               <p:par>
-                                <p:cTn id="132" presetID="10" presetClass="entr" presetSubtype="0" fill="hold" nodeType="withEffect">
+                                <p:cTn id="132" presetID="10" presetClass="entr" presetSubtype="0" fill="hold" grpId="0" nodeType="withEffect">
                                   <p:stCondLst>
                                     <p:cond delay="0"/>
                                   </p:stCondLst>
@@ -33195,41 +34952,6 @@
                                     <p:set>
                                       <p:cBhvr>
                                         <p:cTn id="133" dur="1" fill="hold">
-                                          <p:stCondLst>
-                                            <p:cond delay="0"/>
-                                          </p:stCondLst>
-                                        </p:cTn>
-                                        <p:tgtEl>
-                                          <p:spTgt spid="22"/>
-                                        </p:tgtEl>
-                                        <p:attrNameLst>
-                                          <p:attrName>style.visibility</p:attrName>
-                                        </p:attrNameLst>
-                                      </p:cBhvr>
-                                      <p:to>
-                                        <p:strVal val="visible"/>
-                                      </p:to>
-                                    </p:set>
-                                    <p:animEffect transition="in" filter="fade">
-                                      <p:cBhvr>
-                                        <p:cTn id="134" dur="500"/>
-                                        <p:tgtEl>
-                                          <p:spTgt spid="22"/>
-                                        </p:tgtEl>
-                                      </p:cBhvr>
-                                    </p:animEffect>
-                                  </p:childTnLst>
-                                </p:cTn>
-                              </p:par>
-                              <p:par>
-                                <p:cTn id="135" presetID="10" presetClass="entr" presetSubtype="0" fill="hold" grpId="0" nodeType="withEffect">
-                                  <p:stCondLst>
-                                    <p:cond delay="0"/>
-                                  </p:stCondLst>
-                                  <p:childTnLst>
-                                    <p:set>
-                                      <p:cBhvr>
-                                        <p:cTn id="136" dur="1" fill="hold">
                                           <p:stCondLst>
                                             <p:cond delay="0"/>
                                           </p:stCondLst>
@@ -33247,9 +34969,44 @@
                                     </p:set>
                                     <p:animEffect transition="in" filter="fade">
                                       <p:cBhvr>
+                                        <p:cTn id="134" dur="500"/>
+                                        <p:tgtEl>
+                                          <p:spTgt spid="10"/>
+                                        </p:tgtEl>
+                                      </p:cBhvr>
+                                    </p:animEffect>
+                                  </p:childTnLst>
+                                </p:cTn>
+                              </p:par>
+                              <p:par>
+                                <p:cTn id="135" presetID="10" presetClass="entr" presetSubtype="0" fill="hold" nodeType="withEffect">
+                                  <p:stCondLst>
+                                    <p:cond delay="0"/>
+                                  </p:stCondLst>
+                                  <p:childTnLst>
+                                    <p:set>
+                                      <p:cBhvr>
+                                        <p:cTn id="136" dur="1" fill="hold">
+                                          <p:stCondLst>
+                                            <p:cond delay="0"/>
+                                          </p:stCondLst>
+                                        </p:cTn>
+                                        <p:tgtEl>
+                                          <p:spTgt spid="17"/>
+                                        </p:tgtEl>
+                                        <p:attrNameLst>
+                                          <p:attrName>style.visibility</p:attrName>
+                                        </p:attrNameLst>
+                                      </p:cBhvr>
+                                      <p:to>
+                                        <p:strVal val="visible"/>
+                                      </p:to>
+                                    </p:set>
+                                    <p:animEffect transition="in" filter="fade">
+                                      <p:cBhvr>
                                         <p:cTn id="137" dur="500"/>
                                         <p:tgtEl>
-                                          <p:spTgt spid="10"/>
+                                          <p:spTgt spid="17"/>
                                         </p:tgtEl>
                                       </p:cBhvr>
                                     </p:animEffect>
@@ -33270,7 +35027,7 @@
                                           </p:stCondLst>
                                         </p:cTn>
                                         <p:tgtEl>
-                                          <p:spTgt spid="17"/>
+                                          <p:spTgt spid="23"/>
                                         </p:tgtEl>
                                         <p:attrNameLst>
                                           <p:attrName>style.visibility</p:attrName>
@@ -33284,41 +35041,6 @@
                                       <p:cBhvr>
                                         <p:cTn id="140" dur="500"/>
                                         <p:tgtEl>
-                                          <p:spTgt spid="17"/>
-                                        </p:tgtEl>
-                                      </p:cBhvr>
-                                    </p:animEffect>
-                                  </p:childTnLst>
-                                </p:cTn>
-                              </p:par>
-                              <p:par>
-                                <p:cTn id="141" presetID="10" presetClass="entr" presetSubtype="0" fill="hold" nodeType="withEffect">
-                                  <p:stCondLst>
-                                    <p:cond delay="0"/>
-                                  </p:stCondLst>
-                                  <p:childTnLst>
-                                    <p:set>
-                                      <p:cBhvr>
-                                        <p:cTn id="142" dur="1" fill="hold">
-                                          <p:stCondLst>
-                                            <p:cond delay="0"/>
-                                          </p:stCondLst>
-                                        </p:cTn>
-                                        <p:tgtEl>
-                                          <p:spTgt spid="23"/>
-                                        </p:tgtEl>
-                                        <p:attrNameLst>
-                                          <p:attrName>style.visibility</p:attrName>
-                                        </p:attrNameLst>
-                                      </p:cBhvr>
-                                      <p:to>
-                                        <p:strVal val="visible"/>
-                                      </p:to>
-                                    </p:set>
-                                    <p:animEffect transition="in" filter="fade">
-                                      <p:cBhvr>
-                                        <p:cTn id="143" dur="500"/>
-                                        <p:tgtEl>
                                           <p:spTgt spid="23"/>
                                         </p:tgtEl>
                                       </p:cBhvr>
@@ -33327,14 +35049,14 @@
                                 </p:cTn>
                               </p:par>
                               <p:par>
-                                <p:cTn id="144" presetID="10" presetClass="entr" presetSubtype="0" fill="hold" grpId="0" nodeType="withEffect">
+                                <p:cTn id="141" presetID="10" presetClass="entr" presetSubtype="0" fill="hold" grpId="0" nodeType="withEffect">
                                   <p:stCondLst>
                                     <p:cond delay="0"/>
                                   </p:stCondLst>
                                   <p:childTnLst>
                                     <p:set>
                                       <p:cBhvr>
-                                        <p:cTn id="145" dur="1" fill="hold">
+                                        <p:cTn id="142" dur="1" fill="hold">
                                           <p:stCondLst>
                                             <p:cond delay="0"/>
                                           </p:stCondLst>
@@ -33352,7 +35074,7 @@
                                     </p:set>
                                     <p:animEffect transition="in" filter="fade">
                                       <p:cBhvr>
-                                        <p:cTn id="146" dur="500"/>
+                                        <p:cTn id="143" dur="500"/>
                                         <p:tgtEl>
                                           <p:spTgt spid="14"/>
                                         </p:tgtEl>
@@ -33368,26 +35090,26 @@
                     </p:cTn>
                   </p:par>
                   <p:par>
-                    <p:cTn id="147" fill="hold">
+                    <p:cTn id="144" fill="hold">
                       <p:stCondLst>
                         <p:cond delay="indefinite"/>
                       </p:stCondLst>
                       <p:childTnLst>
                         <p:par>
-                          <p:cTn id="148" fill="hold">
+                          <p:cTn id="145" fill="hold">
                             <p:stCondLst>
                               <p:cond delay="0"/>
                             </p:stCondLst>
                             <p:childTnLst>
                               <p:par>
-                                <p:cTn id="149" presetID="10" presetClass="entr" presetSubtype="0" fill="hold" nodeType="clickEffect">
+                                <p:cTn id="146" presetID="10" presetClass="entr" presetSubtype="0" fill="hold" nodeType="clickEffect">
                                   <p:stCondLst>
                                     <p:cond delay="0"/>
                                   </p:stCondLst>
                                   <p:childTnLst>
                                     <p:set>
                                       <p:cBhvr>
-                                        <p:cTn id="150" dur="1" fill="hold">
+                                        <p:cTn id="147" dur="1" fill="hold">
                                           <p:stCondLst>
                                             <p:cond delay="0"/>
                                           </p:stCondLst>
@@ -33405,7 +35127,7 @@
                                     </p:set>
                                     <p:animEffect transition="in" filter="fade">
                                       <p:cBhvr>
-                                        <p:cTn id="151" dur="500"/>
+                                        <p:cTn id="148" dur="500"/>
                                         <p:tgtEl>
                                           <p:spTgt spid="24"/>
                                         </p:tgtEl>
@@ -33418,20 +35140,20 @@
                           </p:cTn>
                         </p:par>
                         <p:par>
-                          <p:cTn id="152" fill="hold">
+                          <p:cTn id="149" fill="hold">
                             <p:stCondLst>
                               <p:cond delay="500"/>
                             </p:stCondLst>
                             <p:childTnLst>
                               <p:par>
-                                <p:cTn id="153" presetID="10" presetClass="entr" presetSubtype="0" fill="hold" nodeType="afterEffect">
+                                <p:cTn id="150" presetID="10" presetClass="entr" presetSubtype="0" fill="hold" nodeType="afterEffect">
                                   <p:stCondLst>
                                     <p:cond delay="0"/>
                                   </p:stCondLst>
                                   <p:childTnLst>
                                     <p:set>
                                       <p:cBhvr>
-                                        <p:cTn id="154" dur="1" fill="hold">
+                                        <p:cTn id="151" dur="1" fill="hold">
                                           <p:stCondLst>
                                             <p:cond delay="0"/>
                                           </p:stCondLst>
@@ -33449,7 +35171,7 @@
                                     </p:set>
                                     <p:animEffect transition="in" filter="fade">
                                       <p:cBhvr>
-                                        <p:cTn id="155" dur="500"/>
+                                        <p:cTn id="152" dur="500"/>
                                         <p:tgtEl>
                                           <p:spTgt spid="25"/>
                                         </p:tgtEl>
@@ -33462,20 +35184,20 @@
                           </p:cTn>
                         </p:par>
                         <p:par>
-                          <p:cTn id="156" fill="hold">
+                          <p:cTn id="153" fill="hold">
                             <p:stCondLst>
                               <p:cond delay="1000"/>
                             </p:stCondLst>
                             <p:childTnLst>
                               <p:par>
-                                <p:cTn id="157" presetID="10" presetClass="entr" presetSubtype="0" fill="hold" nodeType="afterEffect">
+                                <p:cTn id="154" presetID="10" presetClass="entr" presetSubtype="0" fill="hold" nodeType="afterEffect">
                                   <p:stCondLst>
                                     <p:cond delay="0"/>
                                   </p:stCondLst>
                                   <p:childTnLst>
                                     <p:set>
                                       <p:cBhvr>
-                                        <p:cTn id="158" dur="1" fill="hold">
+                                        <p:cTn id="155" dur="1" fill="hold">
                                           <p:stCondLst>
                                             <p:cond delay="0"/>
                                           </p:stCondLst>
@@ -33493,7 +35215,7 @@
                                     </p:set>
                                     <p:animEffect transition="in" filter="fade">
                                       <p:cBhvr>
-                                        <p:cTn id="159" dur="500"/>
+                                        <p:cTn id="156" dur="500"/>
                                         <p:tgtEl>
                                           <p:spTgt spid="26"/>
                                         </p:tgtEl>
@@ -33506,20 +35228,20 @@
                           </p:cTn>
                         </p:par>
                         <p:par>
-                          <p:cTn id="160" fill="hold">
+                          <p:cTn id="157" fill="hold">
                             <p:stCondLst>
                               <p:cond delay="1500"/>
                             </p:stCondLst>
                             <p:childTnLst>
                               <p:par>
-                                <p:cTn id="161" presetID="10" presetClass="entr" presetSubtype="0" fill="hold" nodeType="afterEffect">
+                                <p:cTn id="158" presetID="10" presetClass="entr" presetSubtype="0" fill="hold" nodeType="afterEffect">
                                   <p:stCondLst>
                                     <p:cond delay="0"/>
                                   </p:stCondLst>
                                   <p:childTnLst>
                                     <p:set>
                                       <p:cBhvr>
-                                        <p:cTn id="162" dur="1" fill="hold">
+                                        <p:cTn id="159" dur="1" fill="hold">
                                           <p:stCondLst>
                                             <p:cond delay="0"/>
                                           </p:stCondLst>
@@ -33537,7 +35259,7 @@
                                     </p:set>
                                     <p:animEffect transition="in" filter="fade">
                                       <p:cBhvr>
-                                        <p:cTn id="163" dur="500"/>
+                                        <p:cTn id="160" dur="500"/>
                                         <p:tgtEl>
                                           <p:spTgt spid="27"/>
                                         </p:tgtEl>
@@ -33550,20 +35272,20 @@
                           </p:cTn>
                         </p:par>
                         <p:par>
-                          <p:cTn id="164" fill="hold">
+                          <p:cTn id="161" fill="hold">
                             <p:stCondLst>
                               <p:cond delay="2000"/>
                             </p:stCondLst>
                             <p:childTnLst>
                               <p:par>
-                                <p:cTn id="165" presetID="10" presetClass="entr" presetSubtype="0" fill="hold" nodeType="afterEffect">
+                                <p:cTn id="162" presetID="10" presetClass="entr" presetSubtype="0" fill="hold" nodeType="afterEffect">
                                   <p:stCondLst>
                                     <p:cond delay="0"/>
                                   </p:stCondLst>
                                   <p:childTnLst>
                                     <p:set>
                                       <p:cBhvr>
-                                        <p:cTn id="166" dur="1" fill="hold">
+                                        <p:cTn id="163" dur="1" fill="hold">
                                           <p:stCondLst>
                                             <p:cond delay="0"/>
                                           </p:stCondLst>
@@ -33581,7 +35303,7 @@
                                     </p:set>
                                     <p:animEffect transition="in" filter="fade">
                                       <p:cBhvr>
-                                        <p:cTn id="167" dur="500"/>
+                                        <p:cTn id="164" dur="500"/>
                                         <p:tgtEl>
                                           <p:spTgt spid="28"/>
                                         </p:tgtEl>
@@ -33597,26 +35319,79 @@
                     </p:cTn>
                   </p:par>
                   <p:par>
-                    <p:cTn id="168" fill="hold">
+                    <p:cTn id="165" fill="hold">
                       <p:stCondLst>
                         <p:cond delay="indefinite"/>
                       </p:stCondLst>
                       <p:childTnLst>
                         <p:par>
-                          <p:cTn id="169" fill="hold">
+                          <p:cTn id="166" fill="hold">
                             <p:stCondLst>
                               <p:cond delay="0"/>
                             </p:stCondLst>
                             <p:childTnLst>
                               <p:par>
-                                <p:cTn id="170" presetID="10" presetClass="entr" presetSubtype="0" fill="hold" grpId="0" nodeType="clickEffect">
+                                <p:cTn id="167" presetID="10" presetClass="entr" presetSubtype="0" fill="hold" grpId="0" nodeType="clickEffect">
                                   <p:stCondLst>
                                     <p:cond delay="0"/>
                                   </p:stCondLst>
                                   <p:childTnLst>
                                     <p:set>
                                       <p:cBhvr>
-                                        <p:cTn id="171" dur="1" fill="hold">
+                                        <p:cTn id="168" dur="1" fill="hold">
+                                          <p:stCondLst>
+                                            <p:cond delay="0"/>
+                                          </p:stCondLst>
+                                        </p:cTn>
+                                        <p:tgtEl>
+                                          <p:spTgt spid="4"/>
+                                        </p:tgtEl>
+                                        <p:attrNameLst>
+                                          <p:attrName>style.visibility</p:attrName>
+                                        </p:attrNameLst>
+                                      </p:cBhvr>
+                                      <p:to>
+                                        <p:strVal val="visible"/>
+                                      </p:to>
+                                    </p:set>
+                                    <p:animEffect transition="in" filter="fade">
+                                      <p:cBhvr>
+                                        <p:cTn id="169" dur="500"/>
+                                        <p:tgtEl>
+                                          <p:spTgt spid="4"/>
+                                        </p:tgtEl>
+                                      </p:cBhvr>
+                                    </p:animEffect>
+                                  </p:childTnLst>
+                                </p:cTn>
+                              </p:par>
+                            </p:childTnLst>
+                          </p:cTn>
+                        </p:par>
+                      </p:childTnLst>
+                    </p:cTn>
+                  </p:par>
+                  <p:par>
+                    <p:cTn id="170" fill="hold">
+                      <p:stCondLst>
+                        <p:cond delay="indefinite"/>
+                      </p:stCondLst>
+                      <p:childTnLst>
+                        <p:par>
+                          <p:cTn id="171" fill="hold">
+                            <p:stCondLst>
+                              <p:cond delay="0"/>
+                            </p:stCondLst>
+                            <p:childTnLst>
+                              <p:par>
+                                <p:cTn id="172" presetID="10" presetClass="entr" presetSubtype="0" fill="hold" grpId="0" nodeType="clickEffect">
+                                  <p:stCondLst>
+                                    <p:cond delay="0"/>
+                                  </p:stCondLst>
+                                  <p:childTnLst>
+                                    <p:set>
+                                      <p:cBhvr>
+                                        <p:cTn id="173" dur="1" fill="hold">
                                           <p:stCondLst>
                                             <p:cond delay="0"/>
                                           </p:stCondLst>
@@ -33634,7 +35409,7 @@
                                     </p:set>
                                     <p:animEffect transition="in" filter="fade">
                                       <p:cBhvr>
-                                        <p:cTn id="172" dur="500"/>
+                                        <p:cTn id="174" dur="500"/>
                                         <p:tgtEl>
                                           <p:spTgt spid="29"/>
                                         </p:tgtEl>
@@ -33644,14 +35419,14 @@
                                 </p:cTn>
                               </p:par>
                               <p:par>
-                                <p:cTn id="173" presetID="10" presetClass="entr" presetSubtype="0" fill="hold" grpId="0" nodeType="withEffect">
+                                <p:cTn id="175" presetID="10" presetClass="entr" presetSubtype="0" fill="hold" grpId="0" nodeType="withEffect">
                                   <p:stCondLst>
                                     <p:cond delay="0"/>
                                   </p:stCondLst>
                                   <p:childTnLst>
                                     <p:set>
                                       <p:cBhvr>
-                                        <p:cTn id="174" dur="1" fill="hold">
+                                        <p:cTn id="176" dur="1" fill="hold">
                                           <p:stCondLst>
                                             <p:cond delay="0"/>
                                           </p:stCondLst>
@@ -33669,7 +35444,7 @@
                                     </p:set>
                                     <p:animEffect transition="in" filter="fade">
                                       <p:cBhvr>
-                                        <p:cTn id="175" dur="500"/>
+                                        <p:cTn id="177" dur="500"/>
                                         <p:tgtEl>
                                           <p:spTgt spid="30"/>
                                         </p:tgtEl>
@@ -33679,14 +35454,14 @@
                                 </p:cTn>
                               </p:par>
                               <p:par>
-                                <p:cTn id="176" presetID="10" presetClass="entr" presetSubtype="0" fill="hold" grpId="0" nodeType="withEffect">
+                                <p:cTn id="178" presetID="10" presetClass="entr" presetSubtype="0" fill="hold" grpId="0" nodeType="withEffect">
                                   <p:stCondLst>
                                     <p:cond delay="0"/>
                                   </p:stCondLst>
                                   <p:childTnLst>
                                     <p:set>
                                       <p:cBhvr>
-                                        <p:cTn id="177" dur="1" fill="hold">
+                                        <p:cTn id="179" dur="1" fill="hold">
                                           <p:stCondLst>
                                             <p:cond delay="0"/>
                                           </p:stCondLst>
@@ -33704,7 +35479,7 @@
                                     </p:set>
                                     <p:animEffect transition="in" filter="fade">
                                       <p:cBhvr>
-                                        <p:cTn id="178" dur="500"/>
+                                        <p:cTn id="180" dur="500"/>
                                         <p:tgtEl>
                                           <p:spTgt spid="31"/>
                                         </p:tgtEl>
@@ -33714,14 +35489,14 @@
                                 </p:cTn>
                               </p:par>
                               <p:par>
-                                <p:cTn id="179" presetID="10" presetClass="entr" presetSubtype="0" fill="hold" grpId="0" nodeType="withEffect">
+                                <p:cTn id="181" presetID="10" presetClass="entr" presetSubtype="0" fill="hold" grpId="0" nodeType="withEffect">
                                   <p:stCondLst>
                                     <p:cond delay="0"/>
                                   </p:stCondLst>
                                   <p:childTnLst>
                                     <p:set>
                                       <p:cBhvr>
-                                        <p:cTn id="180" dur="1" fill="hold">
+                                        <p:cTn id="182" dur="1" fill="hold">
                                           <p:stCondLst>
                                             <p:cond delay="0"/>
                                           </p:stCondLst>
@@ -33739,7 +35514,7 @@
                                     </p:set>
                                     <p:animEffect transition="in" filter="fade">
                                       <p:cBhvr>
-                                        <p:cTn id="181" dur="500"/>
+                                        <p:cTn id="183" dur="500"/>
                                         <p:tgtEl>
                                           <p:spTgt spid="32"/>
                                         </p:tgtEl>
@@ -33749,14 +35524,14 @@
                                 </p:cTn>
                               </p:par>
                               <p:par>
-                                <p:cTn id="182" presetID="10" presetClass="entr" presetSubtype="0" fill="hold" grpId="0" nodeType="withEffect">
+                                <p:cTn id="184" presetID="10" presetClass="entr" presetSubtype="0" fill="hold" grpId="0" nodeType="withEffect">
                                   <p:stCondLst>
                                     <p:cond delay="0"/>
                                   </p:stCondLst>
                                   <p:childTnLst>
                                     <p:set>
                                       <p:cBhvr>
-                                        <p:cTn id="183" dur="1" fill="hold">
+                                        <p:cTn id="185" dur="1" fill="hold">
                                           <p:stCondLst>
                                             <p:cond delay="0"/>
                                           </p:stCondLst>
@@ -33774,7 +35549,7 @@
                                     </p:set>
                                     <p:animEffect transition="in" filter="fade">
                                       <p:cBhvr>
-                                        <p:cTn id="184" dur="500"/>
+                                        <p:cTn id="186" dur="500"/>
                                         <p:tgtEl>
                                           <p:spTgt spid="33"/>
                                         </p:tgtEl>
@@ -33784,14 +35559,14 @@
                                 </p:cTn>
                               </p:par>
                               <p:par>
-                                <p:cTn id="185" presetID="10" presetClass="entr" presetSubtype="0" fill="hold" grpId="0" nodeType="withEffect">
+                                <p:cTn id="187" presetID="10" presetClass="entr" presetSubtype="0" fill="hold" grpId="0" nodeType="withEffect">
                                   <p:stCondLst>
                                     <p:cond delay="0"/>
                                   </p:stCondLst>
                                   <p:childTnLst>
                                     <p:set>
                                       <p:cBhvr>
-                                        <p:cTn id="186" dur="1" fill="hold">
+                                        <p:cTn id="188" dur="1" fill="hold">
                                           <p:stCondLst>
                                             <p:cond delay="0"/>
                                           </p:stCondLst>
@@ -33809,7 +35584,7 @@
                                     </p:set>
                                     <p:animEffect transition="in" filter="fade">
                                       <p:cBhvr>
-                                        <p:cTn id="187" dur="500"/>
+                                        <p:cTn id="189" dur="500"/>
                                         <p:tgtEl>
                                           <p:spTgt spid="34"/>
                                         </p:tgtEl>
@@ -33819,14 +35594,14 @@
                                 </p:cTn>
                               </p:par>
                               <p:par>
-                                <p:cTn id="188" presetID="10" presetClass="entr" presetSubtype="0" fill="hold" grpId="0" nodeType="withEffect">
+                                <p:cTn id="190" presetID="10" presetClass="entr" presetSubtype="0" fill="hold" grpId="0" nodeType="withEffect">
                                   <p:stCondLst>
                                     <p:cond delay="0"/>
                                   </p:stCondLst>
                                   <p:childTnLst>
                                     <p:set>
                                       <p:cBhvr>
-                                        <p:cTn id="189" dur="1" fill="hold">
+                                        <p:cTn id="191" dur="1" fill="hold">
                                           <p:stCondLst>
                                             <p:cond delay="0"/>
                                           </p:stCondLst>
@@ -33844,7 +35619,7 @@
                                     </p:set>
                                     <p:animEffect transition="in" filter="fade">
                                       <p:cBhvr>
-                                        <p:cTn id="190" dur="500"/>
+                                        <p:cTn id="192" dur="500"/>
                                         <p:tgtEl>
                                           <p:spTgt spid="35"/>
                                         </p:tgtEl>
@@ -33854,14 +35629,14 @@
                                 </p:cTn>
                               </p:par>
                               <p:par>
-                                <p:cTn id="191" presetID="10" presetClass="entr" presetSubtype="0" fill="hold" grpId="0" nodeType="withEffect">
+                                <p:cTn id="193" presetID="10" presetClass="entr" presetSubtype="0" fill="hold" grpId="0" nodeType="withEffect">
                                   <p:stCondLst>
                                     <p:cond delay="0"/>
                                   </p:stCondLst>
                                   <p:childTnLst>
                                     <p:set>
                                       <p:cBhvr>
-                                        <p:cTn id="192" dur="1" fill="hold">
+                                        <p:cTn id="194" dur="1" fill="hold">
                                           <p:stCondLst>
                                             <p:cond delay="0"/>
                                           </p:stCondLst>
@@ -33879,7 +35654,7 @@
                                     </p:set>
                                     <p:animEffect transition="in" filter="fade">
                                       <p:cBhvr>
-                                        <p:cTn id="193" dur="500"/>
+                                        <p:cTn id="195" dur="500"/>
                                         <p:tgtEl>
                                           <p:spTgt spid="36"/>
                                         </p:tgtEl>
@@ -33889,49 +35664,14 @@
                                 </p:cTn>
                               </p:par>
                               <p:par>
-                                <p:cTn id="194" presetID="10" presetClass="entr" presetSubtype="0" fill="hold" grpId="0" nodeType="withEffect">
+                                <p:cTn id="196" presetID="10" presetClass="entr" presetSubtype="0" fill="hold" grpId="0" nodeType="withEffect">
                                   <p:stCondLst>
                                     <p:cond delay="0"/>
                                   </p:stCondLst>
                                   <p:childTnLst>
                                     <p:set>
                                       <p:cBhvr>
-                                        <p:cTn id="195" dur="1" fill="hold">
-                                          <p:stCondLst>
-                                            <p:cond delay="0"/>
-                                          </p:stCondLst>
-                                        </p:cTn>
-                                        <p:tgtEl>
-                                          <p:spTgt spid="37"/>
-                                        </p:tgtEl>
-                                        <p:attrNameLst>
-                                          <p:attrName>style.visibility</p:attrName>
-                                        </p:attrNameLst>
-                                      </p:cBhvr>
-                                      <p:to>
-                                        <p:strVal val="visible"/>
-                                      </p:to>
-                                    </p:set>
-                                    <p:animEffect transition="in" filter="fade">
-                                      <p:cBhvr>
-                                        <p:cTn id="196" dur="500"/>
-                                        <p:tgtEl>
-                                          <p:spTgt spid="37"/>
-                                        </p:tgtEl>
-                                      </p:cBhvr>
-                                    </p:animEffect>
-                                  </p:childTnLst>
-                                </p:cTn>
-                              </p:par>
-                              <p:par>
-                                <p:cTn id="197" presetID="10" presetClass="entr" presetSubtype="0" fill="hold" grpId="0" nodeType="withEffect">
-                                  <p:stCondLst>
-                                    <p:cond delay="0"/>
-                                  </p:stCondLst>
-                                  <p:childTnLst>
-                                    <p:set>
-                                      <p:cBhvr>
-                                        <p:cTn id="198" dur="1" fill="hold">
+                                        <p:cTn id="197" dur="1" fill="hold">
                                           <p:stCondLst>
                                             <p:cond delay="0"/>
                                           </p:stCondLst>
@@ -33949,7 +35689,7 @@
                                     </p:set>
                                     <p:animEffect transition="in" filter="fade">
                                       <p:cBhvr>
-                                        <p:cTn id="199" dur="500"/>
+                                        <p:cTn id="198" dur="500"/>
                                         <p:tgtEl>
                                           <p:spTgt spid="38"/>
                                         </p:tgtEl>
@@ -33959,14 +35699,14 @@
                                 </p:cTn>
                               </p:par>
                               <p:par>
-                                <p:cTn id="200" presetID="10" presetClass="entr" presetSubtype="0" fill="hold" nodeType="withEffect">
+                                <p:cTn id="199" presetID="10" presetClass="entr" presetSubtype="0" fill="hold" nodeType="withEffect">
                                   <p:stCondLst>
                                     <p:cond delay="0"/>
                                   </p:stCondLst>
                                   <p:childTnLst>
                                     <p:set>
                                       <p:cBhvr>
-                                        <p:cTn id="201" dur="1" fill="hold">
+                                        <p:cTn id="200" dur="1" fill="hold">
                                           <p:stCondLst>
                                             <p:cond delay="0"/>
                                           </p:stCondLst>
@@ -33984,7 +35724,7 @@
                                     </p:set>
                                     <p:animEffect transition="in" filter="fade">
                                       <p:cBhvr>
-                                        <p:cTn id="202" dur="500"/>
+                                        <p:cTn id="201" dur="500"/>
                                         <p:tgtEl>
                                           <p:spTgt spid="39"/>
                                         </p:tgtEl>
@@ -33994,14 +35734,14 @@
                                 </p:cTn>
                               </p:par>
                               <p:par>
-                                <p:cTn id="203" presetID="10" presetClass="entr" presetSubtype="0" fill="hold" nodeType="withEffect">
+                                <p:cTn id="202" presetID="10" presetClass="entr" presetSubtype="0" fill="hold" nodeType="withEffect">
                                   <p:stCondLst>
                                     <p:cond delay="0"/>
                                   </p:stCondLst>
                                   <p:childTnLst>
                                     <p:set>
                                       <p:cBhvr>
-                                        <p:cTn id="204" dur="1" fill="hold">
+                                        <p:cTn id="203" dur="1" fill="hold">
                                           <p:stCondLst>
                                             <p:cond delay="0"/>
                                           </p:stCondLst>
@@ -34019,7 +35759,7 @@
                                     </p:set>
                                     <p:animEffect transition="in" filter="fade">
                                       <p:cBhvr>
-                                        <p:cTn id="205" dur="500"/>
+                                        <p:cTn id="204" dur="500"/>
                                         <p:tgtEl>
                                           <p:spTgt spid="40"/>
                                         </p:tgtEl>
@@ -34029,14 +35769,14 @@
                                 </p:cTn>
                               </p:par>
                               <p:par>
-                                <p:cTn id="206" presetID="10" presetClass="entr" presetSubtype="0" fill="hold" nodeType="withEffect">
+                                <p:cTn id="205" presetID="10" presetClass="entr" presetSubtype="0" fill="hold" nodeType="withEffect">
                                   <p:stCondLst>
                                     <p:cond delay="0"/>
                                   </p:stCondLst>
                                   <p:childTnLst>
                                     <p:set>
                                       <p:cBhvr>
-                                        <p:cTn id="207" dur="1" fill="hold">
+                                        <p:cTn id="206" dur="1" fill="hold">
                                           <p:stCondLst>
                                             <p:cond delay="0"/>
                                           </p:stCondLst>
@@ -34054,7 +35794,7 @@
                                     </p:set>
                                     <p:animEffect transition="in" filter="fade">
                                       <p:cBhvr>
-                                        <p:cTn id="208" dur="500"/>
+                                        <p:cTn id="207" dur="500"/>
                                         <p:tgtEl>
                                           <p:spTgt spid="41"/>
                                         </p:tgtEl>
@@ -34064,14 +35804,14 @@
                                 </p:cTn>
                               </p:par>
                               <p:par>
-                                <p:cTn id="209" presetID="10" presetClass="entr" presetSubtype="0" fill="hold" nodeType="withEffect">
+                                <p:cTn id="208" presetID="10" presetClass="entr" presetSubtype="0" fill="hold" nodeType="withEffect">
                                   <p:stCondLst>
                                     <p:cond delay="0"/>
                                   </p:stCondLst>
                                   <p:childTnLst>
                                     <p:set>
                                       <p:cBhvr>
-                                        <p:cTn id="210" dur="1" fill="hold">
+                                        <p:cTn id="209" dur="1" fill="hold">
                                           <p:stCondLst>
                                             <p:cond delay="0"/>
                                           </p:stCondLst>
@@ -34089,7 +35829,7 @@
                                     </p:set>
                                     <p:animEffect transition="in" filter="fade">
                                       <p:cBhvr>
-                                        <p:cTn id="211" dur="500"/>
+                                        <p:cTn id="210" dur="500"/>
                                         <p:tgtEl>
                                           <p:spTgt spid="42"/>
                                         </p:tgtEl>
@@ -34099,14 +35839,14 @@
                                 </p:cTn>
                               </p:par>
                               <p:par>
-                                <p:cTn id="212" presetID="10" presetClass="entr" presetSubtype="0" fill="hold" nodeType="withEffect">
+                                <p:cTn id="211" presetID="10" presetClass="entr" presetSubtype="0" fill="hold" nodeType="withEffect">
                                   <p:stCondLst>
                                     <p:cond delay="0"/>
                                   </p:stCondLst>
                                   <p:childTnLst>
                                     <p:set>
                                       <p:cBhvr>
-                                        <p:cTn id="213" dur="1" fill="hold">
+                                        <p:cTn id="212" dur="1" fill="hold">
                                           <p:stCondLst>
                                             <p:cond delay="0"/>
                                           </p:stCondLst>
@@ -34124,7 +35864,7 @@
                                     </p:set>
                                     <p:animEffect transition="in" filter="fade">
                                       <p:cBhvr>
-                                        <p:cTn id="214" dur="500"/>
+                                        <p:cTn id="213" dur="500"/>
                                         <p:tgtEl>
                                           <p:spTgt spid="43"/>
                                         </p:tgtEl>
@@ -34134,14 +35874,14 @@
                                 </p:cTn>
                               </p:par>
                               <p:par>
-                                <p:cTn id="215" presetID="10" presetClass="entr" presetSubtype="0" fill="hold" nodeType="withEffect">
+                                <p:cTn id="214" presetID="10" presetClass="entr" presetSubtype="0" fill="hold" nodeType="withEffect">
                                   <p:stCondLst>
                                     <p:cond delay="0"/>
                                   </p:stCondLst>
                                   <p:childTnLst>
                                     <p:set>
                                       <p:cBhvr>
-                                        <p:cTn id="216" dur="1" fill="hold">
+                                        <p:cTn id="215" dur="1" fill="hold">
                                           <p:stCondLst>
                                             <p:cond delay="0"/>
                                           </p:stCondLst>
@@ -34159,7 +35899,7 @@
                                     </p:set>
                                     <p:animEffect transition="in" filter="fade">
                                       <p:cBhvr>
-                                        <p:cTn id="217" dur="500"/>
+                                        <p:cTn id="216" dur="500"/>
                                         <p:tgtEl>
                                           <p:spTgt spid="44"/>
                                         </p:tgtEl>
@@ -34169,14 +35909,14 @@
                                 </p:cTn>
                               </p:par>
                               <p:par>
-                                <p:cTn id="218" presetID="10" presetClass="entr" presetSubtype="0" fill="hold" nodeType="withEffect">
+                                <p:cTn id="217" presetID="10" presetClass="entr" presetSubtype="0" fill="hold" nodeType="withEffect">
                                   <p:stCondLst>
                                     <p:cond delay="0"/>
                                   </p:stCondLst>
                                   <p:childTnLst>
                                     <p:set>
                                       <p:cBhvr>
-                                        <p:cTn id="219" dur="1" fill="hold">
+                                        <p:cTn id="218" dur="1" fill="hold">
                                           <p:stCondLst>
                                             <p:cond delay="0"/>
                                           </p:stCondLst>
@@ -34194,7 +35934,7 @@
                                     </p:set>
                                     <p:animEffect transition="in" filter="fade">
                                       <p:cBhvr>
-                                        <p:cTn id="220" dur="500"/>
+                                        <p:cTn id="219" dur="500"/>
                                         <p:tgtEl>
                                           <p:spTgt spid="45"/>
                                         </p:tgtEl>
@@ -34204,49 +35944,14 @@
                                 </p:cTn>
                               </p:par>
                               <p:par>
-                                <p:cTn id="221" presetID="10" presetClass="entr" presetSubtype="0" fill="hold" nodeType="withEffect">
+                                <p:cTn id="220" presetID="10" presetClass="entr" presetSubtype="0" fill="hold" nodeType="withEffect">
                                   <p:stCondLst>
                                     <p:cond delay="0"/>
                                   </p:stCondLst>
                                   <p:childTnLst>
                                     <p:set>
                                       <p:cBhvr>
-                                        <p:cTn id="222" dur="1" fill="hold">
-                                          <p:stCondLst>
-                                            <p:cond delay="0"/>
-                                          </p:stCondLst>
-                                        </p:cTn>
-                                        <p:tgtEl>
-                                          <p:spTgt spid="46"/>
-                                        </p:tgtEl>
-                                        <p:attrNameLst>
-                                          <p:attrName>style.visibility</p:attrName>
-                                        </p:attrNameLst>
-                                      </p:cBhvr>
-                                      <p:to>
-                                        <p:strVal val="visible"/>
-                                      </p:to>
-                                    </p:set>
-                                    <p:animEffect transition="in" filter="fade">
-                                      <p:cBhvr>
-                                        <p:cTn id="223" dur="500"/>
-                                        <p:tgtEl>
-                                          <p:spTgt spid="46"/>
-                                        </p:tgtEl>
-                                      </p:cBhvr>
-                                    </p:animEffect>
-                                  </p:childTnLst>
-                                </p:cTn>
-                              </p:par>
-                              <p:par>
-                                <p:cTn id="224" presetID="10" presetClass="entr" presetSubtype="0" fill="hold" nodeType="withEffect">
-                                  <p:stCondLst>
-                                    <p:cond delay="0"/>
-                                  </p:stCondLst>
-                                  <p:childTnLst>
-                                    <p:set>
-                                      <p:cBhvr>
-                                        <p:cTn id="225" dur="1" fill="hold">
+                                        <p:cTn id="221" dur="1" fill="hold">
                                           <p:stCondLst>
                                             <p:cond delay="0"/>
                                           </p:stCondLst>
@@ -34264,7 +35969,7 @@
                                     </p:set>
                                     <p:animEffect transition="in" filter="fade">
                                       <p:cBhvr>
-                                        <p:cTn id="226" dur="500"/>
+                                        <p:cTn id="222" dur="500"/>
                                         <p:tgtEl>
                                           <p:spTgt spid="47"/>
                                         </p:tgtEl>
@@ -34274,14 +35979,14 @@
                                 </p:cTn>
                               </p:par>
                               <p:par>
-                                <p:cTn id="227" presetID="10" presetClass="entr" presetSubtype="0" fill="hold" grpId="0" nodeType="withEffect">
+                                <p:cTn id="223" presetID="10" presetClass="entr" presetSubtype="0" fill="hold" grpId="0" nodeType="withEffect">
                                   <p:stCondLst>
                                     <p:cond delay="0"/>
                                   </p:stCondLst>
                                   <p:childTnLst>
                                     <p:set>
                                       <p:cBhvr>
-                                        <p:cTn id="228" dur="1" fill="hold">
+                                        <p:cTn id="224" dur="1" fill="hold">
                                           <p:stCondLst>
                                             <p:cond delay="0"/>
                                           </p:stCondLst>
@@ -34299,7 +36004,7 @@
                                     </p:set>
                                     <p:animEffect transition="in" filter="fade">
                                       <p:cBhvr>
-                                        <p:cTn id="229" dur="500"/>
+                                        <p:cTn id="225" dur="500"/>
                                         <p:tgtEl>
                                           <p:spTgt spid="48"/>
                                         </p:tgtEl>
@@ -34309,14 +36014,14 @@
                                 </p:cTn>
                               </p:par>
                               <p:par>
-                                <p:cTn id="230" presetID="10" presetClass="entr" presetSubtype="0" fill="hold" grpId="0" nodeType="withEffect">
+                                <p:cTn id="226" presetID="10" presetClass="entr" presetSubtype="0" fill="hold" grpId="0" nodeType="withEffect">
                                   <p:stCondLst>
                                     <p:cond delay="0"/>
                                   </p:stCondLst>
                                   <p:childTnLst>
                                     <p:set>
                                       <p:cBhvr>
-                                        <p:cTn id="231" dur="1" fill="hold">
+                                        <p:cTn id="227" dur="1" fill="hold">
                                           <p:stCondLst>
                                             <p:cond delay="0"/>
                                           </p:stCondLst>
@@ -34334,7 +36039,7 @@
                                     </p:set>
                                     <p:animEffect transition="in" filter="fade">
                                       <p:cBhvr>
-                                        <p:cTn id="232" dur="500"/>
+                                        <p:cTn id="228" dur="500"/>
                                         <p:tgtEl>
                                           <p:spTgt spid="86"/>
                                         </p:tgtEl>
@@ -34350,26 +36055,26 @@
                     </p:cTn>
                   </p:par>
                   <p:par>
-                    <p:cTn id="233" fill="hold">
+                    <p:cTn id="229" fill="hold">
                       <p:stCondLst>
                         <p:cond delay="indefinite"/>
                       </p:stCondLst>
                       <p:childTnLst>
                         <p:par>
-                          <p:cTn id="234" fill="hold">
+                          <p:cTn id="230" fill="hold">
                             <p:stCondLst>
                               <p:cond delay="0"/>
                             </p:stCondLst>
                             <p:childTnLst>
                               <p:par>
-                                <p:cTn id="235" presetID="10" presetClass="entr" presetSubtype="0" fill="hold" nodeType="clickEffect">
+                                <p:cTn id="231" presetID="10" presetClass="entr" presetSubtype="0" fill="hold" nodeType="clickEffect">
                                   <p:stCondLst>
                                     <p:cond delay="0"/>
                                   </p:stCondLst>
                                   <p:childTnLst>
                                     <p:set>
                                       <p:cBhvr>
-                                        <p:cTn id="236" dur="1" fill="hold">
+                                        <p:cTn id="232" dur="1" fill="hold">
                                           <p:stCondLst>
                                             <p:cond delay="0"/>
                                           </p:stCondLst>
@@ -34387,7 +36092,7 @@
                                     </p:set>
                                     <p:animEffect transition="in" filter="fade">
                                       <p:cBhvr>
-                                        <p:cTn id="237" dur="500"/>
+                                        <p:cTn id="233" dur="500"/>
                                         <p:tgtEl>
                                           <p:spTgt spid="49"/>
                                         </p:tgtEl>
@@ -34400,20 +36105,20 @@
                           </p:cTn>
                         </p:par>
                         <p:par>
-                          <p:cTn id="238" fill="hold">
+                          <p:cTn id="234" fill="hold">
                             <p:stCondLst>
                               <p:cond delay="500"/>
                             </p:stCondLst>
                             <p:childTnLst>
                               <p:par>
-                                <p:cTn id="239" presetID="10" presetClass="entr" presetSubtype="0" fill="hold" nodeType="afterEffect">
+                                <p:cTn id="235" presetID="10" presetClass="entr" presetSubtype="0" fill="hold" nodeType="afterEffect">
                                   <p:stCondLst>
                                     <p:cond delay="0"/>
                                   </p:stCondLst>
                                   <p:childTnLst>
                                     <p:set>
                                       <p:cBhvr>
-                                        <p:cTn id="240" dur="1" fill="hold">
+                                        <p:cTn id="236" dur="1" fill="hold">
                                           <p:stCondLst>
                                             <p:cond delay="0"/>
                                           </p:stCondLst>
@@ -34431,7 +36136,7 @@
                                     </p:set>
                                     <p:animEffect transition="in" filter="fade">
                                       <p:cBhvr>
-                                        <p:cTn id="241" dur="500"/>
+                                        <p:cTn id="237" dur="500"/>
                                         <p:tgtEl>
                                           <p:spTgt spid="50"/>
                                         </p:tgtEl>
@@ -34444,20 +36149,20 @@
                           </p:cTn>
                         </p:par>
                         <p:par>
-                          <p:cTn id="242" fill="hold">
+                          <p:cTn id="238" fill="hold">
                             <p:stCondLst>
                               <p:cond delay="1000"/>
                             </p:stCondLst>
                             <p:childTnLst>
                               <p:par>
-                                <p:cTn id="243" presetID="10" presetClass="entr" presetSubtype="0" fill="hold" nodeType="afterEffect">
+                                <p:cTn id="239" presetID="10" presetClass="entr" presetSubtype="0" fill="hold" nodeType="afterEffect">
                                   <p:stCondLst>
                                     <p:cond delay="0"/>
                                   </p:stCondLst>
                                   <p:childTnLst>
                                     <p:set>
                                       <p:cBhvr>
-                                        <p:cTn id="244" dur="1" fill="hold">
+                                        <p:cTn id="240" dur="1" fill="hold">
                                           <p:stCondLst>
                                             <p:cond delay="0"/>
                                           </p:stCondLst>
@@ -34475,7 +36180,7 @@
                                     </p:set>
                                     <p:animEffect transition="in" filter="fade">
                                       <p:cBhvr>
-                                        <p:cTn id="245" dur="500"/>
+                                        <p:cTn id="241" dur="500"/>
                                         <p:tgtEl>
                                           <p:spTgt spid="51"/>
                                         </p:tgtEl>
@@ -34521,7 +36226,6 @@
       <p:bldP spid="10" grpId="0" animBg="1"/>
       <p:bldP spid="11" grpId="0" animBg="1"/>
       <p:bldP spid="12" grpId="0" animBg="1"/>
-      <p:bldP spid="13" grpId="0" animBg="1"/>
       <p:bldP spid="14" grpId="0" animBg="1"/>
       <p:bldP spid="29" grpId="0" animBg="1"/>
       <p:bldP spid="30" grpId="0" animBg="1"/>
@@ -34531,7 +36235,6 @@
       <p:bldP spid="34" grpId="0" animBg="1"/>
       <p:bldP spid="35" grpId="0" animBg="1"/>
       <p:bldP spid="36" grpId="0" animBg="1"/>
-      <p:bldP spid="37" grpId="0" animBg="1"/>
       <p:bldP spid="38" grpId="0" animBg="1"/>
       <p:bldP spid="48" grpId="0" animBg="1"/>
       <p:bldP spid="52" grpId="0"/>
@@ -34543,7 +36246,6 @@
       <p:bldP spid="60" grpId="0" animBg="1"/>
       <p:bldP spid="61" grpId="0" animBg="1"/>
       <p:bldP spid="62" grpId="0" animBg="1"/>
-      <p:bldP spid="63" grpId="0" animBg="1"/>
       <p:bldP spid="64" grpId="0" animBg="1"/>
       <p:bldP spid="79" grpId="0"/>
       <p:bldP spid="80" grpId="0" animBg="1"/>
@@ -34552,6 +36254,10 @@
       <p:bldP spid="83" grpId="0"/>
       <p:bldP spid="84" grpId="0"/>
       <p:bldP spid="86" grpId="0"/>
+      <p:bldP spid="3" grpId="0"/>
+      <p:bldP spid="53" grpId="0"/>
+      <p:bldP spid="54" grpId="0"/>
+      <p:bldP spid="74" grpId="0"/>
     </p:bldLst>
   </p:timing>
 </p:sld>
@@ -34850,4 +36556,299 @@
     </a:ext>
   </a:extLst>
 </a:theme>
+</file>
+
+<file path=ppt/theme/theme2.xml><?xml version="1.0" encoding="utf-8"?>
+<a:theme xmlns:a="http://schemas.openxmlformats.org/drawingml/2006/main" name="Office Theme">
+  <a:themeElements>
+    <a:clrScheme name="Office">
+      <a:dk1>
+        <a:sysClr val="windowText" lastClr="000000"/>
+      </a:dk1>
+      <a:lt1>
+        <a:sysClr val="window" lastClr="FFFFFF"/>
+      </a:lt1>
+      <a:dk2>
+        <a:srgbClr val="44546A"/>
+      </a:dk2>
+      <a:lt2>
+        <a:srgbClr val="E7E6E6"/>
+      </a:lt2>
+      <a:accent1>
+        <a:srgbClr val="4472C4"/>
+      </a:accent1>
+      <a:accent2>
+        <a:srgbClr val="ED7D31"/>
+      </a:accent2>
+      <a:accent3>
+        <a:srgbClr val="A5A5A5"/>
+      </a:accent3>
+      <a:accent4>
+        <a:srgbClr val="FFC000"/>
+      </a:accent4>
+      <a:accent5>
+        <a:srgbClr val="5B9BD5"/>
+      </a:accent5>
+      <a:accent6>
+        <a:srgbClr val="70AD47"/>
+      </a:accent6>
+      <a:hlink>
+        <a:srgbClr val="0563C1"/>
+      </a:hlink>
+      <a:folHlink>
+        <a:srgbClr val="954F72"/>
+      </a:folHlink>
+    </a:clrScheme>
+    <a:fontScheme name="Office">
+      <a:majorFont>
+        <a:latin typeface="Calibri Light" panose="020F0302020204030204"/>
+        <a:ea typeface=""/>
+        <a:cs typeface=""/>
+        <a:font script="Jpan" typeface="游ゴシック Light"/>
+        <a:font script="Hang" typeface="맑은 고딕"/>
+        <a:font script="Hans" typeface="等线 Light"/>
+        <a:font script="Hant" typeface="新細明體"/>
+        <a:font script="Arab" typeface="Times New Roman"/>
+        <a:font script="Hebr" typeface="Times New Roman"/>
+        <a:font script="Thai" typeface="Angsana New"/>
+        <a:font script="Ethi" typeface="Nyala"/>
+        <a:font script="Beng" typeface="Vrinda"/>
+        <a:font script="Gujr" typeface="Shruti"/>
+        <a:font script="Khmr" typeface="MoolBoran"/>
+        <a:font script="Knda" typeface="Tunga"/>
+        <a:font script="Guru" typeface="Raavi"/>
+        <a:font script="Cans" typeface="Euphemia"/>
+        <a:font script="Cher" typeface="Plantagenet Cherokee"/>
+        <a:font script="Yiii" typeface="Microsoft Yi Baiti"/>
+        <a:font script="Tibt" typeface="Microsoft Himalaya"/>
+        <a:font script="Thaa" typeface="MV Boli"/>
+        <a:font script="Deva" typeface="Mangal"/>
+        <a:font script="Telu" typeface="Gautami"/>
+        <a:font script="Taml" typeface="Latha"/>
+        <a:font script="Syrc" typeface="Estrangelo Edessa"/>
+        <a:font script="Orya" typeface="Kalinga"/>
+        <a:font script="Mlym" typeface="Kartika"/>
+        <a:font script="Laoo" typeface="DokChampa"/>
+        <a:font script="Sinh" typeface="Iskoola Pota"/>
+        <a:font script="Mong" typeface="Mongolian Baiti"/>
+        <a:font script="Viet" typeface="Times New Roman"/>
+        <a:font script="Uigh" typeface="Microsoft Uighur"/>
+        <a:font script="Geor" typeface="Sylfaen"/>
+        <a:font script="Armn" typeface="Arial"/>
+        <a:font script="Bugi" typeface="Leelawadee UI"/>
+        <a:font script="Bopo" typeface="Microsoft JhengHei"/>
+        <a:font script="Java" typeface="Javanese Text"/>
+        <a:font script="Lisu" typeface="Segoe UI"/>
+        <a:font script="Mymr" typeface="Myanmar Text"/>
+        <a:font script="Nkoo" typeface="Ebrima"/>
+        <a:font script="Olck" typeface="Nirmala UI"/>
+        <a:font script="Osma" typeface="Ebrima"/>
+        <a:font script="Phag" typeface="Phagspa"/>
+        <a:font script="Syrn" typeface="Estrangelo Edessa"/>
+        <a:font script="Syrj" typeface="Estrangelo Edessa"/>
+        <a:font script="Syre" typeface="Estrangelo Edessa"/>
+        <a:font script="Sora" typeface="Nirmala UI"/>
+        <a:font script="Tale" typeface="Microsoft Tai Le"/>
+        <a:font script="Talu" typeface="Microsoft New Tai Lue"/>
+        <a:font script="Tfng" typeface="Ebrima"/>
+      </a:majorFont>
+      <a:minorFont>
+        <a:latin typeface="Calibri" panose="020F0502020204030204"/>
+        <a:ea typeface=""/>
+        <a:cs typeface=""/>
+        <a:font script="Jpan" typeface="游ゴシック"/>
+        <a:font script="Hang" typeface="맑은 고딕"/>
+        <a:font script="Hans" typeface="等线"/>
+        <a:font script="Hant" typeface="新細明體"/>
+        <a:font script="Arab" typeface="Arial"/>
+        <a:font script="Hebr" typeface="Arial"/>
+        <a:font script="Thai" typeface="Cordia New"/>
+        <a:font script="Ethi" typeface="Nyala"/>
+        <a:font script="Beng" typeface="Vrinda"/>
+        <a:font script="Gujr" typeface="Shruti"/>
+        <a:font script="Khmr" typeface="DaunPenh"/>
+        <a:font script="Knda" typeface="Tunga"/>
+        <a:font script="Guru" typeface="Raavi"/>
+        <a:font script="Cans" typeface="Euphemia"/>
+        <a:font script="Cher" typeface="Plantagenet Cherokee"/>
+        <a:font script="Yiii" typeface="Microsoft Yi Baiti"/>
+        <a:font script="Tibt" typeface="Microsoft Himalaya"/>
+        <a:font script="Thaa" typeface="MV Boli"/>
+        <a:font script="Deva" typeface="Mangal"/>
+        <a:font script="Telu" typeface="Gautami"/>
+        <a:font script="Taml" typeface="Latha"/>
+        <a:font script="Syrc" typeface="Estrangelo Edessa"/>
+        <a:font script="Orya" typeface="Kalinga"/>
+        <a:font script="Mlym" typeface="Kartika"/>
+        <a:font script="Laoo" typeface="DokChampa"/>
+        <a:font script="Sinh" typeface="Iskoola Pota"/>
+        <a:font script="Mong" typeface="Mongolian Baiti"/>
+        <a:font script="Viet" typeface="Arial"/>
+        <a:font script="Uigh" typeface="Microsoft Uighur"/>
+        <a:font script="Geor" typeface="Sylfaen"/>
+        <a:font script="Armn" typeface="Arial"/>
+        <a:font script="Bugi" typeface="Leelawadee UI"/>
+        <a:font script="Bopo" typeface="Microsoft JhengHei"/>
+        <a:font script="Java" typeface="Javanese Text"/>
+        <a:font script="Lisu" typeface="Segoe UI"/>
+        <a:font script="Mymr" typeface="Myanmar Text"/>
+        <a:font script="Nkoo" typeface="Ebrima"/>
+        <a:font script="Olck" typeface="Nirmala UI"/>
+        <a:font script="Osma" typeface="Ebrima"/>
+        <a:font script="Phag" typeface="Phagspa"/>
+        <a:font script="Syrn" typeface="Estrangelo Edessa"/>
+        <a:font script="Syrj" typeface="Estrangelo Edessa"/>
+        <a:font script="Syre" typeface="Estrangelo Edessa"/>
+        <a:font script="Sora" typeface="Nirmala UI"/>
+        <a:font script="Tale" typeface="Microsoft Tai Le"/>
+        <a:font script="Talu" typeface="Microsoft New Tai Lue"/>
+        <a:font script="Tfng" typeface="Ebrima"/>
+      </a:minorFont>
+    </a:fontScheme>
+    <a:fmtScheme name="Office">
+      <a:fillStyleLst>
+        <a:solidFill>
+          <a:schemeClr val="phClr"/>
+        </a:solidFill>
+        <a:gradFill rotWithShape="1">
+          <a:gsLst>
+            <a:gs pos="0">
+              <a:schemeClr val="phClr">
+                <a:lumMod val="110000"/>
+                <a:satMod val="105000"/>
+                <a:tint val="67000"/>
+              </a:schemeClr>
+            </a:gs>
+            <a:gs pos="50000">
+              <a:schemeClr val="phClr">
+                <a:lumMod val="105000"/>
+                <a:satMod val="103000"/>
+                <a:tint val="73000"/>
+              </a:schemeClr>
+            </a:gs>
+            <a:gs pos="100000">
+              <a:schemeClr val="phClr">
+                <a:lumMod val="105000"/>
+                <a:satMod val="109000"/>
+                <a:tint val="81000"/>
+              </a:schemeClr>
+            </a:gs>
+          </a:gsLst>
+          <a:lin ang="5400000" scaled="0"/>
+        </a:gradFill>
+        <a:gradFill rotWithShape="1">
+          <a:gsLst>
+            <a:gs pos="0">
+              <a:schemeClr val="phClr">
+                <a:satMod val="103000"/>
+                <a:lumMod val="102000"/>
+                <a:tint val="94000"/>
+              </a:schemeClr>
+            </a:gs>
+            <a:gs pos="50000">
+              <a:schemeClr val="phClr">
+                <a:satMod val="110000"/>
+                <a:lumMod val="100000"/>
+                <a:shade val="100000"/>
+              </a:schemeClr>
+            </a:gs>
+            <a:gs pos="100000">
+              <a:schemeClr val="phClr">
+                <a:lumMod val="99000"/>
+                <a:satMod val="120000"/>
+                <a:shade val="78000"/>
+              </a:schemeClr>
+            </a:gs>
+          </a:gsLst>
+          <a:lin ang="5400000" scaled="0"/>
+        </a:gradFill>
+      </a:fillStyleLst>
+      <a:lnStyleLst>
+        <a:ln w="6350" cap="flat" cmpd="sng" algn="ctr">
+          <a:solidFill>
+            <a:schemeClr val="phClr"/>
+          </a:solidFill>
+          <a:prstDash val="solid"/>
+          <a:miter lim="800000"/>
+        </a:ln>
+        <a:ln w="12700" cap="flat" cmpd="sng" algn="ctr">
+          <a:solidFill>
+            <a:schemeClr val="phClr"/>
+          </a:solidFill>
+          <a:prstDash val="solid"/>
+          <a:miter lim="800000"/>
+        </a:ln>
+        <a:ln w="19050" cap="flat" cmpd="sng" algn="ctr">
+          <a:solidFill>
+            <a:schemeClr val="phClr"/>
+          </a:solidFill>
+          <a:prstDash val="solid"/>
+          <a:miter lim="800000"/>
+        </a:ln>
+      </a:lnStyleLst>
+      <a:effectStyleLst>
+        <a:effectStyle>
+          <a:effectLst/>
+        </a:effectStyle>
+        <a:effectStyle>
+          <a:effectLst/>
+        </a:effectStyle>
+        <a:effectStyle>
+          <a:effectLst>
+            <a:outerShdw blurRad="57150" dist="19050" dir="5400000" algn="ctr" rotWithShape="0">
+              <a:srgbClr val="000000">
+                <a:alpha val="63000"/>
+              </a:srgbClr>
+            </a:outerShdw>
+          </a:effectLst>
+        </a:effectStyle>
+      </a:effectStyleLst>
+      <a:bgFillStyleLst>
+        <a:solidFill>
+          <a:schemeClr val="phClr"/>
+        </a:solidFill>
+        <a:solidFill>
+          <a:schemeClr val="phClr">
+            <a:tint val="95000"/>
+            <a:satMod val="170000"/>
+          </a:schemeClr>
+        </a:solidFill>
+        <a:gradFill rotWithShape="1">
+          <a:gsLst>
+            <a:gs pos="0">
+              <a:schemeClr val="phClr">
+                <a:tint val="93000"/>
+                <a:satMod val="150000"/>
+                <a:shade val="98000"/>
+                <a:lumMod val="102000"/>
+              </a:schemeClr>
+            </a:gs>
+            <a:gs pos="50000">
+              <a:schemeClr val="phClr">
+                <a:tint val="98000"/>
+                <a:satMod val="130000"/>
+                <a:shade val="90000"/>
+                <a:lumMod val="103000"/>
+              </a:schemeClr>
+            </a:gs>
+            <a:gs pos="100000">
+              <a:schemeClr val="phClr">
+                <a:shade val="63000"/>
+                <a:satMod val="120000"/>
+              </a:schemeClr>
+            </a:gs>
+          </a:gsLst>
+          <a:lin ang="5400000" scaled="0"/>
+        </a:gradFill>
+      </a:bgFillStyleLst>
+    </a:fmtScheme>
+  </a:themeElements>
+  <a:objectDefaults/>
+  <a:extraClrSchemeLst/>
+  <a:extLst>
+    <a:ext uri="{05A4C25C-085E-4340-85A3-A5531E510DB2}">
+      <thm15:themeFamily xmlns:thm15="http://schemas.microsoft.com/office/thememl/2012/main" name="Office Theme" id="{62F939B6-93AF-4DB8-9C6B-D6C7DFDC589F}" vid="{4A3C46E8-61CC-4603-A589-7422A47A8E4A}"/>
+    </a:ext>
+  </a:extLst>
+</a:theme>
 </file>